--- a/ppt/2023-12-08-matthias.pptx
+++ b/ppt/2023-12-08-matthias.pptx
@@ -5,10 +5,10 @@
     <p:sldMasterId id="2147483648" r:id="rId1"/>
   </p:sldMasterIdLst>
   <p:notesMasterIdLst>
-    <p:notesMasterId r:id="rId11"/>
+    <p:notesMasterId r:id="rId19"/>
   </p:notesMasterIdLst>
   <p:handoutMasterIdLst>
-    <p:handoutMasterId r:id="rId12"/>
+    <p:handoutMasterId r:id="rId20"/>
   </p:handoutMasterIdLst>
   <p:sldIdLst>
     <p:sldId id="256" r:id="rId2"/>
@@ -20,6 +20,14 @@
     <p:sldId id="799" r:id="rId8"/>
     <p:sldId id="800" r:id="rId9"/>
     <p:sldId id="774" r:id="rId10"/>
+    <p:sldId id="801" r:id="rId11"/>
+    <p:sldId id="802" r:id="rId12"/>
+    <p:sldId id="805" r:id="rId13"/>
+    <p:sldId id="803" r:id="rId14"/>
+    <p:sldId id="804" r:id="rId15"/>
+    <p:sldId id="806" r:id="rId16"/>
+    <p:sldId id="807" r:id="rId17"/>
+    <p:sldId id="808" r:id="rId18"/>
   </p:sldIdLst>
   <p:sldSz cx="9144000" cy="6858000" type="screen4x3"/>
   <p:notesSz cx="6858000" cy="9144000"/>
@@ -138,6 +146,788 @@
 </file>
 
 <file path=ppt/diagrams/colors1.xml><?xml version="1.0" encoding="utf-8"?>
+<dgm:colorsDef xmlns:dgm="http://schemas.openxmlformats.org/drawingml/2006/diagram" xmlns:a="http://schemas.openxmlformats.org/drawingml/2006/main" uniqueId="urn:microsoft.com/office/officeart/2005/8/colors/colorful5">
+  <dgm:title val=""/>
+  <dgm:desc val=""/>
+  <dgm:catLst>
+    <dgm:cat type="colorful" pri="10500"/>
+  </dgm:catLst>
+  <dgm:styleLbl name="node0">
+    <dgm:fillClrLst meth="repeat">
+      <a:schemeClr val="accent4"/>
+    </dgm:fillClrLst>
+    <dgm:linClrLst meth="repeat">
+      <a:schemeClr val="lt1"/>
+    </dgm:linClrLst>
+    <dgm:effectClrLst/>
+    <dgm:txLinClrLst/>
+    <dgm:txFillClrLst/>
+    <dgm:txEffectClrLst/>
+  </dgm:styleLbl>
+  <dgm:styleLbl name="node1">
+    <dgm:fillClrLst>
+      <a:schemeClr val="accent5"/>
+      <a:schemeClr val="accent6"/>
+    </dgm:fillClrLst>
+    <dgm:linClrLst meth="repeat">
+      <a:schemeClr val="lt1"/>
+    </dgm:linClrLst>
+    <dgm:effectClrLst/>
+    <dgm:txLinClrLst/>
+    <dgm:txFillClrLst/>
+    <dgm:txEffectClrLst/>
+  </dgm:styleLbl>
+  <dgm:styleLbl name="alignNode1">
+    <dgm:fillClrLst>
+      <a:schemeClr val="accent5"/>
+      <a:schemeClr val="accent6"/>
+    </dgm:fillClrLst>
+    <dgm:linClrLst>
+      <a:schemeClr val="accent5"/>
+      <a:schemeClr val="accent6"/>
+    </dgm:linClrLst>
+    <dgm:effectClrLst/>
+    <dgm:txLinClrLst/>
+    <dgm:txFillClrLst/>
+    <dgm:txEffectClrLst/>
+  </dgm:styleLbl>
+  <dgm:styleLbl name="lnNode1">
+    <dgm:fillClrLst>
+      <a:schemeClr val="accent5"/>
+      <a:schemeClr val="accent6"/>
+    </dgm:fillClrLst>
+    <dgm:linClrLst meth="repeat">
+      <a:schemeClr val="lt1"/>
+    </dgm:linClrLst>
+    <dgm:effectClrLst/>
+    <dgm:txLinClrLst/>
+    <dgm:txFillClrLst/>
+    <dgm:txEffectClrLst/>
+  </dgm:styleLbl>
+  <dgm:styleLbl name="vennNode1">
+    <dgm:fillClrLst>
+      <a:schemeClr val="accent5">
+        <a:alpha val="50000"/>
+      </a:schemeClr>
+      <a:schemeClr val="accent6">
+        <a:alpha val="50000"/>
+      </a:schemeClr>
+    </dgm:fillClrLst>
+    <dgm:linClrLst meth="repeat">
+      <a:schemeClr val="lt1"/>
+    </dgm:linClrLst>
+    <dgm:effectClrLst/>
+    <dgm:txLinClrLst/>
+    <dgm:txFillClrLst/>
+    <dgm:txEffectClrLst/>
+  </dgm:styleLbl>
+  <dgm:styleLbl name="node2">
+    <dgm:fillClrLst>
+      <a:schemeClr val="accent6"/>
+    </dgm:fillClrLst>
+    <dgm:linClrLst meth="repeat">
+      <a:schemeClr val="lt1"/>
+    </dgm:linClrLst>
+    <dgm:effectClrLst/>
+    <dgm:txLinClrLst/>
+    <dgm:txFillClrLst/>
+    <dgm:txEffectClrLst/>
+  </dgm:styleLbl>
+  <dgm:styleLbl name="node3">
+    <dgm:fillClrLst>
+      <a:schemeClr val="accent1"/>
+    </dgm:fillClrLst>
+    <dgm:linClrLst meth="repeat">
+      <a:schemeClr val="lt1"/>
+    </dgm:linClrLst>
+    <dgm:effectClrLst/>
+    <dgm:txLinClrLst/>
+    <dgm:txFillClrLst/>
+    <dgm:txEffectClrLst/>
+  </dgm:styleLbl>
+  <dgm:styleLbl name="node4">
+    <dgm:fillClrLst>
+      <a:schemeClr val="accent2"/>
+    </dgm:fillClrLst>
+    <dgm:linClrLst meth="repeat">
+      <a:schemeClr val="lt1"/>
+    </dgm:linClrLst>
+    <dgm:effectClrLst/>
+    <dgm:txLinClrLst/>
+    <dgm:txFillClrLst/>
+    <dgm:txEffectClrLst/>
+  </dgm:styleLbl>
+  <dgm:styleLbl name="fgImgPlace1">
+    <dgm:fillClrLst>
+      <a:schemeClr val="accent5">
+        <a:tint val="50000"/>
+      </a:schemeClr>
+      <a:schemeClr val="accent6">
+        <a:tint val="50000"/>
+      </a:schemeClr>
+    </dgm:fillClrLst>
+    <dgm:linClrLst meth="repeat">
+      <a:schemeClr val="lt1"/>
+    </dgm:linClrLst>
+    <dgm:effectClrLst/>
+    <dgm:txLinClrLst/>
+    <dgm:txFillClrLst meth="repeat">
+      <a:schemeClr val="lt1"/>
+    </dgm:txFillClrLst>
+    <dgm:txEffectClrLst/>
+  </dgm:styleLbl>
+  <dgm:styleLbl name="alignImgPlace1">
+    <dgm:fillClrLst>
+      <a:schemeClr val="accent5">
+        <a:tint val="50000"/>
+      </a:schemeClr>
+      <a:schemeClr val="accent6">
+        <a:tint val="20000"/>
+      </a:schemeClr>
+    </dgm:fillClrLst>
+    <dgm:linClrLst meth="repeat">
+      <a:schemeClr val="lt1"/>
+    </dgm:linClrLst>
+    <dgm:effectClrLst/>
+    <dgm:txLinClrLst/>
+    <dgm:txFillClrLst meth="repeat">
+      <a:schemeClr val="lt1"/>
+    </dgm:txFillClrLst>
+    <dgm:txEffectClrLst/>
+  </dgm:styleLbl>
+  <dgm:styleLbl name="bgImgPlace1">
+    <dgm:fillClrLst>
+      <a:schemeClr val="accent5">
+        <a:tint val="50000"/>
+      </a:schemeClr>
+      <a:schemeClr val="accent6">
+        <a:tint val="20000"/>
+      </a:schemeClr>
+    </dgm:fillClrLst>
+    <dgm:linClrLst meth="repeat">
+      <a:schemeClr val="lt1"/>
+    </dgm:linClrLst>
+    <dgm:effectClrLst/>
+    <dgm:txLinClrLst/>
+    <dgm:txFillClrLst meth="repeat">
+      <a:schemeClr val="lt1"/>
+    </dgm:txFillClrLst>
+    <dgm:txEffectClrLst/>
+  </dgm:styleLbl>
+  <dgm:styleLbl name="sibTrans2D1">
+    <dgm:fillClrLst>
+      <a:schemeClr val="accent5"/>
+      <a:schemeClr val="accent6"/>
+    </dgm:fillClrLst>
+    <dgm:linClrLst meth="repeat">
+      <a:schemeClr val="lt1"/>
+    </dgm:linClrLst>
+    <dgm:effectClrLst/>
+    <dgm:txLinClrLst/>
+    <dgm:txFillClrLst/>
+    <dgm:txEffectClrLst/>
+  </dgm:styleLbl>
+  <dgm:styleLbl name="fgSibTrans2D1">
+    <dgm:fillClrLst>
+      <a:schemeClr val="accent5"/>
+      <a:schemeClr val="accent6"/>
+    </dgm:fillClrLst>
+    <dgm:linClrLst meth="repeat">
+      <a:schemeClr val="lt1"/>
+    </dgm:linClrLst>
+    <dgm:effectClrLst/>
+    <dgm:txLinClrLst/>
+    <dgm:txFillClrLst meth="repeat">
+      <a:schemeClr val="lt1"/>
+    </dgm:txFillClrLst>
+    <dgm:txEffectClrLst/>
+  </dgm:styleLbl>
+  <dgm:styleLbl name="bgSibTrans2D1">
+    <dgm:fillClrLst>
+      <a:schemeClr val="accent5"/>
+      <a:schemeClr val="accent6"/>
+    </dgm:fillClrLst>
+    <dgm:linClrLst meth="repeat">
+      <a:schemeClr val="lt1"/>
+    </dgm:linClrLst>
+    <dgm:effectClrLst/>
+    <dgm:txLinClrLst/>
+    <dgm:txFillClrLst meth="repeat">
+      <a:schemeClr val="lt1"/>
+    </dgm:txFillClrLst>
+    <dgm:txEffectClrLst/>
+  </dgm:styleLbl>
+  <dgm:styleLbl name="sibTrans1D1">
+    <dgm:fillClrLst/>
+    <dgm:linClrLst>
+      <a:schemeClr val="accent5"/>
+      <a:schemeClr val="accent6"/>
+    </dgm:linClrLst>
+    <dgm:effectClrLst/>
+    <dgm:txLinClrLst/>
+    <dgm:txFillClrLst meth="repeat">
+      <a:schemeClr val="tx1"/>
+    </dgm:txFillClrLst>
+    <dgm:txEffectClrLst/>
+  </dgm:styleLbl>
+  <dgm:styleLbl name="callout">
+    <dgm:fillClrLst meth="repeat">
+      <a:schemeClr val="accent5"/>
+    </dgm:fillClrLst>
+    <dgm:linClrLst meth="repeat">
+      <a:schemeClr val="accent5">
+        <a:tint val="50000"/>
+      </a:schemeClr>
+    </dgm:linClrLst>
+    <dgm:effectClrLst/>
+    <dgm:txLinClrLst/>
+    <dgm:txFillClrLst meth="repeat">
+      <a:schemeClr val="tx1"/>
+    </dgm:txFillClrLst>
+    <dgm:txEffectClrLst/>
+  </dgm:styleLbl>
+  <dgm:styleLbl name="asst0">
+    <dgm:fillClrLst meth="repeat">
+      <a:schemeClr val="accent5"/>
+    </dgm:fillClrLst>
+    <dgm:linClrLst meth="repeat">
+      <a:schemeClr val="lt1">
+        <a:shade val="80000"/>
+      </a:schemeClr>
+    </dgm:linClrLst>
+    <dgm:effectClrLst/>
+    <dgm:txLinClrLst/>
+    <dgm:txFillClrLst/>
+    <dgm:txEffectClrLst/>
+  </dgm:styleLbl>
+  <dgm:styleLbl name="asst1">
+    <dgm:fillClrLst meth="repeat">
+      <a:schemeClr val="accent6"/>
+    </dgm:fillClrLst>
+    <dgm:linClrLst meth="repeat">
+      <a:schemeClr val="lt1">
+        <a:shade val="80000"/>
+      </a:schemeClr>
+    </dgm:linClrLst>
+    <dgm:effectClrLst/>
+    <dgm:txLinClrLst/>
+    <dgm:txFillClrLst/>
+    <dgm:txEffectClrLst/>
+  </dgm:styleLbl>
+  <dgm:styleLbl name="asst2">
+    <dgm:fillClrLst>
+      <a:schemeClr val="accent1"/>
+    </dgm:fillClrLst>
+    <dgm:linClrLst meth="repeat">
+      <a:schemeClr val="lt1"/>
+    </dgm:linClrLst>
+    <dgm:effectClrLst/>
+    <dgm:txLinClrLst/>
+    <dgm:txFillClrLst/>
+    <dgm:txEffectClrLst/>
+  </dgm:styleLbl>
+  <dgm:styleLbl name="asst3">
+    <dgm:fillClrLst>
+      <a:schemeClr val="accent2"/>
+    </dgm:fillClrLst>
+    <dgm:linClrLst meth="repeat">
+      <a:schemeClr val="lt1"/>
+    </dgm:linClrLst>
+    <dgm:effectClrLst/>
+    <dgm:txLinClrLst/>
+    <dgm:txFillClrLst/>
+    <dgm:txEffectClrLst/>
+  </dgm:styleLbl>
+  <dgm:styleLbl name="asst4">
+    <dgm:fillClrLst>
+      <a:schemeClr val="accent3"/>
+    </dgm:fillClrLst>
+    <dgm:linClrLst meth="repeat">
+      <a:schemeClr val="lt1"/>
+    </dgm:linClrLst>
+    <dgm:effectClrLst/>
+    <dgm:txLinClrLst/>
+    <dgm:txFillClrLst/>
+    <dgm:txEffectClrLst/>
+  </dgm:styleLbl>
+  <dgm:styleLbl name="parChTrans2D1">
+    <dgm:fillClrLst meth="repeat">
+      <a:schemeClr val="accent5"/>
+    </dgm:fillClrLst>
+    <dgm:linClrLst meth="repeat">
+      <a:schemeClr val="lt1"/>
+    </dgm:linClrLst>
+    <dgm:effectClrLst/>
+    <dgm:txLinClrLst/>
+    <dgm:txFillClrLst meth="repeat">
+      <a:schemeClr val="lt1"/>
+    </dgm:txFillClrLst>
+    <dgm:txEffectClrLst/>
+  </dgm:styleLbl>
+  <dgm:styleLbl name="parChTrans2D2">
+    <dgm:fillClrLst meth="repeat">
+      <a:schemeClr val="accent6"/>
+    </dgm:fillClrLst>
+    <dgm:linClrLst meth="repeat">
+      <a:schemeClr val="lt1"/>
+    </dgm:linClrLst>
+    <dgm:effectClrLst/>
+    <dgm:txLinClrLst/>
+    <dgm:txFillClrLst/>
+    <dgm:txEffectClrLst/>
+  </dgm:styleLbl>
+  <dgm:styleLbl name="parChTrans2D3">
+    <dgm:fillClrLst meth="repeat">
+      <a:schemeClr val="accent6"/>
+    </dgm:fillClrLst>
+    <dgm:linClrLst meth="repeat">
+      <a:schemeClr val="lt1"/>
+    </dgm:linClrLst>
+    <dgm:effectClrLst/>
+    <dgm:txLinClrLst/>
+    <dgm:txFillClrLst/>
+    <dgm:txEffectClrLst/>
+  </dgm:styleLbl>
+  <dgm:styleLbl name="parChTrans2D4">
+    <dgm:fillClrLst meth="repeat">
+      <a:schemeClr val="accent1"/>
+    </dgm:fillClrLst>
+    <dgm:linClrLst meth="repeat">
+      <a:schemeClr val="lt1"/>
+    </dgm:linClrLst>
+    <dgm:effectClrLst/>
+    <dgm:txLinClrLst/>
+    <dgm:txFillClrLst meth="repeat">
+      <a:schemeClr val="lt1"/>
+    </dgm:txFillClrLst>
+    <dgm:txEffectClrLst/>
+  </dgm:styleLbl>
+  <dgm:styleLbl name="parChTrans1D1">
+    <dgm:fillClrLst meth="repeat">
+      <a:schemeClr val="accent5"/>
+    </dgm:fillClrLst>
+    <dgm:linClrLst meth="repeat">
+      <a:schemeClr val="accent5"/>
+    </dgm:linClrLst>
+    <dgm:effectClrLst/>
+    <dgm:txLinClrLst/>
+    <dgm:txFillClrLst meth="repeat">
+      <a:schemeClr val="tx1"/>
+    </dgm:txFillClrLst>
+    <dgm:txEffectClrLst/>
+  </dgm:styleLbl>
+  <dgm:styleLbl name="parChTrans1D2">
+    <dgm:fillClrLst meth="repeat">
+      <a:schemeClr val="accent6">
+        <a:tint val="90000"/>
+      </a:schemeClr>
+    </dgm:fillClrLst>
+    <dgm:linClrLst meth="repeat">
+      <a:schemeClr val="accent6"/>
+    </dgm:linClrLst>
+    <dgm:effectClrLst/>
+    <dgm:txLinClrLst/>
+    <dgm:txFillClrLst meth="repeat">
+      <a:schemeClr val="tx1"/>
+    </dgm:txFillClrLst>
+    <dgm:txEffectClrLst/>
+  </dgm:styleLbl>
+  <dgm:styleLbl name="parChTrans1D3">
+    <dgm:fillClrLst meth="repeat">
+      <a:schemeClr val="accent6">
+        <a:tint val="70000"/>
+      </a:schemeClr>
+    </dgm:fillClrLst>
+    <dgm:linClrLst meth="repeat">
+      <a:schemeClr val="accent1"/>
+    </dgm:linClrLst>
+    <dgm:effectClrLst/>
+    <dgm:txLinClrLst/>
+    <dgm:txFillClrLst meth="repeat">
+      <a:schemeClr val="tx1"/>
+    </dgm:txFillClrLst>
+    <dgm:txEffectClrLst/>
+  </dgm:styleLbl>
+  <dgm:styleLbl name="parChTrans1D4">
+    <dgm:fillClrLst meth="repeat">
+      <a:schemeClr val="accent6">
+        <a:tint val="50000"/>
+      </a:schemeClr>
+    </dgm:fillClrLst>
+    <dgm:linClrLst meth="repeat">
+      <a:schemeClr val="accent2"/>
+    </dgm:linClrLst>
+    <dgm:effectClrLst/>
+    <dgm:txLinClrLst/>
+    <dgm:txFillClrLst meth="repeat">
+      <a:schemeClr val="tx1"/>
+    </dgm:txFillClrLst>
+    <dgm:txEffectClrLst/>
+  </dgm:styleLbl>
+  <dgm:styleLbl name="fgAcc1">
+    <dgm:fillClrLst meth="repeat">
+      <a:schemeClr val="lt1">
+        <a:alpha val="90000"/>
+      </a:schemeClr>
+    </dgm:fillClrLst>
+    <dgm:linClrLst>
+      <a:schemeClr val="accent5"/>
+      <a:schemeClr val="accent6"/>
+    </dgm:linClrLst>
+    <dgm:effectClrLst/>
+    <dgm:txLinClrLst/>
+    <dgm:txFillClrLst meth="repeat">
+      <a:schemeClr val="dk1"/>
+    </dgm:txFillClrLst>
+    <dgm:txEffectClrLst/>
+  </dgm:styleLbl>
+  <dgm:styleLbl name="conFgAcc1">
+    <dgm:fillClrLst meth="repeat">
+      <a:schemeClr val="lt1">
+        <a:alpha val="90000"/>
+      </a:schemeClr>
+    </dgm:fillClrLst>
+    <dgm:linClrLst>
+      <a:schemeClr val="accent5"/>
+      <a:schemeClr val="accent6"/>
+    </dgm:linClrLst>
+    <dgm:effectClrLst/>
+    <dgm:txLinClrLst/>
+    <dgm:txFillClrLst meth="repeat">
+      <a:schemeClr val="dk1"/>
+    </dgm:txFillClrLst>
+    <dgm:txEffectClrLst/>
+  </dgm:styleLbl>
+  <dgm:styleLbl name="alignAcc1">
+    <dgm:fillClrLst meth="repeat">
+      <a:schemeClr val="lt1">
+        <a:alpha val="90000"/>
+      </a:schemeClr>
+    </dgm:fillClrLst>
+    <dgm:linClrLst>
+      <a:schemeClr val="accent5"/>
+      <a:schemeClr val="accent6"/>
+    </dgm:linClrLst>
+    <dgm:effectClrLst/>
+    <dgm:txLinClrLst/>
+    <dgm:txFillClrLst meth="repeat">
+      <a:schemeClr val="dk1"/>
+    </dgm:txFillClrLst>
+    <dgm:txEffectClrLst/>
+  </dgm:styleLbl>
+  <dgm:styleLbl name="trAlignAcc1">
+    <dgm:fillClrLst meth="repeat">
+      <a:schemeClr val="lt1">
+        <a:alpha val="40000"/>
+      </a:schemeClr>
+    </dgm:fillClrLst>
+    <dgm:linClrLst meth="repeat">
+      <a:schemeClr val="accent5"/>
+    </dgm:linClrLst>
+    <dgm:effectClrLst/>
+    <dgm:txLinClrLst/>
+    <dgm:txFillClrLst meth="repeat">
+      <a:schemeClr val="dk1"/>
+    </dgm:txFillClrLst>
+    <dgm:txEffectClrLst/>
+  </dgm:styleLbl>
+  <dgm:styleLbl name="bgAcc1">
+    <dgm:fillClrLst meth="repeat">
+      <a:schemeClr val="lt1">
+        <a:alpha val="90000"/>
+      </a:schemeClr>
+    </dgm:fillClrLst>
+    <dgm:linClrLst>
+      <a:schemeClr val="accent5"/>
+      <a:schemeClr val="accent6"/>
+    </dgm:linClrLst>
+    <dgm:effectClrLst/>
+    <dgm:txLinClrLst/>
+    <dgm:txFillClrLst meth="repeat">
+      <a:schemeClr val="dk1"/>
+    </dgm:txFillClrLst>
+    <dgm:txEffectClrLst/>
+  </dgm:styleLbl>
+  <dgm:styleLbl name="solidFgAcc1">
+    <dgm:fillClrLst meth="repeat">
+      <a:schemeClr val="lt1"/>
+    </dgm:fillClrLst>
+    <dgm:linClrLst>
+      <a:schemeClr val="accent5"/>
+      <a:schemeClr val="accent6"/>
+    </dgm:linClrLst>
+    <dgm:effectClrLst/>
+    <dgm:txLinClrLst/>
+    <dgm:txFillClrLst meth="repeat">
+      <a:schemeClr val="dk1"/>
+    </dgm:txFillClrLst>
+    <dgm:txEffectClrLst/>
+  </dgm:styleLbl>
+  <dgm:styleLbl name="solidAlignAcc1">
+    <dgm:fillClrLst meth="repeat">
+      <a:schemeClr val="lt1"/>
+    </dgm:fillClrLst>
+    <dgm:linClrLst>
+      <a:schemeClr val="accent5"/>
+      <a:schemeClr val="accent6"/>
+    </dgm:linClrLst>
+    <dgm:effectClrLst/>
+    <dgm:txLinClrLst/>
+    <dgm:txFillClrLst meth="repeat">
+      <a:schemeClr val="dk1"/>
+    </dgm:txFillClrLst>
+    <dgm:txEffectClrLst/>
+  </dgm:styleLbl>
+  <dgm:styleLbl name="solidBgAcc1">
+    <dgm:fillClrLst meth="repeat">
+      <a:schemeClr val="lt1"/>
+    </dgm:fillClrLst>
+    <dgm:linClrLst>
+      <a:schemeClr val="accent5"/>
+      <a:schemeClr val="accent6"/>
+    </dgm:linClrLst>
+    <dgm:effectClrLst/>
+    <dgm:txLinClrLst/>
+    <dgm:txFillClrLst meth="repeat">
+      <a:schemeClr val="dk1"/>
+    </dgm:txFillClrLst>
+    <dgm:txEffectClrLst/>
+  </dgm:styleLbl>
+  <dgm:styleLbl name="fgAccFollowNode1">
+    <dgm:fillClrLst>
+      <a:schemeClr val="accent5">
+        <a:tint val="40000"/>
+        <a:alpha val="90000"/>
+      </a:schemeClr>
+      <a:schemeClr val="accent6">
+        <a:tint val="40000"/>
+        <a:alpha val="90000"/>
+      </a:schemeClr>
+    </dgm:fillClrLst>
+    <dgm:linClrLst>
+      <a:schemeClr val="accent5">
+        <a:tint val="40000"/>
+        <a:alpha val="90000"/>
+      </a:schemeClr>
+      <a:schemeClr val="accent5">
+        <a:tint val="40000"/>
+        <a:alpha val="90000"/>
+      </a:schemeClr>
+    </dgm:linClrLst>
+    <dgm:effectClrLst/>
+    <dgm:txLinClrLst/>
+    <dgm:txFillClrLst meth="repeat">
+      <a:schemeClr val="dk1"/>
+    </dgm:txFillClrLst>
+    <dgm:txEffectClrLst/>
+  </dgm:styleLbl>
+  <dgm:styleLbl name="alignAccFollowNode1">
+    <dgm:fillClrLst>
+      <a:schemeClr val="accent5">
+        <a:tint val="40000"/>
+        <a:alpha val="90000"/>
+      </a:schemeClr>
+      <a:schemeClr val="accent6">
+        <a:tint val="40000"/>
+        <a:alpha val="90000"/>
+      </a:schemeClr>
+    </dgm:fillClrLst>
+    <dgm:linClrLst>
+      <a:schemeClr val="accent5">
+        <a:tint val="40000"/>
+        <a:alpha val="90000"/>
+      </a:schemeClr>
+      <a:schemeClr val="accent6">
+        <a:tint val="40000"/>
+        <a:alpha val="90000"/>
+      </a:schemeClr>
+    </dgm:linClrLst>
+    <dgm:effectClrLst/>
+    <dgm:txLinClrLst/>
+    <dgm:txFillClrLst meth="repeat">
+      <a:schemeClr val="dk1"/>
+    </dgm:txFillClrLst>
+    <dgm:txEffectClrLst/>
+  </dgm:styleLbl>
+  <dgm:styleLbl name="bgAccFollowNode1">
+    <dgm:fillClrLst>
+      <a:schemeClr val="accent5">
+        <a:tint val="40000"/>
+        <a:alpha val="90000"/>
+      </a:schemeClr>
+      <a:schemeClr val="accent6">
+        <a:tint val="40000"/>
+        <a:alpha val="90000"/>
+      </a:schemeClr>
+    </dgm:fillClrLst>
+    <dgm:linClrLst>
+      <a:schemeClr val="accent5">
+        <a:tint val="40000"/>
+        <a:alpha val="90000"/>
+      </a:schemeClr>
+      <a:schemeClr val="accent6">
+        <a:tint val="40000"/>
+        <a:alpha val="90000"/>
+      </a:schemeClr>
+    </dgm:linClrLst>
+    <dgm:effectClrLst/>
+    <dgm:txLinClrLst/>
+    <dgm:txFillClrLst meth="repeat">
+      <a:schemeClr val="dk1"/>
+    </dgm:txFillClrLst>
+    <dgm:txEffectClrLst/>
+  </dgm:styleLbl>
+  <dgm:styleLbl name="fgAcc0">
+    <dgm:fillClrLst meth="repeat">
+      <a:schemeClr val="lt1">
+        <a:alpha val="90000"/>
+      </a:schemeClr>
+    </dgm:fillClrLst>
+    <dgm:linClrLst>
+      <a:schemeClr val="accent4"/>
+    </dgm:linClrLst>
+    <dgm:effectClrLst/>
+    <dgm:txLinClrLst/>
+    <dgm:txFillClrLst meth="repeat">
+      <a:schemeClr val="dk1"/>
+    </dgm:txFillClrLst>
+    <dgm:txEffectClrLst/>
+  </dgm:styleLbl>
+  <dgm:styleLbl name="fgAcc2">
+    <dgm:fillClrLst meth="repeat">
+      <a:schemeClr val="lt1">
+        <a:alpha val="90000"/>
+      </a:schemeClr>
+    </dgm:fillClrLst>
+    <dgm:linClrLst>
+      <a:schemeClr val="accent6"/>
+    </dgm:linClrLst>
+    <dgm:effectClrLst/>
+    <dgm:txLinClrLst/>
+    <dgm:txFillClrLst meth="repeat">
+      <a:schemeClr val="dk1"/>
+    </dgm:txFillClrLst>
+    <dgm:txEffectClrLst/>
+  </dgm:styleLbl>
+  <dgm:styleLbl name="fgAcc3">
+    <dgm:fillClrLst meth="repeat">
+      <a:schemeClr val="lt1">
+        <a:alpha val="90000"/>
+      </a:schemeClr>
+    </dgm:fillClrLst>
+    <dgm:linClrLst>
+      <a:schemeClr val="accent1"/>
+    </dgm:linClrLst>
+    <dgm:effectClrLst/>
+    <dgm:txLinClrLst/>
+    <dgm:txFillClrLst meth="repeat">
+      <a:schemeClr val="dk1"/>
+    </dgm:txFillClrLst>
+    <dgm:txEffectClrLst/>
+  </dgm:styleLbl>
+  <dgm:styleLbl name="fgAcc4">
+    <dgm:fillClrLst meth="repeat">
+      <a:schemeClr val="lt1">
+        <a:alpha val="90000"/>
+      </a:schemeClr>
+    </dgm:fillClrLst>
+    <dgm:linClrLst>
+      <a:schemeClr val="accent2"/>
+    </dgm:linClrLst>
+    <dgm:effectClrLst/>
+    <dgm:txLinClrLst/>
+    <dgm:txFillClrLst meth="repeat">
+      <a:schemeClr val="dk1"/>
+    </dgm:txFillClrLst>
+    <dgm:txEffectClrLst/>
+  </dgm:styleLbl>
+  <dgm:styleLbl name="bgShp">
+    <dgm:fillClrLst meth="repeat">
+      <a:schemeClr val="accent5">
+        <a:tint val="40000"/>
+      </a:schemeClr>
+    </dgm:fillClrLst>
+    <dgm:linClrLst meth="repeat">
+      <a:schemeClr val="dk1"/>
+    </dgm:linClrLst>
+    <dgm:effectClrLst/>
+    <dgm:txLinClrLst/>
+    <dgm:txFillClrLst meth="repeat">
+      <a:schemeClr val="dk1"/>
+    </dgm:txFillClrLst>
+    <dgm:txEffectClrLst/>
+  </dgm:styleLbl>
+  <dgm:styleLbl name="dkBgShp">
+    <dgm:fillClrLst meth="repeat">
+      <a:schemeClr val="accent5">
+        <a:shade val="90000"/>
+      </a:schemeClr>
+    </dgm:fillClrLst>
+    <dgm:linClrLst meth="repeat">
+      <a:schemeClr val="dk1"/>
+    </dgm:linClrLst>
+    <dgm:effectClrLst/>
+    <dgm:txLinClrLst/>
+    <dgm:txFillClrLst meth="repeat">
+      <a:schemeClr val="lt1"/>
+    </dgm:txFillClrLst>
+    <dgm:txEffectClrLst/>
+  </dgm:styleLbl>
+  <dgm:styleLbl name="trBgShp">
+    <dgm:fillClrLst meth="repeat">
+      <a:schemeClr val="accent5">
+        <a:tint val="50000"/>
+        <a:alpha val="40000"/>
+      </a:schemeClr>
+    </dgm:fillClrLst>
+    <dgm:linClrLst meth="repeat">
+      <a:schemeClr val="accent5"/>
+    </dgm:linClrLst>
+    <dgm:effectClrLst/>
+    <dgm:txLinClrLst/>
+    <dgm:txFillClrLst meth="repeat">
+      <a:schemeClr val="lt1"/>
+    </dgm:txFillClrLst>
+    <dgm:txEffectClrLst/>
+  </dgm:styleLbl>
+  <dgm:styleLbl name="fgShp">
+    <dgm:fillClrLst meth="repeat">
+      <a:schemeClr val="accent5">
+        <a:tint val="40000"/>
+      </a:schemeClr>
+    </dgm:fillClrLst>
+    <dgm:linClrLst meth="repeat">
+      <a:schemeClr val="lt1"/>
+    </dgm:linClrLst>
+    <dgm:effectClrLst/>
+    <dgm:txLinClrLst/>
+    <dgm:txFillClrLst meth="repeat">
+      <a:schemeClr val="dk1"/>
+    </dgm:txFillClrLst>
+    <dgm:txEffectClrLst/>
+  </dgm:styleLbl>
+  <dgm:styleLbl name="revTx">
+    <dgm:fillClrLst meth="repeat">
+      <a:schemeClr val="lt1">
+        <a:alpha val="0"/>
+      </a:schemeClr>
+    </dgm:fillClrLst>
+    <dgm:linClrLst meth="repeat">
+      <a:schemeClr val="dk1">
+        <a:alpha val="0"/>
+      </a:schemeClr>
+    </dgm:linClrLst>
+    <dgm:effectClrLst/>
+    <dgm:txLinClrLst/>
+    <dgm:txFillClrLst meth="repeat">
+      <a:schemeClr val="tx1"/>
+    </dgm:txFillClrLst>
+    <dgm:txEffectClrLst/>
+  </dgm:styleLbl>
+</dgm:colorsDef>
+</file>
+
+<file path=ppt/diagrams/colors2.xml><?xml version="1.0" encoding="utf-8"?>
 <dgm:colorsDef xmlns:dgm="http://schemas.openxmlformats.org/drawingml/2006/diagram" xmlns:a="http://schemas.openxmlformats.org/drawingml/2006/main" uniqueId="urn:microsoft.com/office/officeart/2005/8/colors/colorful5">
   <dgm:title val=""/>
   <dgm:desc val=""/>
@@ -1428,6 +2218,758 @@
   <dgm:extLst>
     <a:ext uri="http://schemas.microsoft.com/office/drawing/2008/diagram">
       <dsp:dataModelExt xmlns:dsp="http://schemas.microsoft.com/office/drawing/2008/diagram" relId="rId6" minVer="http://schemas.openxmlformats.org/drawingml/2006/diagram"/>
+    </a:ext>
+  </dgm:extLst>
+</dgm:dataModel>
+</file>
+
+<file path=ppt/diagrams/data2.xml><?xml version="1.0" encoding="utf-8"?>
+<dgm:dataModel xmlns:dgm="http://schemas.openxmlformats.org/drawingml/2006/diagram" xmlns:a="http://schemas.openxmlformats.org/drawingml/2006/main">
+  <dgm:ptLst>
+    <dgm:pt modelId="{6BD2AD0C-8278-4E94-A057-768CD5E5BA64}" type="doc">
+      <dgm:prSet loTypeId="urn:microsoft.com/office/officeart/2005/8/layout/chevron2" loCatId="process" qsTypeId="urn:microsoft.com/office/officeart/2005/8/quickstyle/simple3" qsCatId="simple" csTypeId="urn:microsoft.com/office/officeart/2005/8/colors/colorful5" csCatId="colorful" phldr="1"/>
+      <dgm:spPr/>
+      <dgm:t>
+        <a:bodyPr/>
+        <a:lstStyle/>
+        <a:p>
+          <a:endParaRPr lang="de-DE"/>
+        </a:p>
+      </dgm:t>
+    </dgm:pt>
+    <dgm:pt modelId="{19D5D745-A2D8-415A-A12D-092710A9FA18}">
+      <dgm:prSet phldrT="[Text]"/>
+      <dgm:spPr/>
+      <dgm:t>
+        <a:bodyPr/>
+        <a:lstStyle/>
+        <a:p>
+          <a:r>
+            <a:rPr lang="de-DE" b="1" dirty="0"/>
+            <a:t>V3.0</a:t>
+          </a:r>
+        </a:p>
+      </dgm:t>
+    </dgm:pt>
+    <dgm:pt modelId="{F0C1E7C6-DD0A-4881-B9E3-1825FA6DC6E3}" type="parTrans" cxnId="{B410C19F-DB79-4E9E-AF64-21EB16828840}">
+      <dgm:prSet/>
+      <dgm:spPr/>
+      <dgm:t>
+        <a:bodyPr/>
+        <a:lstStyle/>
+        <a:p>
+          <a:endParaRPr lang="de-DE"/>
+        </a:p>
+      </dgm:t>
+    </dgm:pt>
+    <dgm:pt modelId="{BAF06989-D54B-4D57-A0A0-35598E9807BB}" type="sibTrans" cxnId="{B410C19F-DB79-4E9E-AF64-21EB16828840}">
+      <dgm:prSet/>
+      <dgm:spPr/>
+      <dgm:t>
+        <a:bodyPr/>
+        <a:lstStyle/>
+        <a:p>
+          <a:endParaRPr lang="de-DE"/>
+        </a:p>
+      </dgm:t>
+    </dgm:pt>
+    <dgm:pt modelId="{9337DFF2-101E-4EDF-9467-48BC91F3ED2F}">
+      <dgm:prSet phldrT="[Text]"/>
+      <dgm:spPr/>
+      <dgm:t>
+        <a:bodyPr/>
+        <a:lstStyle/>
+        <a:p>
+          <a:r>
+            <a:rPr lang="de-DE" dirty="0"/>
+            <a:t>Pure Prolog</a:t>
+          </a:r>
+        </a:p>
+      </dgm:t>
+    </dgm:pt>
+    <dgm:pt modelId="{7F2778C8-B155-479E-BCEC-5AA1A23BB96D}" type="parTrans" cxnId="{D10EA6A2-529F-44CE-9656-12C9E7C00D10}">
+      <dgm:prSet/>
+      <dgm:spPr/>
+      <dgm:t>
+        <a:bodyPr/>
+        <a:lstStyle/>
+        <a:p>
+          <a:endParaRPr lang="de-DE"/>
+        </a:p>
+      </dgm:t>
+    </dgm:pt>
+    <dgm:pt modelId="{23BD5F28-015F-4CDB-A1F9-610F19CB10F0}" type="sibTrans" cxnId="{D10EA6A2-529F-44CE-9656-12C9E7C00D10}">
+      <dgm:prSet/>
+      <dgm:spPr/>
+      <dgm:t>
+        <a:bodyPr/>
+        <a:lstStyle/>
+        <a:p>
+          <a:endParaRPr lang="de-DE"/>
+        </a:p>
+      </dgm:t>
+    </dgm:pt>
+    <dgm:pt modelId="{A7A72D49-57FF-4C63-9013-7E0955ED640B}">
+      <dgm:prSet phldrT="[Text]"/>
+      <dgm:spPr/>
+      <dgm:t>
+        <a:bodyPr/>
+        <a:lstStyle/>
+        <a:p>
+          <a:r>
+            <a:rPr lang="de-DE" dirty="0"/>
+            <a:t>slow, </a:t>
+          </a:r>
+          <a:r>
+            <a:rPr lang="de-DE" dirty="0" err="1"/>
+            <a:t>complicated</a:t>
+          </a:r>
+          <a:endParaRPr lang="de-DE" dirty="0"/>
+        </a:p>
+      </dgm:t>
+    </dgm:pt>
+    <dgm:pt modelId="{17F23D78-B977-4F70-B6E7-0A31586D3097}" type="parTrans" cxnId="{2CA79683-3B73-4A40-8E6C-36E3003F46A0}">
+      <dgm:prSet/>
+      <dgm:spPr/>
+      <dgm:t>
+        <a:bodyPr/>
+        <a:lstStyle/>
+        <a:p>
+          <a:endParaRPr lang="de-DE"/>
+        </a:p>
+      </dgm:t>
+    </dgm:pt>
+    <dgm:pt modelId="{FCF79A4C-DDDC-4779-8AFA-5EA7C6D7726F}" type="sibTrans" cxnId="{2CA79683-3B73-4A40-8E6C-36E3003F46A0}">
+      <dgm:prSet/>
+      <dgm:spPr/>
+      <dgm:t>
+        <a:bodyPr/>
+        <a:lstStyle/>
+        <a:p>
+          <a:endParaRPr lang="de-DE"/>
+        </a:p>
+      </dgm:t>
+    </dgm:pt>
+    <dgm:pt modelId="{CC70A109-4555-4DD9-9CC3-6D5365641D59}">
+      <dgm:prSet phldrT="[Text]"/>
+      <dgm:spPr/>
+      <dgm:t>
+        <a:bodyPr/>
+        <a:lstStyle/>
+        <a:p>
+          <a:r>
+            <a:rPr lang="de-DE" b="1" dirty="0"/>
+            <a:t>V3.9</a:t>
+          </a:r>
+        </a:p>
+      </dgm:t>
+    </dgm:pt>
+    <dgm:pt modelId="{BC8FCEBE-1951-4812-8BCD-9BC15FF45A1C}" type="parTrans" cxnId="{72EEB177-B3BE-4DB1-988D-C8A8D4789F64}">
+      <dgm:prSet/>
+      <dgm:spPr/>
+      <dgm:t>
+        <a:bodyPr/>
+        <a:lstStyle/>
+        <a:p>
+          <a:endParaRPr lang="de-DE"/>
+        </a:p>
+      </dgm:t>
+    </dgm:pt>
+    <dgm:pt modelId="{218F7089-108B-4EBF-B48C-4C2A7645C7B7}" type="sibTrans" cxnId="{72EEB177-B3BE-4DB1-988D-C8A8D4789F64}">
+      <dgm:prSet/>
+      <dgm:spPr/>
+      <dgm:t>
+        <a:bodyPr/>
+        <a:lstStyle/>
+        <a:p>
+          <a:endParaRPr lang="de-DE"/>
+        </a:p>
+      </dgm:t>
+    </dgm:pt>
+    <dgm:pt modelId="{B530C382-4EEB-47CF-A629-B4116FAFB88E}">
+      <dgm:prSet phldrT="[Text]"/>
+      <dgm:spPr/>
+      <dgm:t>
+        <a:bodyPr/>
+        <a:lstStyle/>
+        <a:p>
+          <a:r>
+            <a:rPr lang="de-DE" dirty="0"/>
+            <a:t>Many </a:t>
+          </a:r>
+          <a:r>
+            <a:rPr lang="de-DE" dirty="0" err="1"/>
+            <a:t>changes</a:t>
+          </a:r>
+          <a:r>
+            <a:rPr lang="de-DE" dirty="0"/>
+            <a:t> in </a:t>
+          </a:r>
+          <a:r>
+            <a:rPr lang="de-DE" dirty="0" err="1"/>
+            <a:t>the</a:t>
+          </a:r>
+          <a:r>
+            <a:rPr lang="de-DE" dirty="0"/>
+            <a:t> </a:t>
+          </a:r>
+          <a:r>
+            <a:rPr lang="de-DE" dirty="0" err="1"/>
+            <a:t>program</a:t>
+          </a:r>
+          <a:r>
+            <a:rPr lang="de-DE" dirty="0"/>
+            <a:t> (</a:t>
+          </a:r>
+          <a:r>
+            <a:rPr lang="de-DE" dirty="0" err="1"/>
+            <a:t>procedural</a:t>
+          </a:r>
+          <a:r>
+            <a:rPr lang="de-DE" dirty="0"/>
+            <a:t>)</a:t>
+          </a:r>
+        </a:p>
+      </dgm:t>
+    </dgm:pt>
+    <dgm:pt modelId="{169550ED-8466-4443-96A8-74BA207D3F48}" type="parTrans" cxnId="{125574D8-42CD-4B90-B9A9-C4368AACB6F5}">
+      <dgm:prSet/>
+      <dgm:spPr/>
+      <dgm:t>
+        <a:bodyPr/>
+        <a:lstStyle/>
+        <a:p>
+          <a:endParaRPr lang="de-DE"/>
+        </a:p>
+      </dgm:t>
+    </dgm:pt>
+    <dgm:pt modelId="{89F61EFA-8540-45F9-9064-23277D45DABD}" type="sibTrans" cxnId="{125574D8-42CD-4B90-B9A9-C4368AACB6F5}">
+      <dgm:prSet/>
+      <dgm:spPr/>
+      <dgm:t>
+        <a:bodyPr/>
+        <a:lstStyle/>
+        <a:p>
+          <a:endParaRPr lang="de-DE"/>
+        </a:p>
+      </dgm:t>
+    </dgm:pt>
+    <dgm:pt modelId="{429CA28A-BFA4-4494-A2B1-A290A13BE972}">
+      <dgm:prSet phldrT="[Text]"/>
+      <dgm:spPr/>
+      <dgm:t>
+        <a:bodyPr/>
+        <a:lstStyle/>
+        <a:p>
+          <a:r>
+            <a:rPr lang="de-DE" dirty="0"/>
+            <a:t>Validation: Same </a:t>
+          </a:r>
+          <a:r>
+            <a:rPr lang="de-DE" dirty="0" err="1"/>
+            <a:t>output</a:t>
+          </a:r>
+          <a:r>
+            <a:rPr lang="de-DE" dirty="0"/>
+            <a:t> </a:t>
+          </a:r>
+          <a:r>
+            <a:rPr lang="de-DE" dirty="0" err="1"/>
+            <a:t>as</a:t>
+          </a:r>
+          <a:r>
+            <a:rPr lang="de-DE" dirty="0"/>
+            <a:t> V3.0</a:t>
+          </a:r>
+        </a:p>
+      </dgm:t>
+    </dgm:pt>
+    <dgm:pt modelId="{7B96BF17-F574-4B5D-9143-034E58B93B08}" type="parTrans" cxnId="{8BD6CEFB-D361-4D59-916E-98A7EEE80028}">
+      <dgm:prSet/>
+      <dgm:spPr/>
+      <dgm:t>
+        <a:bodyPr/>
+        <a:lstStyle/>
+        <a:p>
+          <a:endParaRPr lang="de-DE"/>
+        </a:p>
+      </dgm:t>
+    </dgm:pt>
+    <dgm:pt modelId="{91167522-41FC-4A4F-A8B4-E24729AAFEF8}" type="sibTrans" cxnId="{8BD6CEFB-D361-4D59-916E-98A7EEE80028}">
+      <dgm:prSet/>
+      <dgm:spPr/>
+      <dgm:t>
+        <a:bodyPr/>
+        <a:lstStyle/>
+        <a:p>
+          <a:endParaRPr lang="de-DE"/>
+        </a:p>
+      </dgm:t>
+    </dgm:pt>
+    <dgm:pt modelId="{5FCD6216-7937-457D-8F4E-35083EB3D769}">
+      <dgm:prSet phldrT="[Text]"/>
+      <dgm:spPr/>
+      <dgm:t>
+        <a:bodyPr/>
+        <a:lstStyle/>
+        <a:p>
+          <a:r>
+            <a:rPr lang="de-DE" b="1" dirty="0"/>
+            <a:t>V4.0</a:t>
+          </a:r>
+        </a:p>
+      </dgm:t>
+    </dgm:pt>
+    <dgm:pt modelId="{1B1B818D-83F4-431B-A3D7-F65480166DB0}" type="parTrans" cxnId="{016FABE8-0EB9-4C60-A206-C4C512F56858}">
+      <dgm:prSet/>
+      <dgm:spPr/>
+      <dgm:t>
+        <a:bodyPr/>
+        <a:lstStyle/>
+        <a:p>
+          <a:endParaRPr lang="de-DE"/>
+        </a:p>
+      </dgm:t>
+    </dgm:pt>
+    <dgm:pt modelId="{B037AB92-E79E-4A00-BD75-4C5410F1F6F8}" type="sibTrans" cxnId="{016FABE8-0EB9-4C60-A206-C4C512F56858}">
+      <dgm:prSet/>
+      <dgm:spPr/>
+      <dgm:t>
+        <a:bodyPr/>
+        <a:lstStyle/>
+        <a:p>
+          <a:endParaRPr lang="de-DE"/>
+        </a:p>
+      </dgm:t>
+    </dgm:pt>
+    <dgm:pt modelId="{952CF6A0-F583-4DFB-8A4C-AFFF7CDDB530}">
+      <dgm:prSet phldrT="[Text]"/>
+      <dgm:spPr/>
+      <dgm:t>
+        <a:bodyPr/>
+        <a:lstStyle/>
+        <a:p>
+          <a:r>
+            <a:rPr lang="de-DE" dirty="0" err="1"/>
+            <a:t>Few</a:t>
+          </a:r>
+          <a:r>
+            <a:rPr lang="de-DE" dirty="0"/>
+            <a:t> </a:t>
+          </a:r>
+          <a:r>
+            <a:rPr lang="de-DE" dirty="0" err="1"/>
+            <a:t>changes</a:t>
+          </a:r>
+          <a:r>
+            <a:rPr lang="de-DE" dirty="0"/>
+            <a:t> </a:t>
+          </a:r>
+          <a:r>
+            <a:rPr lang="de-DE" dirty="0" err="1"/>
+            <a:t>for</a:t>
+          </a:r>
+          <a:r>
+            <a:rPr lang="de-DE" dirty="0"/>
+            <a:t> </a:t>
+          </a:r>
+          <a:r>
+            <a:rPr lang="de-DE" dirty="0" err="1"/>
+            <a:t>consistency</a:t>
+          </a:r>
+          <a:r>
+            <a:rPr lang="de-DE" dirty="0"/>
+            <a:t>, </a:t>
+          </a:r>
+          <a:r>
+            <a:rPr lang="de-DE" dirty="0" err="1"/>
+            <a:t>improvements</a:t>
+          </a:r>
+          <a:endParaRPr lang="de-DE" dirty="0"/>
+        </a:p>
+      </dgm:t>
+    </dgm:pt>
+    <dgm:pt modelId="{411FEB40-78CA-4F70-A526-4636895EEDF3}" type="parTrans" cxnId="{0D06D743-E4B3-4EE7-971B-4BF4564388EF}">
+      <dgm:prSet/>
+      <dgm:spPr/>
+      <dgm:t>
+        <a:bodyPr/>
+        <a:lstStyle/>
+        <a:p>
+          <a:endParaRPr lang="de-DE"/>
+        </a:p>
+      </dgm:t>
+    </dgm:pt>
+    <dgm:pt modelId="{40031FF7-5ABE-4FD8-8C3D-9B05F948779C}" type="sibTrans" cxnId="{0D06D743-E4B3-4EE7-971B-4BF4564388EF}">
+      <dgm:prSet/>
+      <dgm:spPr/>
+      <dgm:t>
+        <a:bodyPr/>
+        <a:lstStyle/>
+        <a:p>
+          <a:endParaRPr lang="de-DE"/>
+        </a:p>
+      </dgm:t>
+    </dgm:pt>
+    <dgm:pt modelId="{247F590C-EC98-4AAD-B6B5-353BCF3D4B35}">
+      <dgm:prSet phldrT="[Text]"/>
+      <dgm:spPr/>
+      <dgm:t>
+        <a:bodyPr/>
+        <a:lstStyle/>
+        <a:p>
+          <a:r>
+            <a:rPr lang="de-DE" dirty="0"/>
+            <a:t>Validation: code review, </a:t>
+          </a:r>
+          <a:r>
+            <a:rPr lang="de-DE" dirty="0" err="1"/>
+            <a:t>coverage</a:t>
+          </a:r>
+          <a:r>
+            <a:rPr lang="de-DE" dirty="0"/>
+            <a:t> </a:t>
+          </a:r>
+          <a:r>
+            <a:rPr lang="de-DE" dirty="0" err="1"/>
+            <a:t>estimates</a:t>
+          </a:r>
+          <a:endParaRPr lang="de-DE" dirty="0"/>
+        </a:p>
+      </dgm:t>
+    </dgm:pt>
+    <dgm:pt modelId="{DEBDD56A-E4B5-45DD-8683-68B50F127CBB}" type="parTrans" cxnId="{87E7CFB9-61EF-45FF-9B6C-E301BDB0970E}">
+      <dgm:prSet/>
+      <dgm:spPr/>
+      <dgm:t>
+        <a:bodyPr/>
+        <a:lstStyle/>
+        <a:p>
+          <a:endParaRPr lang="de-DE"/>
+        </a:p>
+      </dgm:t>
+    </dgm:pt>
+    <dgm:pt modelId="{FA4DD86D-28A2-474B-9A3F-1017EBC1C3BA}" type="sibTrans" cxnId="{87E7CFB9-61EF-45FF-9B6C-E301BDB0970E}">
+      <dgm:prSet/>
+      <dgm:spPr/>
+      <dgm:t>
+        <a:bodyPr/>
+        <a:lstStyle/>
+        <a:p>
+          <a:endParaRPr lang="de-DE"/>
+        </a:p>
+      </dgm:t>
+    </dgm:pt>
+    <dgm:pt modelId="{60610571-5859-4E6C-89F1-771B53469310}">
+      <dgm:prSet phldrT="[Text]"/>
+      <dgm:spPr/>
+      <dgm:t>
+        <a:bodyPr/>
+        <a:lstStyle/>
+        <a:p>
+          <a:r>
+            <a:rPr lang="de-DE" b="1" dirty="0"/>
+            <a:t>V4.0 in R</a:t>
+          </a:r>
+        </a:p>
+      </dgm:t>
+    </dgm:pt>
+    <dgm:pt modelId="{32A3ADE2-93CB-4636-8D53-5C67A9A454DD}" type="parTrans" cxnId="{D59822E5-AA92-4BDB-9F07-3078BB61745A}">
+      <dgm:prSet/>
+      <dgm:spPr/>
+      <dgm:t>
+        <a:bodyPr/>
+        <a:lstStyle/>
+        <a:p>
+          <a:endParaRPr lang="de-DE"/>
+        </a:p>
+      </dgm:t>
+    </dgm:pt>
+    <dgm:pt modelId="{2F434C95-D123-453D-A629-34A0D3BEF999}" type="sibTrans" cxnId="{D59822E5-AA92-4BDB-9F07-3078BB61745A}">
+      <dgm:prSet/>
+      <dgm:spPr/>
+      <dgm:t>
+        <a:bodyPr/>
+        <a:lstStyle/>
+        <a:p>
+          <a:endParaRPr lang="de-DE"/>
+        </a:p>
+      </dgm:t>
+    </dgm:pt>
+    <dgm:pt modelId="{03185346-99C4-4931-8490-150F0DC351A8}">
+      <dgm:prSet phldrT="[Text]"/>
+      <dgm:spPr/>
+      <dgm:t>
+        <a:bodyPr/>
+        <a:lstStyle/>
+        <a:p>
+          <a:r>
+            <a:rPr lang="de-DE" dirty="0"/>
+            <a:t>Many </a:t>
+          </a:r>
+          <a:r>
+            <a:rPr lang="de-DE" dirty="0" err="1"/>
+            <a:t>changes</a:t>
+          </a:r>
+          <a:r>
+            <a:rPr lang="de-DE" dirty="0"/>
+            <a:t> (R </a:t>
+          </a:r>
+          <a:r>
+            <a:rPr lang="de-DE" dirty="0" err="1"/>
+            <a:t>differs</a:t>
+          </a:r>
+          <a:r>
+            <a:rPr lang="de-DE" dirty="0"/>
+            <a:t> a </a:t>
+          </a:r>
+          <a:r>
+            <a:rPr lang="de-DE" dirty="0" err="1"/>
+            <a:t>lot</a:t>
+          </a:r>
+          <a:r>
+            <a:rPr lang="de-DE" dirty="0"/>
+            <a:t> </a:t>
+          </a:r>
+          <a:r>
+            <a:rPr lang="de-DE" dirty="0" err="1"/>
+            <a:t>from</a:t>
+          </a:r>
+          <a:r>
+            <a:rPr lang="de-DE" dirty="0"/>
+            <a:t> Prolog)</a:t>
+          </a:r>
+        </a:p>
+      </dgm:t>
+    </dgm:pt>
+    <dgm:pt modelId="{92442FB3-7328-40F3-A944-EF5EC8029466}" type="parTrans" cxnId="{C89D34A6-2408-4C36-8D1C-B0A2EF54FD12}">
+      <dgm:prSet/>
+      <dgm:spPr/>
+      <dgm:t>
+        <a:bodyPr/>
+        <a:lstStyle/>
+        <a:p>
+          <a:endParaRPr lang="de-DE"/>
+        </a:p>
+      </dgm:t>
+    </dgm:pt>
+    <dgm:pt modelId="{5B53D744-D316-4114-980D-3A7C19A3D8B7}" type="sibTrans" cxnId="{C89D34A6-2408-4C36-8D1C-B0A2EF54FD12}">
+      <dgm:prSet/>
+      <dgm:spPr/>
+      <dgm:t>
+        <a:bodyPr/>
+        <a:lstStyle/>
+        <a:p>
+          <a:endParaRPr lang="de-DE"/>
+        </a:p>
+      </dgm:t>
+    </dgm:pt>
+    <dgm:pt modelId="{48378388-C0E4-4F38-838A-92B08BD54A74}">
+      <dgm:prSet phldrT="[Text]"/>
+      <dgm:spPr/>
+      <dgm:t>
+        <a:bodyPr/>
+        <a:lstStyle/>
+        <a:p>
+          <a:r>
+            <a:rPr lang="de-DE" dirty="0"/>
+            <a:t>Validation: Same </a:t>
+          </a:r>
+          <a:r>
+            <a:rPr lang="de-DE" dirty="0" err="1"/>
+            <a:t>output</a:t>
+          </a:r>
+          <a:r>
+            <a:rPr lang="de-DE" dirty="0"/>
+            <a:t> </a:t>
+          </a:r>
+          <a:r>
+            <a:rPr lang="de-DE" dirty="0" err="1"/>
+            <a:t>as</a:t>
+          </a:r>
+          <a:r>
+            <a:rPr lang="de-DE" dirty="0"/>
+            <a:t> V4.0</a:t>
+          </a:r>
+        </a:p>
+      </dgm:t>
+    </dgm:pt>
+    <dgm:pt modelId="{4376994C-D234-4118-AFBC-17B7A2A1B165}" type="parTrans" cxnId="{DD14ECEE-6226-4DF6-96CB-DBD53F518866}">
+      <dgm:prSet/>
+      <dgm:spPr/>
+      <dgm:t>
+        <a:bodyPr/>
+        <a:lstStyle/>
+        <a:p>
+          <a:endParaRPr lang="de-DE"/>
+        </a:p>
+      </dgm:t>
+    </dgm:pt>
+    <dgm:pt modelId="{FD8285AF-AA4B-4FA2-B403-7C972CACD499}" type="sibTrans" cxnId="{DD14ECEE-6226-4DF6-96CB-DBD53F518866}">
+      <dgm:prSet/>
+      <dgm:spPr/>
+      <dgm:t>
+        <a:bodyPr/>
+        <a:lstStyle/>
+        <a:p>
+          <a:endParaRPr lang="de-DE"/>
+        </a:p>
+      </dgm:t>
+    </dgm:pt>
+    <dgm:pt modelId="{D0C278B1-37F0-4845-B31E-AA669FDAAB5B}" type="pres">
+      <dgm:prSet presAssocID="{6BD2AD0C-8278-4E94-A057-768CD5E5BA64}" presName="linearFlow" presStyleCnt="0">
+        <dgm:presLayoutVars>
+          <dgm:dir/>
+          <dgm:animLvl val="lvl"/>
+          <dgm:resizeHandles val="exact"/>
+        </dgm:presLayoutVars>
+      </dgm:prSet>
+      <dgm:spPr/>
+    </dgm:pt>
+    <dgm:pt modelId="{E8171221-851A-4622-A657-473AAFE07E21}" type="pres">
+      <dgm:prSet presAssocID="{19D5D745-A2D8-415A-A12D-092710A9FA18}" presName="composite" presStyleCnt="0"/>
+      <dgm:spPr/>
+    </dgm:pt>
+    <dgm:pt modelId="{5ED477DE-A442-4F48-ACA8-9B8F47A80130}" type="pres">
+      <dgm:prSet presAssocID="{19D5D745-A2D8-415A-A12D-092710A9FA18}" presName="parentText" presStyleLbl="alignNode1" presStyleIdx="0" presStyleCnt="4">
+        <dgm:presLayoutVars>
+          <dgm:chMax val="1"/>
+          <dgm:bulletEnabled val="1"/>
+        </dgm:presLayoutVars>
+      </dgm:prSet>
+      <dgm:spPr/>
+    </dgm:pt>
+    <dgm:pt modelId="{01DDE0B1-2BBB-4E9C-A313-086E867E861B}" type="pres">
+      <dgm:prSet presAssocID="{19D5D745-A2D8-415A-A12D-092710A9FA18}" presName="descendantText" presStyleLbl="alignAcc1" presStyleIdx="0" presStyleCnt="4">
+        <dgm:presLayoutVars>
+          <dgm:bulletEnabled val="1"/>
+        </dgm:presLayoutVars>
+      </dgm:prSet>
+      <dgm:spPr/>
+    </dgm:pt>
+    <dgm:pt modelId="{8C04E646-7B0E-4689-980D-E65009316FBE}" type="pres">
+      <dgm:prSet presAssocID="{BAF06989-D54B-4D57-A0A0-35598E9807BB}" presName="sp" presStyleCnt="0"/>
+      <dgm:spPr/>
+    </dgm:pt>
+    <dgm:pt modelId="{4F82E156-45B3-4B85-84C3-B9881CCEBABD}" type="pres">
+      <dgm:prSet presAssocID="{CC70A109-4555-4DD9-9CC3-6D5365641D59}" presName="composite" presStyleCnt="0"/>
+      <dgm:spPr/>
+    </dgm:pt>
+    <dgm:pt modelId="{8D7F975F-1369-43F6-8224-8F3B71706E83}" type="pres">
+      <dgm:prSet presAssocID="{CC70A109-4555-4DD9-9CC3-6D5365641D59}" presName="parentText" presStyleLbl="alignNode1" presStyleIdx="1" presStyleCnt="4">
+        <dgm:presLayoutVars>
+          <dgm:chMax val="1"/>
+          <dgm:bulletEnabled val="1"/>
+        </dgm:presLayoutVars>
+      </dgm:prSet>
+      <dgm:spPr/>
+    </dgm:pt>
+    <dgm:pt modelId="{C8235AFE-157A-4E09-A52C-6D68C4A93CFB}" type="pres">
+      <dgm:prSet presAssocID="{CC70A109-4555-4DD9-9CC3-6D5365641D59}" presName="descendantText" presStyleLbl="alignAcc1" presStyleIdx="1" presStyleCnt="4">
+        <dgm:presLayoutVars>
+          <dgm:bulletEnabled val="1"/>
+        </dgm:presLayoutVars>
+      </dgm:prSet>
+      <dgm:spPr/>
+    </dgm:pt>
+    <dgm:pt modelId="{639DB538-24E3-4420-8603-9AACBAE73A0C}" type="pres">
+      <dgm:prSet presAssocID="{218F7089-108B-4EBF-B48C-4C2A7645C7B7}" presName="sp" presStyleCnt="0"/>
+      <dgm:spPr/>
+    </dgm:pt>
+    <dgm:pt modelId="{541007BB-2E3A-40AB-BA36-22DB980A7513}" type="pres">
+      <dgm:prSet presAssocID="{5FCD6216-7937-457D-8F4E-35083EB3D769}" presName="composite" presStyleCnt="0"/>
+      <dgm:spPr/>
+    </dgm:pt>
+    <dgm:pt modelId="{42E1CB8D-D868-4B13-8957-7968481E6A78}" type="pres">
+      <dgm:prSet presAssocID="{5FCD6216-7937-457D-8F4E-35083EB3D769}" presName="parentText" presStyleLbl="alignNode1" presStyleIdx="2" presStyleCnt="4">
+        <dgm:presLayoutVars>
+          <dgm:chMax val="1"/>
+          <dgm:bulletEnabled val="1"/>
+        </dgm:presLayoutVars>
+      </dgm:prSet>
+      <dgm:spPr/>
+    </dgm:pt>
+    <dgm:pt modelId="{A33D3D95-CC4D-44F1-94B7-6A485FE38AA4}" type="pres">
+      <dgm:prSet presAssocID="{5FCD6216-7937-457D-8F4E-35083EB3D769}" presName="descendantText" presStyleLbl="alignAcc1" presStyleIdx="2" presStyleCnt="4">
+        <dgm:presLayoutVars>
+          <dgm:bulletEnabled val="1"/>
+        </dgm:presLayoutVars>
+      </dgm:prSet>
+      <dgm:spPr/>
+    </dgm:pt>
+    <dgm:pt modelId="{CF0275C6-942D-433F-BC15-4FE3A6EFBE92}" type="pres">
+      <dgm:prSet presAssocID="{B037AB92-E79E-4A00-BD75-4C5410F1F6F8}" presName="sp" presStyleCnt="0"/>
+      <dgm:spPr/>
+    </dgm:pt>
+    <dgm:pt modelId="{DE26E5A1-A0B2-4EF0-93B1-575F45679754}" type="pres">
+      <dgm:prSet presAssocID="{60610571-5859-4E6C-89F1-771B53469310}" presName="composite" presStyleCnt="0"/>
+      <dgm:spPr/>
+    </dgm:pt>
+    <dgm:pt modelId="{46F98F2B-2370-41D6-8810-25F7E45FACD9}" type="pres">
+      <dgm:prSet presAssocID="{60610571-5859-4E6C-89F1-771B53469310}" presName="parentText" presStyleLbl="alignNode1" presStyleIdx="3" presStyleCnt="4">
+        <dgm:presLayoutVars>
+          <dgm:chMax val="1"/>
+          <dgm:bulletEnabled val="1"/>
+        </dgm:presLayoutVars>
+      </dgm:prSet>
+      <dgm:spPr/>
+    </dgm:pt>
+    <dgm:pt modelId="{BFA8F73E-C20D-4A8B-8256-64807B2CE222}" type="pres">
+      <dgm:prSet presAssocID="{60610571-5859-4E6C-89F1-771B53469310}" presName="descendantText" presStyleLbl="alignAcc1" presStyleIdx="3" presStyleCnt="4">
+        <dgm:presLayoutVars>
+          <dgm:bulletEnabled val="1"/>
+        </dgm:presLayoutVars>
+      </dgm:prSet>
+      <dgm:spPr/>
+    </dgm:pt>
+  </dgm:ptLst>
+  <dgm:cxnLst>
+    <dgm:cxn modelId="{F5572F1B-593D-487D-98ED-279A0D2AE434}" type="presOf" srcId="{9337DFF2-101E-4EDF-9467-48BC91F3ED2F}" destId="{01DDE0B1-2BBB-4E9C-A313-086E867E861B}" srcOrd="0" destOrd="0" presId="urn:microsoft.com/office/officeart/2005/8/layout/chevron2"/>
+    <dgm:cxn modelId="{E679A028-6A7C-4301-8BFD-4C644C51DF8F}" type="presOf" srcId="{48378388-C0E4-4F38-838A-92B08BD54A74}" destId="{BFA8F73E-C20D-4A8B-8256-64807B2CE222}" srcOrd="0" destOrd="1" presId="urn:microsoft.com/office/officeart/2005/8/layout/chevron2"/>
+    <dgm:cxn modelId="{225A9832-B5A2-41BF-97AE-353D2D8DA683}" type="presOf" srcId="{A7A72D49-57FF-4C63-9013-7E0955ED640B}" destId="{01DDE0B1-2BBB-4E9C-A313-086E867E861B}" srcOrd="0" destOrd="1" presId="urn:microsoft.com/office/officeart/2005/8/layout/chevron2"/>
+    <dgm:cxn modelId="{0D06D743-E4B3-4EE7-971B-4BF4564388EF}" srcId="{5FCD6216-7937-457D-8F4E-35083EB3D769}" destId="{952CF6A0-F583-4DFB-8A4C-AFFF7CDDB530}" srcOrd="0" destOrd="0" parTransId="{411FEB40-78CA-4F70-A526-4636895EEDF3}" sibTransId="{40031FF7-5ABE-4FD8-8C3D-9B05F948779C}"/>
+    <dgm:cxn modelId="{1E107F64-6700-4665-9731-F437A1921CB7}" type="presOf" srcId="{429CA28A-BFA4-4494-A2B1-A290A13BE972}" destId="{C8235AFE-157A-4E09-A52C-6D68C4A93CFB}" srcOrd="0" destOrd="1" presId="urn:microsoft.com/office/officeart/2005/8/layout/chevron2"/>
+    <dgm:cxn modelId="{5F15076E-3FC2-40E3-9074-80844592BEBE}" type="presOf" srcId="{60610571-5859-4E6C-89F1-771B53469310}" destId="{46F98F2B-2370-41D6-8810-25F7E45FACD9}" srcOrd="0" destOrd="0" presId="urn:microsoft.com/office/officeart/2005/8/layout/chevron2"/>
+    <dgm:cxn modelId="{72EEB177-B3BE-4DB1-988D-C8A8D4789F64}" srcId="{6BD2AD0C-8278-4E94-A057-768CD5E5BA64}" destId="{CC70A109-4555-4DD9-9CC3-6D5365641D59}" srcOrd="1" destOrd="0" parTransId="{BC8FCEBE-1951-4812-8BCD-9BC15FF45A1C}" sibTransId="{218F7089-108B-4EBF-B48C-4C2A7645C7B7}"/>
+    <dgm:cxn modelId="{2CA79683-3B73-4A40-8E6C-36E3003F46A0}" srcId="{19D5D745-A2D8-415A-A12D-092710A9FA18}" destId="{A7A72D49-57FF-4C63-9013-7E0955ED640B}" srcOrd="1" destOrd="0" parTransId="{17F23D78-B977-4F70-B6E7-0A31586D3097}" sibTransId="{FCF79A4C-DDDC-4779-8AFA-5EA7C6D7726F}"/>
+    <dgm:cxn modelId="{EA109188-3304-47FA-9C54-230F99CBE014}" type="presOf" srcId="{B530C382-4EEB-47CF-A629-B4116FAFB88E}" destId="{C8235AFE-157A-4E09-A52C-6D68C4A93CFB}" srcOrd="0" destOrd="0" presId="urn:microsoft.com/office/officeart/2005/8/layout/chevron2"/>
+    <dgm:cxn modelId="{E7FB538D-6E84-4377-A24D-A6FF00C604FE}" type="presOf" srcId="{19D5D745-A2D8-415A-A12D-092710A9FA18}" destId="{5ED477DE-A442-4F48-ACA8-9B8F47A80130}" srcOrd="0" destOrd="0" presId="urn:microsoft.com/office/officeart/2005/8/layout/chevron2"/>
+    <dgm:cxn modelId="{4A18B49D-3561-4994-9731-3BFB471AF1DB}" type="presOf" srcId="{6BD2AD0C-8278-4E94-A057-768CD5E5BA64}" destId="{D0C278B1-37F0-4845-B31E-AA669FDAAB5B}" srcOrd="0" destOrd="0" presId="urn:microsoft.com/office/officeart/2005/8/layout/chevron2"/>
+    <dgm:cxn modelId="{B410C19F-DB79-4E9E-AF64-21EB16828840}" srcId="{6BD2AD0C-8278-4E94-A057-768CD5E5BA64}" destId="{19D5D745-A2D8-415A-A12D-092710A9FA18}" srcOrd="0" destOrd="0" parTransId="{F0C1E7C6-DD0A-4881-B9E3-1825FA6DC6E3}" sibTransId="{BAF06989-D54B-4D57-A0A0-35598E9807BB}"/>
+    <dgm:cxn modelId="{D10EA6A2-529F-44CE-9656-12C9E7C00D10}" srcId="{19D5D745-A2D8-415A-A12D-092710A9FA18}" destId="{9337DFF2-101E-4EDF-9467-48BC91F3ED2F}" srcOrd="0" destOrd="0" parTransId="{7F2778C8-B155-479E-BCEC-5AA1A23BB96D}" sibTransId="{23BD5F28-015F-4CDB-A1F9-610F19CB10F0}"/>
+    <dgm:cxn modelId="{C89D34A6-2408-4C36-8D1C-B0A2EF54FD12}" srcId="{60610571-5859-4E6C-89F1-771B53469310}" destId="{03185346-99C4-4931-8490-150F0DC351A8}" srcOrd="0" destOrd="0" parTransId="{92442FB3-7328-40F3-A944-EF5EC8029466}" sibTransId="{5B53D744-D316-4114-980D-3A7C19A3D8B7}"/>
+    <dgm:cxn modelId="{87E7CFB9-61EF-45FF-9B6C-E301BDB0970E}" srcId="{5FCD6216-7937-457D-8F4E-35083EB3D769}" destId="{247F590C-EC98-4AAD-B6B5-353BCF3D4B35}" srcOrd="1" destOrd="0" parTransId="{DEBDD56A-E4B5-45DD-8683-68B50F127CBB}" sibTransId="{FA4DD86D-28A2-474B-9A3F-1017EBC1C3BA}"/>
+    <dgm:cxn modelId="{D3ED07C0-F3B1-40AC-AB7B-4FFE84883CC7}" type="presOf" srcId="{03185346-99C4-4931-8490-150F0DC351A8}" destId="{BFA8F73E-C20D-4A8B-8256-64807B2CE222}" srcOrd="0" destOrd="0" presId="urn:microsoft.com/office/officeart/2005/8/layout/chevron2"/>
+    <dgm:cxn modelId="{59D943C5-FAA9-4855-8F52-A1A6A5CA12AE}" type="presOf" srcId="{952CF6A0-F583-4DFB-8A4C-AFFF7CDDB530}" destId="{A33D3D95-CC4D-44F1-94B7-6A485FE38AA4}" srcOrd="0" destOrd="0" presId="urn:microsoft.com/office/officeart/2005/8/layout/chevron2"/>
+    <dgm:cxn modelId="{F22E31D4-3AC0-4516-ACA4-5CC8295255F0}" type="presOf" srcId="{5FCD6216-7937-457D-8F4E-35083EB3D769}" destId="{42E1CB8D-D868-4B13-8957-7968481E6A78}" srcOrd="0" destOrd="0" presId="urn:microsoft.com/office/officeart/2005/8/layout/chevron2"/>
+    <dgm:cxn modelId="{125574D8-42CD-4B90-B9A9-C4368AACB6F5}" srcId="{CC70A109-4555-4DD9-9CC3-6D5365641D59}" destId="{B530C382-4EEB-47CF-A629-B4116FAFB88E}" srcOrd="0" destOrd="0" parTransId="{169550ED-8466-4443-96A8-74BA207D3F48}" sibTransId="{89F61EFA-8540-45F9-9064-23277D45DABD}"/>
+    <dgm:cxn modelId="{70A359E3-B03C-4EAA-85FA-243CDEFAEB7C}" type="presOf" srcId="{CC70A109-4555-4DD9-9CC3-6D5365641D59}" destId="{8D7F975F-1369-43F6-8224-8F3B71706E83}" srcOrd="0" destOrd="0" presId="urn:microsoft.com/office/officeart/2005/8/layout/chevron2"/>
+    <dgm:cxn modelId="{D59822E5-AA92-4BDB-9F07-3078BB61745A}" srcId="{6BD2AD0C-8278-4E94-A057-768CD5E5BA64}" destId="{60610571-5859-4E6C-89F1-771B53469310}" srcOrd="3" destOrd="0" parTransId="{32A3ADE2-93CB-4636-8D53-5C67A9A454DD}" sibTransId="{2F434C95-D123-453D-A629-34A0D3BEF999}"/>
+    <dgm:cxn modelId="{016FABE8-0EB9-4C60-A206-C4C512F56858}" srcId="{6BD2AD0C-8278-4E94-A057-768CD5E5BA64}" destId="{5FCD6216-7937-457D-8F4E-35083EB3D769}" srcOrd="2" destOrd="0" parTransId="{1B1B818D-83F4-431B-A3D7-F65480166DB0}" sibTransId="{B037AB92-E79E-4A00-BD75-4C5410F1F6F8}"/>
+    <dgm:cxn modelId="{DD14ECEE-6226-4DF6-96CB-DBD53F518866}" srcId="{60610571-5859-4E6C-89F1-771B53469310}" destId="{48378388-C0E4-4F38-838A-92B08BD54A74}" srcOrd="1" destOrd="0" parTransId="{4376994C-D234-4118-AFBC-17B7A2A1B165}" sibTransId="{FD8285AF-AA4B-4FA2-B403-7C972CACD499}"/>
+    <dgm:cxn modelId="{A8025AF9-E6DF-4EEC-8641-87F5A2F82A8A}" type="presOf" srcId="{247F590C-EC98-4AAD-B6B5-353BCF3D4B35}" destId="{A33D3D95-CC4D-44F1-94B7-6A485FE38AA4}" srcOrd="0" destOrd="1" presId="urn:microsoft.com/office/officeart/2005/8/layout/chevron2"/>
+    <dgm:cxn modelId="{8BD6CEFB-D361-4D59-916E-98A7EEE80028}" srcId="{CC70A109-4555-4DD9-9CC3-6D5365641D59}" destId="{429CA28A-BFA4-4494-A2B1-A290A13BE972}" srcOrd="1" destOrd="0" parTransId="{7B96BF17-F574-4B5D-9143-034E58B93B08}" sibTransId="{91167522-41FC-4A4F-A8B4-E24729AAFEF8}"/>
+    <dgm:cxn modelId="{1E2B161F-27E0-44E7-8B03-B30F3F069B00}" type="presParOf" srcId="{D0C278B1-37F0-4845-B31E-AA669FDAAB5B}" destId="{E8171221-851A-4622-A657-473AAFE07E21}" srcOrd="0" destOrd="0" presId="urn:microsoft.com/office/officeart/2005/8/layout/chevron2"/>
+    <dgm:cxn modelId="{958360C8-AA32-4AC0-89BC-00FB81009CF4}" type="presParOf" srcId="{E8171221-851A-4622-A657-473AAFE07E21}" destId="{5ED477DE-A442-4F48-ACA8-9B8F47A80130}" srcOrd="0" destOrd="0" presId="urn:microsoft.com/office/officeart/2005/8/layout/chevron2"/>
+    <dgm:cxn modelId="{4ABDF7DE-B7FD-4ADC-894E-2A7FCECC0FDA}" type="presParOf" srcId="{E8171221-851A-4622-A657-473AAFE07E21}" destId="{01DDE0B1-2BBB-4E9C-A313-086E867E861B}" srcOrd="1" destOrd="0" presId="urn:microsoft.com/office/officeart/2005/8/layout/chevron2"/>
+    <dgm:cxn modelId="{D1207D0B-3DB1-4E09-8B43-CDE1942B13DC}" type="presParOf" srcId="{D0C278B1-37F0-4845-B31E-AA669FDAAB5B}" destId="{8C04E646-7B0E-4689-980D-E65009316FBE}" srcOrd="1" destOrd="0" presId="urn:microsoft.com/office/officeart/2005/8/layout/chevron2"/>
+    <dgm:cxn modelId="{4EC367B2-1ED8-4897-A2CE-7F44AF74A64C}" type="presParOf" srcId="{D0C278B1-37F0-4845-B31E-AA669FDAAB5B}" destId="{4F82E156-45B3-4B85-84C3-B9881CCEBABD}" srcOrd="2" destOrd="0" presId="urn:microsoft.com/office/officeart/2005/8/layout/chevron2"/>
+    <dgm:cxn modelId="{C08FDDE6-FF7C-49C4-9986-CDAA84235968}" type="presParOf" srcId="{4F82E156-45B3-4B85-84C3-B9881CCEBABD}" destId="{8D7F975F-1369-43F6-8224-8F3B71706E83}" srcOrd="0" destOrd="0" presId="urn:microsoft.com/office/officeart/2005/8/layout/chevron2"/>
+    <dgm:cxn modelId="{F289A11A-3265-433D-83A6-515DDF20130B}" type="presParOf" srcId="{4F82E156-45B3-4B85-84C3-B9881CCEBABD}" destId="{C8235AFE-157A-4E09-A52C-6D68C4A93CFB}" srcOrd="1" destOrd="0" presId="urn:microsoft.com/office/officeart/2005/8/layout/chevron2"/>
+    <dgm:cxn modelId="{8D827C02-B66D-4FB3-BA9B-5BE87F5D2327}" type="presParOf" srcId="{D0C278B1-37F0-4845-B31E-AA669FDAAB5B}" destId="{639DB538-24E3-4420-8603-9AACBAE73A0C}" srcOrd="3" destOrd="0" presId="urn:microsoft.com/office/officeart/2005/8/layout/chevron2"/>
+    <dgm:cxn modelId="{F91293C7-6E98-4EA4-B96A-643D6427D769}" type="presParOf" srcId="{D0C278B1-37F0-4845-B31E-AA669FDAAB5B}" destId="{541007BB-2E3A-40AB-BA36-22DB980A7513}" srcOrd="4" destOrd="0" presId="urn:microsoft.com/office/officeart/2005/8/layout/chevron2"/>
+    <dgm:cxn modelId="{8D9470DA-1B31-4D18-9862-ABB939549060}" type="presParOf" srcId="{541007BB-2E3A-40AB-BA36-22DB980A7513}" destId="{42E1CB8D-D868-4B13-8957-7968481E6A78}" srcOrd="0" destOrd="0" presId="urn:microsoft.com/office/officeart/2005/8/layout/chevron2"/>
+    <dgm:cxn modelId="{BD1CAE38-3404-4572-A17C-F2C6A43D98AE}" type="presParOf" srcId="{541007BB-2E3A-40AB-BA36-22DB980A7513}" destId="{A33D3D95-CC4D-44F1-94B7-6A485FE38AA4}" srcOrd="1" destOrd="0" presId="urn:microsoft.com/office/officeart/2005/8/layout/chevron2"/>
+    <dgm:cxn modelId="{289A139C-31DC-4B35-A64C-58686F4A0BF0}" type="presParOf" srcId="{D0C278B1-37F0-4845-B31E-AA669FDAAB5B}" destId="{CF0275C6-942D-433F-BC15-4FE3A6EFBE92}" srcOrd="5" destOrd="0" presId="urn:microsoft.com/office/officeart/2005/8/layout/chevron2"/>
+    <dgm:cxn modelId="{FA12DDCF-15FA-4056-8C0C-74E997A2FCE9}" type="presParOf" srcId="{D0C278B1-37F0-4845-B31E-AA669FDAAB5B}" destId="{DE26E5A1-A0B2-4EF0-93B1-575F45679754}" srcOrd="6" destOrd="0" presId="urn:microsoft.com/office/officeart/2005/8/layout/chevron2"/>
+    <dgm:cxn modelId="{B70582A1-5596-4891-92BE-D1148FFAAEF5}" type="presParOf" srcId="{DE26E5A1-A0B2-4EF0-93B1-575F45679754}" destId="{46F98F2B-2370-41D6-8810-25F7E45FACD9}" srcOrd="0" destOrd="0" presId="urn:microsoft.com/office/officeart/2005/8/layout/chevron2"/>
+    <dgm:cxn modelId="{C1AEC23B-5323-4E81-8126-2C49E18EF6F2}" type="presParOf" srcId="{DE26E5A1-A0B2-4EF0-93B1-575F45679754}" destId="{BFA8F73E-C20D-4A8B-8256-64807B2CE222}" srcOrd="1" destOrd="0" presId="urn:microsoft.com/office/officeart/2005/8/layout/chevron2"/>
+  </dgm:cxnLst>
+  <dgm:bg/>
+  <dgm:whole/>
+  <dgm:extLst>
+    <a:ext uri="http://schemas.microsoft.com/office/drawing/2008/diagram">
+      <dsp:dataModelExt xmlns:dsp="http://schemas.microsoft.com/office/drawing/2008/diagram" relId="rId7" minVer="http://schemas.openxmlformats.org/drawingml/2006/diagram"/>
     </a:ext>
   </dgm:extLst>
 </dgm:dataModel>
@@ -3066,6 +4608,981 @@
 </dsp:drawing>
 </file>
 
+<file path=ppt/diagrams/drawing2.xml><?xml version="1.0" encoding="utf-8"?>
+<dsp:drawing xmlns:dgm="http://schemas.openxmlformats.org/drawingml/2006/diagram" xmlns:dsp="http://schemas.microsoft.com/office/drawing/2008/diagram" xmlns:a="http://schemas.openxmlformats.org/drawingml/2006/main">
+  <dsp:spTree>
+    <dsp:nvGrpSpPr>
+      <dsp:cNvPr id="0" name=""/>
+      <dsp:cNvGrpSpPr/>
+    </dsp:nvGrpSpPr>
+    <dsp:grpSpPr/>
+    <dsp:sp modelId="{5ED477DE-A442-4F48-ACA8-9B8F47A80130}">
+      <dsp:nvSpPr>
+        <dsp:cNvPr id="0" name=""/>
+        <dsp:cNvSpPr/>
+      </dsp:nvSpPr>
+      <dsp:spPr>
+        <a:xfrm rot="5400000">
+          <a:off x="-193558" y="195890"/>
+          <a:ext cx="1290387" cy="903271"/>
+        </a:xfrm>
+        <a:prstGeom prst="chevron">
+          <a:avLst/>
+        </a:prstGeom>
+        <a:gradFill rotWithShape="0">
+          <a:gsLst>
+            <a:gs pos="0">
+              <a:schemeClr val="accent5">
+                <a:hueOff val="0"/>
+                <a:satOff val="0"/>
+                <a:lumOff val="0"/>
+                <a:alphaOff val="0"/>
+                <a:tint val="50000"/>
+                <a:satMod val="300000"/>
+              </a:schemeClr>
+            </a:gs>
+            <a:gs pos="35000">
+              <a:schemeClr val="accent5">
+                <a:hueOff val="0"/>
+                <a:satOff val="0"/>
+                <a:lumOff val="0"/>
+                <a:alphaOff val="0"/>
+                <a:tint val="37000"/>
+                <a:satMod val="300000"/>
+              </a:schemeClr>
+            </a:gs>
+            <a:gs pos="100000">
+              <a:schemeClr val="accent5">
+                <a:hueOff val="0"/>
+                <a:satOff val="0"/>
+                <a:lumOff val="0"/>
+                <a:alphaOff val="0"/>
+                <a:tint val="15000"/>
+                <a:satMod val="350000"/>
+              </a:schemeClr>
+            </a:gs>
+          </a:gsLst>
+          <a:lin ang="16200000" scaled="1"/>
+        </a:gradFill>
+        <a:ln w="9525" cap="flat" cmpd="sng" algn="ctr">
+          <a:solidFill>
+            <a:schemeClr val="accent5">
+              <a:hueOff val="0"/>
+              <a:satOff val="0"/>
+              <a:lumOff val="0"/>
+              <a:alphaOff val="0"/>
+            </a:schemeClr>
+          </a:solidFill>
+          <a:prstDash val="solid"/>
+        </a:ln>
+        <a:effectLst>
+          <a:outerShdw blurRad="40000" dist="20000" dir="5400000" rotWithShape="0">
+            <a:srgbClr val="000000">
+              <a:alpha val="38000"/>
+            </a:srgbClr>
+          </a:outerShdw>
+        </a:effectLst>
+      </dsp:spPr>
+      <dsp:style>
+        <a:lnRef idx="1">
+          <a:scrgbClr r="0" g="0" b="0"/>
+        </a:lnRef>
+        <a:fillRef idx="2">
+          <a:scrgbClr r="0" g="0" b="0"/>
+        </a:fillRef>
+        <a:effectRef idx="1">
+          <a:scrgbClr r="0" g="0" b="0"/>
+        </a:effectRef>
+        <a:fontRef idx="minor">
+          <a:schemeClr val="dk1"/>
+        </a:fontRef>
+      </dsp:style>
+      <dsp:txBody>
+        <a:bodyPr spcFirstLastPara="0" vert="horz" wrap="square" lIns="11430" tIns="11430" rIns="11430" bIns="11430" numCol="1" spcCol="1270" anchor="ctr" anchorCtr="0">
+          <a:noAutofit/>
+        </a:bodyPr>
+        <a:lstStyle/>
+        <a:p>
+          <a:pPr marL="0" lvl="0" indent="0" algn="ctr" defTabSz="800100">
+            <a:lnSpc>
+              <a:spcPct val="90000"/>
+            </a:lnSpc>
+            <a:spcBef>
+              <a:spcPct val="0"/>
+            </a:spcBef>
+            <a:spcAft>
+              <a:spcPct val="35000"/>
+            </a:spcAft>
+            <a:buNone/>
+          </a:pPr>
+          <a:r>
+            <a:rPr lang="de-DE" sz="1800" b="1" kern="1200" dirty="0"/>
+            <a:t>V3.0</a:t>
+          </a:r>
+        </a:p>
+      </dsp:txBody>
+      <dsp:txXfrm rot="-5400000">
+        <a:off x="1" y="453968"/>
+        <a:ext cx="903271" cy="387116"/>
+      </dsp:txXfrm>
+    </dsp:sp>
+    <dsp:sp modelId="{01DDE0B1-2BBB-4E9C-A313-086E867E861B}">
+      <dsp:nvSpPr>
+        <dsp:cNvPr id="0" name=""/>
+        <dsp:cNvSpPr/>
+      </dsp:nvSpPr>
+      <dsp:spPr>
+        <a:xfrm rot="5400000">
+          <a:off x="2564322" y="-1658718"/>
+          <a:ext cx="838752" cy="4160853"/>
+        </a:xfrm>
+        <a:prstGeom prst="round2SameRect">
+          <a:avLst/>
+        </a:prstGeom>
+        <a:solidFill>
+          <a:schemeClr val="lt1">
+            <a:alpha val="90000"/>
+            <a:hueOff val="0"/>
+            <a:satOff val="0"/>
+            <a:lumOff val="0"/>
+            <a:alphaOff val="0"/>
+          </a:schemeClr>
+        </a:solidFill>
+        <a:ln w="9525" cap="flat" cmpd="sng" algn="ctr">
+          <a:solidFill>
+            <a:schemeClr val="accent5">
+              <a:hueOff val="0"/>
+              <a:satOff val="0"/>
+              <a:lumOff val="0"/>
+              <a:alphaOff val="0"/>
+            </a:schemeClr>
+          </a:solidFill>
+          <a:prstDash val="solid"/>
+        </a:ln>
+        <a:effectLst/>
+      </dsp:spPr>
+      <dsp:style>
+        <a:lnRef idx="1">
+          <a:scrgbClr r="0" g="0" b="0"/>
+        </a:lnRef>
+        <a:fillRef idx="1">
+          <a:scrgbClr r="0" g="0" b="0"/>
+        </a:fillRef>
+        <a:effectRef idx="0">
+          <a:scrgbClr r="0" g="0" b="0"/>
+        </a:effectRef>
+        <a:fontRef idx="minor"/>
+      </dsp:style>
+      <dsp:txBody>
+        <a:bodyPr spcFirstLastPara="0" vert="horz" wrap="square" lIns="113792" tIns="10160" rIns="10160" bIns="10160" numCol="1" spcCol="1270" anchor="ctr" anchorCtr="0">
+          <a:noAutofit/>
+        </a:bodyPr>
+        <a:lstStyle/>
+        <a:p>
+          <a:pPr marL="171450" lvl="1" indent="-171450" algn="l" defTabSz="711200">
+            <a:lnSpc>
+              <a:spcPct val="90000"/>
+            </a:lnSpc>
+            <a:spcBef>
+              <a:spcPct val="0"/>
+            </a:spcBef>
+            <a:spcAft>
+              <a:spcPct val="15000"/>
+            </a:spcAft>
+            <a:buChar char="•"/>
+          </a:pPr>
+          <a:r>
+            <a:rPr lang="de-DE" sz="1600" kern="1200" dirty="0"/>
+            <a:t>Pure Prolog</a:t>
+          </a:r>
+        </a:p>
+        <a:p>
+          <a:pPr marL="171450" lvl="1" indent="-171450" algn="l" defTabSz="711200">
+            <a:lnSpc>
+              <a:spcPct val="90000"/>
+            </a:lnSpc>
+            <a:spcBef>
+              <a:spcPct val="0"/>
+            </a:spcBef>
+            <a:spcAft>
+              <a:spcPct val="15000"/>
+            </a:spcAft>
+            <a:buChar char="•"/>
+          </a:pPr>
+          <a:r>
+            <a:rPr lang="de-DE" sz="1600" kern="1200" dirty="0"/>
+            <a:t>slow, </a:t>
+          </a:r>
+          <a:r>
+            <a:rPr lang="de-DE" sz="1600" kern="1200" dirty="0" err="1"/>
+            <a:t>complicated</a:t>
+          </a:r>
+          <a:endParaRPr lang="de-DE" sz="1600" kern="1200" dirty="0"/>
+        </a:p>
+      </dsp:txBody>
+      <dsp:txXfrm rot="-5400000">
+        <a:off x="903272" y="43276"/>
+        <a:ext cx="4119909" cy="756864"/>
+      </dsp:txXfrm>
+    </dsp:sp>
+    <dsp:sp modelId="{8D7F975F-1369-43F6-8224-8F3B71706E83}">
+      <dsp:nvSpPr>
+        <dsp:cNvPr id="0" name=""/>
+        <dsp:cNvSpPr/>
+      </dsp:nvSpPr>
+      <dsp:spPr>
+        <a:xfrm rot="5400000">
+          <a:off x="-193558" y="1340064"/>
+          <a:ext cx="1290387" cy="903271"/>
+        </a:xfrm>
+        <a:prstGeom prst="chevron">
+          <a:avLst/>
+        </a:prstGeom>
+        <a:gradFill rotWithShape="0">
+          <a:gsLst>
+            <a:gs pos="0">
+              <a:schemeClr val="accent5">
+                <a:hueOff val="-3311292"/>
+                <a:satOff val="13270"/>
+                <a:lumOff val="2876"/>
+                <a:alphaOff val="0"/>
+                <a:tint val="50000"/>
+                <a:satMod val="300000"/>
+              </a:schemeClr>
+            </a:gs>
+            <a:gs pos="35000">
+              <a:schemeClr val="accent5">
+                <a:hueOff val="-3311292"/>
+                <a:satOff val="13270"/>
+                <a:lumOff val="2876"/>
+                <a:alphaOff val="0"/>
+                <a:tint val="37000"/>
+                <a:satMod val="300000"/>
+              </a:schemeClr>
+            </a:gs>
+            <a:gs pos="100000">
+              <a:schemeClr val="accent5">
+                <a:hueOff val="-3311292"/>
+                <a:satOff val="13270"/>
+                <a:lumOff val="2876"/>
+                <a:alphaOff val="0"/>
+                <a:tint val="15000"/>
+                <a:satMod val="350000"/>
+              </a:schemeClr>
+            </a:gs>
+          </a:gsLst>
+          <a:lin ang="16200000" scaled="1"/>
+        </a:gradFill>
+        <a:ln w="9525" cap="flat" cmpd="sng" algn="ctr">
+          <a:solidFill>
+            <a:schemeClr val="accent5">
+              <a:hueOff val="-3311292"/>
+              <a:satOff val="13270"/>
+              <a:lumOff val="2876"/>
+              <a:alphaOff val="0"/>
+            </a:schemeClr>
+          </a:solidFill>
+          <a:prstDash val="solid"/>
+        </a:ln>
+        <a:effectLst>
+          <a:outerShdw blurRad="40000" dist="20000" dir="5400000" rotWithShape="0">
+            <a:srgbClr val="000000">
+              <a:alpha val="38000"/>
+            </a:srgbClr>
+          </a:outerShdw>
+        </a:effectLst>
+      </dsp:spPr>
+      <dsp:style>
+        <a:lnRef idx="1">
+          <a:scrgbClr r="0" g="0" b="0"/>
+        </a:lnRef>
+        <a:fillRef idx="2">
+          <a:scrgbClr r="0" g="0" b="0"/>
+        </a:fillRef>
+        <a:effectRef idx="1">
+          <a:scrgbClr r="0" g="0" b="0"/>
+        </a:effectRef>
+        <a:fontRef idx="minor">
+          <a:schemeClr val="dk1"/>
+        </a:fontRef>
+      </dsp:style>
+      <dsp:txBody>
+        <a:bodyPr spcFirstLastPara="0" vert="horz" wrap="square" lIns="11430" tIns="11430" rIns="11430" bIns="11430" numCol="1" spcCol="1270" anchor="ctr" anchorCtr="0">
+          <a:noAutofit/>
+        </a:bodyPr>
+        <a:lstStyle/>
+        <a:p>
+          <a:pPr marL="0" lvl="0" indent="0" algn="ctr" defTabSz="800100">
+            <a:lnSpc>
+              <a:spcPct val="90000"/>
+            </a:lnSpc>
+            <a:spcBef>
+              <a:spcPct val="0"/>
+            </a:spcBef>
+            <a:spcAft>
+              <a:spcPct val="35000"/>
+            </a:spcAft>
+            <a:buNone/>
+          </a:pPr>
+          <a:r>
+            <a:rPr lang="de-DE" sz="1800" b="1" kern="1200" dirty="0"/>
+            <a:t>V3.9</a:t>
+          </a:r>
+        </a:p>
+      </dsp:txBody>
+      <dsp:txXfrm rot="-5400000">
+        <a:off x="1" y="1598142"/>
+        <a:ext cx="903271" cy="387116"/>
+      </dsp:txXfrm>
+    </dsp:sp>
+    <dsp:sp modelId="{C8235AFE-157A-4E09-A52C-6D68C4A93CFB}">
+      <dsp:nvSpPr>
+        <dsp:cNvPr id="0" name=""/>
+        <dsp:cNvSpPr/>
+      </dsp:nvSpPr>
+      <dsp:spPr>
+        <a:xfrm rot="5400000">
+          <a:off x="2564322" y="-514544"/>
+          <a:ext cx="838752" cy="4160853"/>
+        </a:xfrm>
+        <a:prstGeom prst="round2SameRect">
+          <a:avLst/>
+        </a:prstGeom>
+        <a:solidFill>
+          <a:schemeClr val="lt1">
+            <a:alpha val="90000"/>
+            <a:hueOff val="0"/>
+            <a:satOff val="0"/>
+            <a:lumOff val="0"/>
+            <a:alphaOff val="0"/>
+          </a:schemeClr>
+        </a:solidFill>
+        <a:ln w="9525" cap="flat" cmpd="sng" algn="ctr">
+          <a:solidFill>
+            <a:schemeClr val="accent5">
+              <a:hueOff val="-3311292"/>
+              <a:satOff val="13270"/>
+              <a:lumOff val="2876"/>
+              <a:alphaOff val="0"/>
+            </a:schemeClr>
+          </a:solidFill>
+          <a:prstDash val="solid"/>
+        </a:ln>
+        <a:effectLst/>
+      </dsp:spPr>
+      <dsp:style>
+        <a:lnRef idx="1">
+          <a:scrgbClr r="0" g="0" b="0"/>
+        </a:lnRef>
+        <a:fillRef idx="1">
+          <a:scrgbClr r="0" g="0" b="0"/>
+        </a:fillRef>
+        <a:effectRef idx="0">
+          <a:scrgbClr r="0" g="0" b="0"/>
+        </a:effectRef>
+        <a:fontRef idx="minor"/>
+      </dsp:style>
+      <dsp:txBody>
+        <a:bodyPr spcFirstLastPara="0" vert="horz" wrap="square" lIns="113792" tIns="10160" rIns="10160" bIns="10160" numCol="1" spcCol="1270" anchor="ctr" anchorCtr="0">
+          <a:noAutofit/>
+        </a:bodyPr>
+        <a:lstStyle/>
+        <a:p>
+          <a:pPr marL="171450" lvl="1" indent="-171450" algn="l" defTabSz="711200">
+            <a:lnSpc>
+              <a:spcPct val="90000"/>
+            </a:lnSpc>
+            <a:spcBef>
+              <a:spcPct val="0"/>
+            </a:spcBef>
+            <a:spcAft>
+              <a:spcPct val="15000"/>
+            </a:spcAft>
+            <a:buChar char="•"/>
+          </a:pPr>
+          <a:r>
+            <a:rPr lang="de-DE" sz="1600" kern="1200" dirty="0"/>
+            <a:t>Many </a:t>
+          </a:r>
+          <a:r>
+            <a:rPr lang="de-DE" sz="1600" kern="1200" dirty="0" err="1"/>
+            <a:t>changes</a:t>
+          </a:r>
+          <a:r>
+            <a:rPr lang="de-DE" sz="1600" kern="1200" dirty="0"/>
+            <a:t> in </a:t>
+          </a:r>
+          <a:r>
+            <a:rPr lang="de-DE" sz="1600" kern="1200" dirty="0" err="1"/>
+            <a:t>the</a:t>
+          </a:r>
+          <a:r>
+            <a:rPr lang="de-DE" sz="1600" kern="1200" dirty="0"/>
+            <a:t> </a:t>
+          </a:r>
+          <a:r>
+            <a:rPr lang="de-DE" sz="1600" kern="1200" dirty="0" err="1"/>
+            <a:t>program</a:t>
+          </a:r>
+          <a:r>
+            <a:rPr lang="de-DE" sz="1600" kern="1200" dirty="0"/>
+            <a:t> (</a:t>
+          </a:r>
+          <a:r>
+            <a:rPr lang="de-DE" sz="1600" kern="1200" dirty="0" err="1"/>
+            <a:t>procedural</a:t>
+          </a:r>
+          <a:r>
+            <a:rPr lang="de-DE" sz="1600" kern="1200" dirty="0"/>
+            <a:t>)</a:t>
+          </a:r>
+        </a:p>
+        <a:p>
+          <a:pPr marL="171450" lvl="1" indent="-171450" algn="l" defTabSz="711200">
+            <a:lnSpc>
+              <a:spcPct val="90000"/>
+            </a:lnSpc>
+            <a:spcBef>
+              <a:spcPct val="0"/>
+            </a:spcBef>
+            <a:spcAft>
+              <a:spcPct val="15000"/>
+            </a:spcAft>
+            <a:buChar char="•"/>
+          </a:pPr>
+          <a:r>
+            <a:rPr lang="de-DE" sz="1600" kern="1200" dirty="0"/>
+            <a:t>Validation: Same </a:t>
+          </a:r>
+          <a:r>
+            <a:rPr lang="de-DE" sz="1600" kern="1200" dirty="0" err="1"/>
+            <a:t>output</a:t>
+          </a:r>
+          <a:r>
+            <a:rPr lang="de-DE" sz="1600" kern="1200" dirty="0"/>
+            <a:t> </a:t>
+          </a:r>
+          <a:r>
+            <a:rPr lang="de-DE" sz="1600" kern="1200" dirty="0" err="1"/>
+            <a:t>as</a:t>
+          </a:r>
+          <a:r>
+            <a:rPr lang="de-DE" sz="1600" kern="1200" dirty="0"/>
+            <a:t> V3.0</a:t>
+          </a:r>
+        </a:p>
+      </dsp:txBody>
+      <dsp:txXfrm rot="-5400000">
+        <a:off x="903272" y="1187450"/>
+        <a:ext cx="4119909" cy="756864"/>
+      </dsp:txXfrm>
+    </dsp:sp>
+    <dsp:sp modelId="{42E1CB8D-D868-4B13-8957-7968481E6A78}">
+      <dsp:nvSpPr>
+        <dsp:cNvPr id="0" name=""/>
+        <dsp:cNvSpPr/>
+      </dsp:nvSpPr>
+      <dsp:spPr>
+        <a:xfrm rot="5400000">
+          <a:off x="-193558" y="2484238"/>
+          <a:ext cx="1290387" cy="903271"/>
+        </a:xfrm>
+        <a:prstGeom prst="chevron">
+          <a:avLst/>
+        </a:prstGeom>
+        <a:gradFill rotWithShape="0">
+          <a:gsLst>
+            <a:gs pos="0">
+              <a:schemeClr val="accent5">
+                <a:hueOff val="-6622584"/>
+                <a:satOff val="26541"/>
+                <a:lumOff val="5752"/>
+                <a:alphaOff val="0"/>
+                <a:tint val="50000"/>
+                <a:satMod val="300000"/>
+              </a:schemeClr>
+            </a:gs>
+            <a:gs pos="35000">
+              <a:schemeClr val="accent5">
+                <a:hueOff val="-6622584"/>
+                <a:satOff val="26541"/>
+                <a:lumOff val="5752"/>
+                <a:alphaOff val="0"/>
+                <a:tint val="37000"/>
+                <a:satMod val="300000"/>
+              </a:schemeClr>
+            </a:gs>
+            <a:gs pos="100000">
+              <a:schemeClr val="accent5">
+                <a:hueOff val="-6622584"/>
+                <a:satOff val="26541"/>
+                <a:lumOff val="5752"/>
+                <a:alphaOff val="0"/>
+                <a:tint val="15000"/>
+                <a:satMod val="350000"/>
+              </a:schemeClr>
+            </a:gs>
+          </a:gsLst>
+          <a:lin ang="16200000" scaled="1"/>
+        </a:gradFill>
+        <a:ln w="9525" cap="flat" cmpd="sng" algn="ctr">
+          <a:solidFill>
+            <a:schemeClr val="accent5">
+              <a:hueOff val="-6622584"/>
+              <a:satOff val="26541"/>
+              <a:lumOff val="5752"/>
+              <a:alphaOff val="0"/>
+            </a:schemeClr>
+          </a:solidFill>
+          <a:prstDash val="solid"/>
+        </a:ln>
+        <a:effectLst>
+          <a:outerShdw blurRad="40000" dist="20000" dir="5400000" rotWithShape="0">
+            <a:srgbClr val="000000">
+              <a:alpha val="38000"/>
+            </a:srgbClr>
+          </a:outerShdw>
+        </a:effectLst>
+      </dsp:spPr>
+      <dsp:style>
+        <a:lnRef idx="1">
+          <a:scrgbClr r="0" g="0" b="0"/>
+        </a:lnRef>
+        <a:fillRef idx="2">
+          <a:scrgbClr r="0" g="0" b="0"/>
+        </a:fillRef>
+        <a:effectRef idx="1">
+          <a:scrgbClr r="0" g="0" b="0"/>
+        </a:effectRef>
+        <a:fontRef idx="minor">
+          <a:schemeClr val="dk1"/>
+        </a:fontRef>
+      </dsp:style>
+      <dsp:txBody>
+        <a:bodyPr spcFirstLastPara="0" vert="horz" wrap="square" lIns="11430" tIns="11430" rIns="11430" bIns="11430" numCol="1" spcCol="1270" anchor="ctr" anchorCtr="0">
+          <a:noAutofit/>
+        </a:bodyPr>
+        <a:lstStyle/>
+        <a:p>
+          <a:pPr marL="0" lvl="0" indent="0" algn="ctr" defTabSz="800100">
+            <a:lnSpc>
+              <a:spcPct val="90000"/>
+            </a:lnSpc>
+            <a:spcBef>
+              <a:spcPct val="0"/>
+            </a:spcBef>
+            <a:spcAft>
+              <a:spcPct val="35000"/>
+            </a:spcAft>
+            <a:buNone/>
+          </a:pPr>
+          <a:r>
+            <a:rPr lang="de-DE" sz="1800" b="1" kern="1200" dirty="0"/>
+            <a:t>V4.0</a:t>
+          </a:r>
+        </a:p>
+      </dsp:txBody>
+      <dsp:txXfrm rot="-5400000">
+        <a:off x="1" y="2742316"/>
+        <a:ext cx="903271" cy="387116"/>
+      </dsp:txXfrm>
+    </dsp:sp>
+    <dsp:sp modelId="{A33D3D95-CC4D-44F1-94B7-6A485FE38AA4}">
+      <dsp:nvSpPr>
+        <dsp:cNvPr id="0" name=""/>
+        <dsp:cNvSpPr/>
+      </dsp:nvSpPr>
+      <dsp:spPr>
+        <a:xfrm rot="5400000">
+          <a:off x="2564322" y="629630"/>
+          <a:ext cx="838752" cy="4160853"/>
+        </a:xfrm>
+        <a:prstGeom prst="round2SameRect">
+          <a:avLst/>
+        </a:prstGeom>
+        <a:solidFill>
+          <a:schemeClr val="lt1">
+            <a:alpha val="90000"/>
+            <a:hueOff val="0"/>
+            <a:satOff val="0"/>
+            <a:lumOff val="0"/>
+            <a:alphaOff val="0"/>
+          </a:schemeClr>
+        </a:solidFill>
+        <a:ln w="9525" cap="flat" cmpd="sng" algn="ctr">
+          <a:solidFill>
+            <a:schemeClr val="accent5">
+              <a:hueOff val="-6622584"/>
+              <a:satOff val="26541"/>
+              <a:lumOff val="5752"/>
+              <a:alphaOff val="0"/>
+            </a:schemeClr>
+          </a:solidFill>
+          <a:prstDash val="solid"/>
+        </a:ln>
+        <a:effectLst/>
+      </dsp:spPr>
+      <dsp:style>
+        <a:lnRef idx="1">
+          <a:scrgbClr r="0" g="0" b="0"/>
+        </a:lnRef>
+        <a:fillRef idx="1">
+          <a:scrgbClr r="0" g="0" b="0"/>
+        </a:fillRef>
+        <a:effectRef idx="0">
+          <a:scrgbClr r="0" g="0" b="0"/>
+        </a:effectRef>
+        <a:fontRef idx="minor"/>
+      </dsp:style>
+      <dsp:txBody>
+        <a:bodyPr spcFirstLastPara="0" vert="horz" wrap="square" lIns="113792" tIns="10160" rIns="10160" bIns="10160" numCol="1" spcCol="1270" anchor="ctr" anchorCtr="0">
+          <a:noAutofit/>
+        </a:bodyPr>
+        <a:lstStyle/>
+        <a:p>
+          <a:pPr marL="171450" lvl="1" indent="-171450" algn="l" defTabSz="711200">
+            <a:lnSpc>
+              <a:spcPct val="90000"/>
+            </a:lnSpc>
+            <a:spcBef>
+              <a:spcPct val="0"/>
+            </a:spcBef>
+            <a:spcAft>
+              <a:spcPct val="15000"/>
+            </a:spcAft>
+            <a:buChar char="•"/>
+          </a:pPr>
+          <a:r>
+            <a:rPr lang="de-DE" sz="1600" kern="1200" dirty="0" err="1"/>
+            <a:t>Few</a:t>
+          </a:r>
+          <a:r>
+            <a:rPr lang="de-DE" sz="1600" kern="1200" dirty="0"/>
+            <a:t> </a:t>
+          </a:r>
+          <a:r>
+            <a:rPr lang="de-DE" sz="1600" kern="1200" dirty="0" err="1"/>
+            <a:t>changes</a:t>
+          </a:r>
+          <a:r>
+            <a:rPr lang="de-DE" sz="1600" kern="1200" dirty="0"/>
+            <a:t> </a:t>
+          </a:r>
+          <a:r>
+            <a:rPr lang="de-DE" sz="1600" kern="1200" dirty="0" err="1"/>
+            <a:t>for</a:t>
+          </a:r>
+          <a:r>
+            <a:rPr lang="de-DE" sz="1600" kern="1200" dirty="0"/>
+            <a:t> </a:t>
+          </a:r>
+          <a:r>
+            <a:rPr lang="de-DE" sz="1600" kern="1200" dirty="0" err="1"/>
+            <a:t>consistency</a:t>
+          </a:r>
+          <a:r>
+            <a:rPr lang="de-DE" sz="1600" kern="1200" dirty="0"/>
+            <a:t>, </a:t>
+          </a:r>
+          <a:r>
+            <a:rPr lang="de-DE" sz="1600" kern="1200" dirty="0" err="1"/>
+            <a:t>improvements</a:t>
+          </a:r>
+          <a:endParaRPr lang="de-DE" sz="1600" kern="1200" dirty="0"/>
+        </a:p>
+        <a:p>
+          <a:pPr marL="171450" lvl="1" indent="-171450" algn="l" defTabSz="711200">
+            <a:lnSpc>
+              <a:spcPct val="90000"/>
+            </a:lnSpc>
+            <a:spcBef>
+              <a:spcPct val="0"/>
+            </a:spcBef>
+            <a:spcAft>
+              <a:spcPct val="15000"/>
+            </a:spcAft>
+            <a:buChar char="•"/>
+          </a:pPr>
+          <a:r>
+            <a:rPr lang="de-DE" sz="1600" kern="1200" dirty="0"/>
+            <a:t>Validation: code review, </a:t>
+          </a:r>
+          <a:r>
+            <a:rPr lang="de-DE" sz="1600" kern="1200" dirty="0" err="1"/>
+            <a:t>coverage</a:t>
+          </a:r>
+          <a:r>
+            <a:rPr lang="de-DE" sz="1600" kern="1200" dirty="0"/>
+            <a:t> </a:t>
+          </a:r>
+          <a:r>
+            <a:rPr lang="de-DE" sz="1600" kern="1200" dirty="0" err="1"/>
+            <a:t>estimates</a:t>
+          </a:r>
+          <a:endParaRPr lang="de-DE" sz="1600" kern="1200" dirty="0"/>
+        </a:p>
+      </dsp:txBody>
+      <dsp:txXfrm rot="-5400000">
+        <a:off x="903272" y="2331624"/>
+        <a:ext cx="4119909" cy="756864"/>
+      </dsp:txXfrm>
+    </dsp:sp>
+    <dsp:sp modelId="{46F98F2B-2370-41D6-8810-25F7E45FACD9}">
+      <dsp:nvSpPr>
+        <dsp:cNvPr id="0" name=""/>
+        <dsp:cNvSpPr/>
+      </dsp:nvSpPr>
+      <dsp:spPr>
+        <a:xfrm rot="5400000">
+          <a:off x="-193558" y="3628413"/>
+          <a:ext cx="1290387" cy="903271"/>
+        </a:xfrm>
+        <a:prstGeom prst="chevron">
+          <a:avLst/>
+        </a:prstGeom>
+        <a:gradFill rotWithShape="0">
+          <a:gsLst>
+            <a:gs pos="0">
+              <a:schemeClr val="accent5">
+                <a:hueOff val="-9933876"/>
+                <a:satOff val="39811"/>
+                <a:lumOff val="8628"/>
+                <a:alphaOff val="0"/>
+                <a:tint val="50000"/>
+                <a:satMod val="300000"/>
+              </a:schemeClr>
+            </a:gs>
+            <a:gs pos="35000">
+              <a:schemeClr val="accent5">
+                <a:hueOff val="-9933876"/>
+                <a:satOff val="39811"/>
+                <a:lumOff val="8628"/>
+                <a:alphaOff val="0"/>
+                <a:tint val="37000"/>
+                <a:satMod val="300000"/>
+              </a:schemeClr>
+            </a:gs>
+            <a:gs pos="100000">
+              <a:schemeClr val="accent5">
+                <a:hueOff val="-9933876"/>
+                <a:satOff val="39811"/>
+                <a:lumOff val="8628"/>
+                <a:alphaOff val="0"/>
+                <a:tint val="15000"/>
+                <a:satMod val="350000"/>
+              </a:schemeClr>
+            </a:gs>
+          </a:gsLst>
+          <a:lin ang="16200000" scaled="1"/>
+        </a:gradFill>
+        <a:ln w="9525" cap="flat" cmpd="sng" algn="ctr">
+          <a:solidFill>
+            <a:schemeClr val="accent5">
+              <a:hueOff val="-9933876"/>
+              <a:satOff val="39811"/>
+              <a:lumOff val="8628"/>
+              <a:alphaOff val="0"/>
+            </a:schemeClr>
+          </a:solidFill>
+          <a:prstDash val="solid"/>
+        </a:ln>
+        <a:effectLst>
+          <a:outerShdw blurRad="40000" dist="20000" dir="5400000" rotWithShape="0">
+            <a:srgbClr val="000000">
+              <a:alpha val="38000"/>
+            </a:srgbClr>
+          </a:outerShdw>
+        </a:effectLst>
+      </dsp:spPr>
+      <dsp:style>
+        <a:lnRef idx="1">
+          <a:scrgbClr r="0" g="0" b="0"/>
+        </a:lnRef>
+        <a:fillRef idx="2">
+          <a:scrgbClr r="0" g="0" b="0"/>
+        </a:fillRef>
+        <a:effectRef idx="1">
+          <a:scrgbClr r="0" g="0" b="0"/>
+        </a:effectRef>
+        <a:fontRef idx="minor">
+          <a:schemeClr val="dk1"/>
+        </a:fontRef>
+      </dsp:style>
+      <dsp:txBody>
+        <a:bodyPr spcFirstLastPara="0" vert="horz" wrap="square" lIns="11430" tIns="11430" rIns="11430" bIns="11430" numCol="1" spcCol="1270" anchor="ctr" anchorCtr="0">
+          <a:noAutofit/>
+        </a:bodyPr>
+        <a:lstStyle/>
+        <a:p>
+          <a:pPr marL="0" lvl="0" indent="0" algn="ctr" defTabSz="800100">
+            <a:lnSpc>
+              <a:spcPct val="90000"/>
+            </a:lnSpc>
+            <a:spcBef>
+              <a:spcPct val="0"/>
+            </a:spcBef>
+            <a:spcAft>
+              <a:spcPct val="35000"/>
+            </a:spcAft>
+            <a:buNone/>
+          </a:pPr>
+          <a:r>
+            <a:rPr lang="de-DE" sz="1800" b="1" kern="1200" dirty="0"/>
+            <a:t>V4.0 in R</a:t>
+          </a:r>
+        </a:p>
+      </dsp:txBody>
+      <dsp:txXfrm rot="-5400000">
+        <a:off x="1" y="3886491"/>
+        <a:ext cx="903271" cy="387116"/>
+      </dsp:txXfrm>
+    </dsp:sp>
+    <dsp:sp modelId="{BFA8F73E-C20D-4A8B-8256-64807B2CE222}">
+      <dsp:nvSpPr>
+        <dsp:cNvPr id="0" name=""/>
+        <dsp:cNvSpPr/>
+      </dsp:nvSpPr>
+      <dsp:spPr>
+        <a:xfrm rot="5400000">
+          <a:off x="2564322" y="1773804"/>
+          <a:ext cx="838752" cy="4160853"/>
+        </a:xfrm>
+        <a:prstGeom prst="round2SameRect">
+          <a:avLst/>
+        </a:prstGeom>
+        <a:solidFill>
+          <a:schemeClr val="lt1">
+            <a:alpha val="90000"/>
+            <a:hueOff val="0"/>
+            <a:satOff val="0"/>
+            <a:lumOff val="0"/>
+            <a:alphaOff val="0"/>
+          </a:schemeClr>
+        </a:solidFill>
+        <a:ln w="9525" cap="flat" cmpd="sng" algn="ctr">
+          <a:solidFill>
+            <a:schemeClr val="accent5">
+              <a:hueOff val="-9933876"/>
+              <a:satOff val="39811"/>
+              <a:lumOff val="8628"/>
+              <a:alphaOff val="0"/>
+            </a:schemeClr>
+          </a:solidFill>
+          <a:prstDash val="solid"/>
+        </a:ln>
+        <a:effectLst/>
+      </dsp:spPr>
+      <dsp:style>
+        <a:lnRef idx="1">
+          <a:scrgbClr r="0" g="0" b="0"/>
+        </a:lnRef>
+        <a:fillRef idx="1">
+          <a:scrgbClr r="0" g="0" b="0"/>
+        </a:fillRef>
+        <a:effectRef idx="0">
+          <a:scrgbClr r="0" g="0" b="0"/>
+        </a:effectRef>
+        <a:fontRef idx="minor"/>
+      </dsp:style>
+      <dsp:txBody>
+        <a:bodyPr spcFirstLastPara="0" vert="horz" wrap="square" lIns="113792" tIns="10160" rIns="10160" bIns="10160" numCol="1" spcCol="1270" anchor="ctr" anchorCtr="0">
+          <a:noAutofit/>
+        </a:bodyPr>
+        <a:lstStyle/>
+        <a:p>
+          <a:pPr marL="171450" lvl="1" indent="-171450" algn="l" defTabSz="711200">
+            <a:lnSpc>
+              <a:spcPct val="90000"/>
+            </a:lnSpc>
+            <a:spcBef>
+              <a:spcPct val="0"/>
+            </a:spcBef>
+            <a:spcAft>
+              <a:spcPct val="15000"/>
+            </a:spcAft>
+            <a:buChar char="•"/>
+          </a:pPr>
+          <a:r>
+            <a:rPr lang="de-DE" sz="1600" kern="1200" dirty="0"/>
+            <a:t>Many </a:t>
+          </a:r>
+          <a:r>
+            <a:rPr lang="de-DE" sz="1600" kern="1200" dirty="0" err="1"/>
+            <a:t>changes</a:t>
+          </a:r>
+          <a:r>
+            <a:rPr lang="de-DE" sz="1600" kern="1200" dirty="0"/>
+            <a:t> (R </a:t>
+          </a:r>
+          <a:r>
+            <a:rPr lang="de-DE" sz="1600" kern="1200" dirty="0" err="1"/>
+            <a:t>differs</a:t>
+          </a:r>
+          <a:r>
+            <a:rPr lang="de-DE" sz="1600" kern="1200" dirty="0"/>
+            <a:t> a </a:t>
+          </a:r>
+          <a:r>
+            <a:rPr lang="de-DE" sz="1600" kern="1200" dirty="0" err="1"/>
+            <a:t>lot</a:t>
+          </a:r>
+          <a:r>
+            <a:rPr lang="de-DE" sz="1600" kern="1200" dirty="0"/>
+            <a:t> </a:t>
+          </a:r>
+          <a:r>
+            <a:rPr lang="de-DE" sz="1600" kern="1200" dirty="0" err="1"/>
+            <a:t>from</a:t>
+          </a:r>
+          <a:r>
+            <a:rPr lang="de-DE" sz="1600" kern="1200" dirty="0"/>
+            <a:t> Prolog)</a:t>
+          </a:r>
+        </a:p>
+        <a:p>
+          <a:pPr marL="171450" lvl="1" indent="-171450" algn="l" defTabSz="711200">
+            <a:lnSpc>
+              <a:spcPct val="90000"/>
+            </a:lnSpc>
+            <a:spcBef>
+              <a:spcPct val="0"/>
+            </a:spcBef>
+            <a:spcAft>
+              <a:spcPct val="15000"/>
+            </a:spcAft>
+            <a:buChar char="•"/>
+          </a:pPr>
+          <a:r>
+            <a:rPr lang="de-DE" sz="1600" kern="1200" dirty="0"/>
+            <a:t>Validation: Same </a:t>
+          </a:r>
+          <a:r>
+            <a:rPr lang="de-DE" sz="1600" kern="1200" dirty="0" err="1"/>
+            <a:t>output</a:t>
+          </a:r>
+          <a:r>
+            <a:rPr lang="de-DE" sz="1600" kern="1200" dirty="0"/>
+            <a:t> </a:t>
+          </a:r>
+          <a:r>
+            <a:rPr lang="de-DE" sz="1600" kern="1200" dirty="0" err="1"/>
+            <a:t>as</a:t>
+          </a:r>
+          <a:r>
+            <a:rPr lang="de-DE" sz="1600" kern="1200" dirty="0"/>
+            <a:t> V4.0</a:t>
+          </a:r>
+        </a:p>
+      </dsp:txBody>
+      <dsp:txXfrm rot="-5400000">
+        <a:off x="903272" y="3475798"/>
+        <a:ext cx="4119909" cy="756864"/>
+      </dsp:txXfrm>
+    </dsp:sp>
+  </dsp:spTree>
+</dsp:drawing>
+</file>
+
 <file path=ppt/diagrams/layout1.xml><?xml version="1.0" encoding="utf-8"?>
 <dgm:layoutDef xmlns:dgm="http://schemas.openxmlformats.org/drawingml/2006/diagram" xmlns:a="http://schemas.openxmlformats.org/drawingml/2006/main" uniqueId="urn:microsoft.com/office/officeart/2005/8/layout/radial4">
   <dgm:title val=""/>
@@ -3326,7 +5843,1323 @@
 </dgm:layoutDef>
 </file>
 
+<file path=ppt/diagrams/layout2.xml><?xml version="1.0" encoding="utf-8"?>
+<dgm:layoutDef xmlns:dgm="http://schemas.openxmlformats.org/drawingml/2006/diagram" xmlns:a="http://schemas.openxmlformats.org/drawingml/2006/main" uniqueId="urn:microsoft.com/office/officeart/2005/8/layout/chevron2">
+  <dgm:title val=""/>
+  <dgm:desc val=""/>
+  <dgm:catLst>
+    <dgm:cat type="process" pri="12000"/>
+    <dgm:cat type="list" pri="16000"/>
+    <dgm:cat type="convert" pri="11000"/>
+  </dgm:catLst>
+  <dgm:sampData>
+    <dgm:dataModel>
+      <dgm:ptLst>
+        <dgm:pt modelId="0" type="doc"/>
+        <dgm:pt modelId="1">
+          <dgm:prSet phldr="1"/>
+        </dgm:pt>
+        <dgm:pt modelId="11">
+          <dgm:prSet phldr="1"/>
+        </dgm:pt>
+        <dgm:pt modelId="12">
+          <dgm:prSet phldr="1"/>
+        </dgm:pt>
+        <dgm:pt modelId="2">
+          <dgm:prSet phldr="1"/>
+        </dgm:pt>
+        <dgm:pt modelId="21">
+          <dgm:prSet phldr="1"/>
+        </dgm:pt>
+        <dgm:pt modelId="22">
+          <dgm:prSet phldr="1"/>
+        </dgm:pt>
+        <dgm:pt modelId="3">
+          <dgm:prSet phldr="1"/>
+        </dgm:pt>
+        <dgm:pt modelId="31">
+          <dgm:prSet phldr="1"/>
+        </dgm:pt>
+        <dgm:pt modelId="32">
+          <dgm:prSet phldr="1"/>
+        </dgm:pt>
+      </dgm:ptLst>
+      <dgm:cxnLst>
+        <dgm:cxn modelId="4" srcId="0" destId="1" srcOrd="0" destOrd="0"/>
+        <dgm:cxn modelId="5" srcId="0" destId="2" srcOrd="1" destOrd="0"/>
+        <dgm:cxn modelId="6" srcId="0" destId="3" srcOrd="2" destOrd="0"/>
+        <dgm:cxn modelId="13" srcId="1" destId="11" srcOrd="0" destOrd="0"/>
+        <dgm:cxn modelId="14" srcId="1" destId="12" srcOrd="1" destOrd="0"/>
+        <dgm:cxn modelId="23" srcId="2" destId="21" srcOrd="0" destOrd="0"/>
+        <dgm:cxn modelId="24" srcId="2" destId="22" srcOrd="1" destOrd="0"/>
+        <dgm:cxn modelId="33" srcId="3" destId="31" srcOrd="0" destOrd="0"/>
+        <dgm:cxn modelId="34" srcId="3" destId="32" srcOrd="1" destOrd="0"/>
+      </dgm:cxnLst>
+      <dgm:bg/>
+      <dgm:whole/>
+    </dgm:dataModel>
+  </dgm:sampData>
+  <dgm:styleData>
+    <dgm:dataModel>
+      <dgm:ptLst>
+        <dgm:pt modelId="0" type="doc"/>
+        <dgm:pt modelId="1"/>
+      </dgm:ptLst>
+      <dgm:cxnLst>
+        <dgm:cxn modelId="4" srcId="0" destId="1" srcOrd="0" destOrd="0"/>
+      </dgm:cxnLst>
+      <dgm:bg/>
+      <dgm:whole/>
+    </dgm:dataModel>
+  </dgm:styleData>
+  <dgm:clrData>
+    <dgm:dataModel>
+      <dgm:ptLst>
+        <dgm:pt modelId="0" type="doc"/>
+        <dgm:pt modelId="1"/>
+        <dgm:pt modelId="11"/>
+        <dgm:pt modelId="2"/>
+        <dgm:pt modelId="21"/>
+        <dgm:pt modelId="3"/>
+        <dgm:pt modelId="31"/>
+        <dgm:pt modelId="4"/>
+        <dgm:pt modelId="41"/>
+      </dgm:ptLst>
+      <dgm:cxnLst>
+        <dgm:cxn modelId="5" srcId="0" destId="1" srcOrd="0" destOrd="0"/>
+        <dgm:cxn modelId="6" srcId="0" destId="2" srcOrd="1" destOrd="0"/>
+        <dgm:cxn modelId="7" srcId="0" destId="3" srcOrd="2" destOrd="0"/>
+        <dgm:cxn modelId="8" srcId="0" destId="4" srcOrd="3" destOrd="0"/>
+        <dgm:cxn modelId="13" srcId="1" destId="11" srcOrd="0" destOrd="0"/>
+        <dgm:cxn modelId="23" srcId="2" destId="21" srcOrd="0" destOrd="0"/>
+        <dgm:cxn modelId="33" srcId="3" destId="31" srcOrd="0" destOrd="0"/>
+        <dgm:cxn modelId="43" srcId="4" destId="41" srcOrd="0" destOrd="0"/>
+      </dgm:cxnLst>
+      <dgm:bg/>
+      <dgm:whole/>
+    </dgm:dataModel>
+  </dgm:clrData>
+  <dgm:layoutNode name="linearFlow">
+    <dgm:varLst>
+      <dgm:dir/>
+      <dgm:animLvl val="lvl"/>
+      <dgm:resizeHandles val="exact"/>
+    </dgm:varLst>
+    <dgm:alg type="lin">
+      <dgm:param type="linDir" val="fromT"/>
+      <dgm:param type="nodeHorzAlign" val="l"/>
+    </dgm:alg>
+    <dgm:shape xmlns:r="http://schemas.openxmlformats.org/officeDocument/2006/relationships" r:blip="">
+      <dgm:adjLst/>
+    </dgm:shape>
+    <dgm:presOf/>
+    <dgm:constrLst>
+      <dgm:constr type="h" for="ch" forName="composite" refType="h"/>
+      <dgm:constr type="w" for="ch" forName="composite" refType="w"/>
+      <dgm:constr type="h" for="des" forName="parentText" op="equ"/>
+      <dgm:constr type="h" for="ch" forName="sp" val="-14.88"/>
+      <dgm:constr type="h" for="ch" forName="sp" refType="w" refFor="des" refForName="parentText" op="gte" fact="-0.3"/>
+      <dgm:constr type="primFontSz" for="des" forName="parentText" op="equ" val="65"/>
+      <dgm:constr type="primFontSz" for="des" forName="descendantText" op="equ" val="65"/>
+    </dgm:constrLst>
+    <dgm:ruleLst/>
+    <dgm:forEach name="Name0" axis="ch" ptType="node">
+      <dgm:layoutNode name="composite">
+        <dgm:alg type="composite"/>
+        <dgm:shape xmlns:r="http://schemas.openxmlformats.org/officeDocument/2006/relationships" r:blip="">
+          <dgm:adjLst/>
+        </dgm:shape>
+        <dgm:presOf/>
+        <dgm:choose name="Name1">
+          <dgm:if name="Name2" func="var" arg="dir" op="equ" val="norm">
+            <dgm:constrLst>
+              <dgm:constr type="t" for="ch" forName="parentText"/>
+              <dgm:constr type="l" for="ch" forName="parentText"/>
+              <dgm:constr type="w" for="ch" forName="parentText" refType="w" fact="0.4"/>
+              <dgm:constr type="h" for="ch" forName="parentText" refType="h"/>
+              <dgm:constr type="w" for="ch" forName="parentText" refType="w" op="lte" fact="0.5"/>
+              <dgm:constr type="w" for="ch" forName="parentText" refType="h" refFor="ch" refForName="parentText" op="lte" fact="0.7"/>
+              <dgm:constr type="h" for="ch" forName="parentText" refType="w" refFor="ch" refForName="parentText" op="lte" fact="3"/>
+              <dgm:constr type="l" for="ch" forName="descendantText" refType="w" refFor="ch" refForName="parentText"/>
+              <dgm:constr type="w" for="ch" forName="descendantText" refType="w"/>
+              <dgm:constr type="wOff" for="ch" forName="descendantText" refType="w" refFor="ch" refForName="parentText" fact="-1"/>
+              <dgm:constr type="t" for="ch" forName="descendantText"/>
+              <dgm:constr type="b" for="ch" forName="descendantText" refType="h" refFor="ch" refForName="parentText"/>
+              <dgm:constr type="bOff" for="ch" forName="descendantText" refType="w" refFor="ch" refForName="parentText" fact="-0.5"/>
+            </dgm:constrLst>
+          </dgm:if>
+          <dgm:else name="Name3">
+            <dgm:constrLst>
+              <dgm:constr type="t" for="ch" forName="parentText"/>
+              <dgm:constr type="r" for="ch" forName="parentText" refType="w"/>
+              <dgm:constr type="w" for="ch" forName="parentText" refType="w" fact="0.4"/>
+              <dgm:constr type="h" for="ch" forName="parentText" refType="h"/>
+              <dgm:constr type="w" for="ch" forName="parentText" refType="w" op="lte" fact="0.5"/>
+              <dgm:constr type="w" for="ch" forName="parentText" refType="h" refFor="ch" refForName="parentText" op="lte" fact="0.7"/>
+              <dgm:constr type="h" for="ch" forName="parentText" refType="w" refFor="ch" refForName="parentText" op="lte" fact="3"/>
+              <dgm:constr type="l" for="ch" forName="descendantText"/>
+              <dgm:constr type="w" for="ch" forName="descendantText" refType="w"/>
+              <dgm:constr type="wOff" for="ch" forName="descendantText" refType="w" refFor="ch" refForName="parentText" fact="-1"/>
+              <dgm:constr type="t" for="ch" forName="descendantText"/>
+              <dgm:constr type="b" for="ch" forName="descendantText" refType="h" refFor="ch" refForName="parentText"/>
+              <dgm:constr type="bOff" for="ch" forName="descendantText" refType="w" refFor="ch" refForName="parentText" fact="-0.5"/>
+            </dgm:constrLst>
+          </dgm:else>
+        </dgm:choose>
+        <dgm:ruleLst/>
+        <dgm:layoutNode name="parentText" styleLbl="alignNode1">
+          <dgm:varLst>
+            <dgm:chMax val="1"/>
+            <dgm:bulletEnabled val="1"/>
+          </dgm:varLst>
+          <dgm:alg type="tx"/>
+          <dgm:shape xmlns:r="http://schemas.openxmlformats.org/officeDocument/2006/relationships" rot="90" type="chevron" r:blip="">
+            <dgm:adjLst/>
+          </dgm:shape>
+          <dgm:presOf axis="self" ptType="node"/>
+          <dgm:constrLst>
+            <dgm:constr type="lMarg" refType="primFontSz" fact="0.05"/>
+            <dgm:constr type="rMarg" refType="primFontSz" fact="0.05"/>
+            <dgm:constr type="tMarg" refType="primFontSz" fact="0.05"/>
+            <dgm:constr type="bMarg" refType="primFontSz" fact="0.05"/>
+          </dgm:constrLst>
+          <dgm:ruleLst>
+            <dgm:rule type="h" val="100" fact="NaN" max="NaN"/>
+            <dgm:rule type="primFontSz" val="24" fact="NaN" max="NaN"/>
+            <dgm:rule type="h" val="110" fact="NaN" max="NaN"/>
+            <dgm:rule type="primFontSz" val="18" fact="NaN" max="NaN"/>
+            <dgm:rule type="h" val="INF" fact="NaN" max="NaN"/>
+            <dgm:rule type="primFontSz" val="5" fact="NaN" max="NaN"/>
+          </dgm:ruleLst>
+        </dgm:layoutNode>
+        <dgm:layoutNode name="descendantText" styleLbl="alignAcc1">
+          <dgm:varLst>
+            <dgm:bulletEnabled val="1"/>
+          </dgm:varLst>
+          <dgm:choose name="Name4">
+            <dgm:if name="Name5" func="var" arg="dir" op="equ" val="norm">
+              <dgm:alg type="tx">
+                <dgm:param type="stBulletLvl" val="1"/>
+                <dgm:param type="txAnchorVertCh" val="mid"/>
+              </dgm:alg>
+              <dgm:shape xmlns:r="http://schemas.openxmlformats.org/officeDocument/2006/relationships" rot="90" type="round2SameRect" r:blip="">
+                <dgm:adjLst/>
+              </dgm:shape>
+            </dgm:if>
+            <dgm:else name="Name6">
+              <dgm:alg type="tx">
+                <dgm:param type="stBulletLvl" val="1"/>
+                <dgm:param type="txAnchorVertCh" val="mid"/>
+              </dgm:alg>
+              <dgm:shape xmlns:r="http://schemas.openxmlformats.org/officeDocument/2006/relationships" rot="-90" type="round2SameRect" r:blip="">
+                <dgm:adjLst/>
+              </dgm:shape>
+            </dgm:else>
+          </dgm:choose>
+          <dgm:presOf axis="des" ptType="node"/>
+          <dgm:choose name="Name7">
+            <dgm:if name="Name8" func="var" arg="dir" op="equ" val="norm">
+              <dgm:constrLst>
+                <dgm:constr type="secFontSz" refType="primFontSz"/>
+                <dgm:constr type="tMarg" refType="primFontSz" fact="0.05"/>
+                <dgm:constr type="bMarg" refType="primFontSz" fact="0.05"/>
+                <dgm:constr type="rMarg" refType="primFontSz" fact="0.05"/>
+              </dgm:constrLst>
+            </dgm:if>
+            <dgm:else name="Name9">
+              <dgm:constrLst>
+                <dgm:constr type="secFontSz" refType="primFontSz"/>
+                <dgm:constr type="tMarg" refType="primFontSz" fact="0.05"/>
+                <dgm:constr type="bMarg" refType="primFontSz" fact="0.05"/>
+                <dgm:constr type="lMarg" refType="primFontSz" fact="0.05"/>
+              </dgm:constrLst>
+            </dgm:else>
+          </dgm:choose>
+          <dgm:ruleLst>
+            <dgm:rule type="primFontSz" val="5" fact="NaN" max="NaN"/>
+          </dgm:ruleLst>
+        </dgm:layoutNode>
+      </dgm:layoutNode>
+      <dgm:forEach name="Name10" axis="followSib" ptType="sibTrans" cnt="1">
+        <dgm:layoutNode name="sp">
+          <dgm:alg type="sp"/>
+          <dgm:shape xmlns:r="http://schemas.openxmlformats.org/officeDocument/2006/relationships" r:blip="">
+            <dgm:adjLst/>
+          </dgm:shape>
+          <dgm:presOf axis="self"/>
+          <dgm:constrLst>
+            <dgm:constr type="w" val="1"/>
+            <dgm:constr type="h" val="37.5"/>
+          </dgm:constrLst>
+          <dgm:ruleLst/>
+        </dgm:layoutNode>
+      </dgm:forEach>
+    </dgm:forEach>
+  </dgm:layoutNode>
+</dgm:layoutDef>
+</file>
+
 <file path=ppt/diagrams/quickStyle1.xml><?xml version="1.0" encoding="utf-8"?>
+<dgm:styleDef xmlns:dgm="http://schemas.openxmlformats.org/drawingml/2006/diagram" xmlns:a="http://schemas.openxmlformats.org/drawingml/2006/main" uniqueId="urn:microsoft.com/office/officeart/2005/8/quickstyle/simple3">
+  <dgm:title val=""/>
+  <dgm:desc val=""/>
+  <dgm:catLst>
+    <dgm:cat type="simple" pri="10300"/>
+  </dgm:catLst>
+  <dgm:scene3d>
+    <a:camera prst="orthographicFront"/>
+    <a:lightRig rig="threePt" dir="t"/>
+  </dgm:scene3d>
+  <dgm:styleLbl name="node0">
+    <dgm:scene3d>
+      <a:camera prst="orthographicFront"/>
+      <a:lightRig rig="flat" dir="t"/>
+    </dgm:scene3d>
+    <dgm:sp3d prstMaterial="dkEdge">
+      <a:bevelT w="8200" h="38100"/>
+    </dgm:sp3d>
+    <dgm:txPr/>
+    <dgm:style>
+      <a:lnRef idx="0">
+        <a:scrgbClr r="0" g="0" b="0"/>
+      </a:lnRef>
+      <a:fillRef idx="2">
+        <a:scrgbClr r="0" g="0" b="0"/>
+      </a:fillRef>
+      <a:effectRef idx="1">
+        <a:scrgbClr r="0" g="0" b="0"/>
+      </a:effectRef>
+      <a:fontRef idx="minor">
+        <a:schemeClr val="dk1"/>
+      </a:fontRef>
+    </dgm:style>
+  </dgm:styleLbl>
+  <dgm:styleLbl name="lnNode1">
+    <dgm:scene3d>
+      <a:camera prst="orthographicFront"/>
+      <a:lightRig rig="flat" dir="t"/>
+    </dgm:scene3d>
+    <dgm:sp3d prstMaterial="dkEdge">
+      <a:bevelT w="8200" h="38100"/>
+    </dgm:sp3d>
+    <dgm:txPr/>
+    <dgm:style>
+      <a:lnRef idx="1">
+        <a:scrgbClr r="0" g="0" b="0"/>
+      </a:lnRef>
+      <a:fillRef idx="2">
+        <a:scrgbClr r="0" g="0" b="0"/>
+      </a:fillRef>
+      <a:effectRef idx="0">
+        <a:scrgbClr r="0" g="0" b="0"/>
+      </a:effectRef>
+      <a:fontRef idx="minor">
+        <a:schemeClr val="dk1"/>
+      </a:fontRef>
+    </dgm:style>
+  </dgm:styleLbl>
+  <dgm:styleLbl name="vennNode1">
+    <dgm:scene3d>
+      <a:camera prst="orthographicFront"/>
+      <a:lightRig rig="flat" dir="t"/>
+    </dgm:scene3d>
+    <dgm:sp3d prstMaterial="dkEdge">
+      <a:bevelT w="8200" h="38100"/>
+    </dgm:sp3d>
+    <dgm:txPr/>
+    <dgm:style>
+      <a:lnRef idx="0">
+        <a:scrgbClr r="0" g="0" b="0"/>
+      </a:lnRef>
+      <a:fillRef idx="2">
+        <a:scrgbClr r="0" g="0" b="0"/>
+      </a:fillRef>
+      <a:effectRef idx="0">
+        <a:scrgbClr r="0" g="0" b="0"/>
+      </a:effectRef>
+      <a:fontRef idx="minor">
+        <a:schemeClr val="tx1"/>
+      </a:fontRef>
+    </dgm:style>
+  </dgm:styleLbl>
+  <dgm:styleLbl name="alignNode1">
+    <dgm:scene3d>
+      <a:camera prst="orthographicFront"/>
+      <a:lightRig rig="threePt" dir="t"/>
+    </dgm:scene3d>
+    <dgm:sp3d/>
+    <dgm:txPr/>
+    <dgm:style>
+      <a:lnRef idx="1">
+        <a:scrgbClr r="0" g="0" b="0"/>
+      </a:lnRef>
+      <a:fillRef idx="2">
+        <a:scrgbClr r="0" g="0" b="0"/>
+      </a:fillRef>
+      <a:effectRef idx="1">
+        <a:scrgbClr r="0" g="0" b="0"/>
+      </a:effectRef>
+      <a:fontRef idx="minor">
+        <a:schemeClr val="dk1"/>
+      </a:fontRef>
+    </dgm:style>
+  </dgm:styleLbl>
+  <dgm:styleLbl name="node1">
+    <dgm:scene3d>
+      <a:camera prst="orthographicFront"/>
+      <a:lightRig rig="flat" dir="t"/>
+    </dgm:scene3d>
+    <dgm:sp3d prstMaterial="dkEdge">
+      <a:bevelT w="8200" h="38100"/>
+    </dgm:sp3d>
+    <dgm:txPr/>
+    <dgm:style>
+      <a:lnRef idx="0">
+        <a:scrgbClr r="0" g="0" b="0"/>
+      </a:lnRef>
+      <a:fillRef idx="2">
+        <a:scrgbClr r="0" g="0" b="0"/>
+      </a:fillRef>
+      <a:effectRef idx="1">
+        <a:scrgbClr r="0" g="0" b="0"/>
+      </a:effectRef>
+      <a:fontRef idx="minor">
+        <a:schemeClr val="dk1"/>
+      </a:fontRef>
+    </dgm:style>
+  </dgm:styleLbl>
+  <dgm:styleLbl name="node2">
+    <dgm:scene3d>
+      <a:camera prst="orthographicFront"/>
+      <a:lightRig rig="flat" dir="t"/>
+    </dgm:scene3d>
+    <dgm:sp3d prstMaterial="dkEdge">
+      <a:bevelT w="8200" h="38100"/>
+    </dgm:sp3d>
+    <dgm:txPr/>
+    <dgm:style>
+      <a:lnRef idx="0">
+        <a:scrgbClr r="0" g="0" b="0"/>
+      </a:lnRef>
+      <a:fillRef idx="2">
+        <a:scrgbClr r="0" g="0" b="0"/>
+      </a:fillRef>
+      <a:effectRef idx="1">
+        <a:scrgbClr r="0" g="0" b="0"/>
+      </a:effectRef>
+      <a:fontRef idx="minor">
+        <a:schemeClr val="dk1"/>
+      </a:fontRef>
+    </dgm:style>
+  </dgm:styleLbl>
+  <dgm:styleLbl name="node3">
+    <dgm:scene3d>
+      <a:camera prst="orthographicFront"/>
+      <a:lightRig rig="flat" dir="t"/>
+    </dgm:scene3d>
+    <dgm:sp3d prstMaterial="dkEdge">
+      <a:bevelT w="8200" h="38100"/>
+    </dgm:sp3d>
+    <dgm:txPr/>
+    <dgm:style>
+      <a:lnRef idx="0">
+        <a:scrgbClr r="0" g="0" b="0"/>
+      </a:lnRef>
+      <a:fillRef idx="2">
+        <a:scrgbClr r="0" g="0" b="0"/>
+      </a:fillRef>
+      <a:effectRef idx="1">
+        <a:scrgbClr r="0" g="0" b="0"/>
+      </a:effectRef>
+      <a:fontRef idx="minor">
+        <a:schemeClr val="dk1"/>
+      </a:fontRef>
+    </dgm:style>
+  </dgm:styleLbl>
+  <dgm:styleLbl name="node4">
+    <dgm:scene3d>
+      <a:camera prst="orthographicFront"/>
+      <a:lightRig rig="flat" dir="t"/>
+    </dgm:scene3d>
+    <dgm:sp3d prstMaterial="dkEdge">
+      <a:bevelT w="8200" h="38100"/>
+    </dgm:sp3d>
+    <dgm:txPr/>
+    <dgm:style>
+      <a:lnRef idx="0">
+        <a:scrgbClr r="0" g="0" b="0"/>
+      </a:lnRef>
+      <a:fillRef idx="2">
+        <a:scrgbClr r="0" g="0" b="0"/>
+      </a:fillRef>
+      <a:effectRef idx="1">
+        <a:scrgbClr r="0" g="0" b="0"/>
+      </a:effectRef>
+      <a:fontRef idx="minor">
+        <a:schemeClr val="dk1"/>
+      </a:fontRef>
+    </dgm:style>
+  </dgm:styleLbl>
+  <dgm:styleLbl name="fgImgPlace1">
+    <dgm:scene3d>
+      <a:camera prst="orthographicFront"/>
+      <a:lightRig rig="threePt" dir="t"/>
+    </dgm:scene3d>
+    <dgm:sp3d/>
+    <dgm:txPr/>
+    <dgm:style>
+      <a:lnRef idx="1">
+        <a:scrgbClr r="0" g="0" b="0"/>
+      </a:lnRef>
+      <a:fillRef idx="1">
+        <a:scrgbClr r="0" g="0" b="0"/>
+      </a:fillRef>
+      <a:effectRef idx="1">
+        <a:scrgbClr r="0" g="0" b="0"/>
+      </a:effectRef>
+      <a:fontRef idx="minor"/>
+    </dgm:style>
+  </dgm:styleLbl>
+  <dgm:styleLbl name="alignImgPlace1">
+    <dgm:scene3d>
+      <a:camera prst="orthographicFront"/>
+      <a:lightRig rig="threePt" dir="t"/>
+    </dgm:scene3d>
+    <dgm:sp3d/>
+    <dgm:txPr/>
+    <dgm:style>
+      <a:lnRef idx="1">
+        <a:scrgbClr r="0" g="0" b="0"/>
+      </a:lnRef>
+      <a:fillRef idx="1">
+        <a:scrgbClr r="0" g="0" b="0"/>
+      </a:fillRef>
+      <a:effectRef idx="1">
+        <a:scrgbClr r="0" g="0" b="0"/>
+      </a:effectRef>
+      <a:fontRef idx="minor"/>
+    </dgm:style>
+  </dgm:styleLbl>
+  <dgm:styleLbl name="bgImgPlace1">
+    <dgm:scene3d>
+      <a:camera prst="orthographicFront"/>
+      <a:lightRig rig="threePt" dir="t"/>
+    </dgm:scene3d>
+    <dgm:sp3d/>
+    <dgm:txPr/>
+    <dgm:style>
+      <a:lnRef idx="1">
+        <a:scrgbClr r="0" g="0" b="0"/>
+      </a:lnRef>
+      <a:fillRef idx="1">
+        <a:scrgbClr r="0" g="0" b="0"/>
+      </a:fillRef>
+      <a:effectRef idx="1">
+        <a:scrgbClr r="0" g="0" b="0"/>
+      </a:effectRef>
+      <a:fontRef idx="minor"/>
+    </dgm:style>
+  </dgm:styleLbl>
+  <dgm:styleLbl name="sibTrans2D1">
+    <dgm:scene3d>
+      <a:camera prst="orthographicFront"/>
+      <a:lightRig rig="threePt" dir="t"/>
+    </dgm:scene3d>
+    <dgm:sp3d/>
+    <dgm:txPr/>
+    <dgm:style>
+      <a:lnRef idx="0">
+        <a:scrgbClr r="0" g="0" b="0"/>
+      </a:lnRef>
+      <a:fillRef idx="2">
+        <a:scrgbClr r="0" g="0" b="0"/>
+      </a:fillRef>
+      <a:effectRef idx="1">
+        <a:scrgbClr r="0" g="0" b="0"/>
+      </a:effectRef>
+      <a:fontRef idx="minor">
+        <a:schemeClr val="dk1"/>
+      </a:fontRef>
+    </dgm:style>
+  </dgm:styleLbl>
+  <dgm:styleLbl name="fgSibTrans2D1">
+    <dgm:scene3d>
+      <a:camera prst="orthographicFront"/>
+      <a:lightRig rig="threePt" dir="t"/>
+    </dgm:scene3d>
+    <dgm:sp3d/>
+    <dgm:txPr/>
+    <dgm:style>
+      <a:lnRef idx="0">
+        <a:scrgbClr r="0" g="0" b="0"/>
+      </a:lnRef>
+      <a:fillRef idx="2">
+        <a:scrgbClr r="0" g="0" b="0"/>
+      </a:fillRef>
+      <a:effectRef idx="1">
+        <a:scrgbClr r="0" g="0" b="0"/>
+      </a:effectRef>
+      <a:fontRef idx="minor">
+        <a:schemeClr val="dk1"/>
+      </a:fontRef>
+    </dgm:style>
+  </dgm:styleLbl>
+  <dgm:styleLbl name="bgSibTrans2D1">
+    <dgm:scene3d>
+      <a:camera prst="orthographicFront"/>
+      <a:lightRig rig="threePt" dir="t"/>
+    </dgm:scene3d>
+    <dgm:sp3d/>
+    <dgm:txPr/>
+    <dgm:style>
+      <a:lnRef idx="0">
+        <a:scrgbClr r="0" g="0" b="0"/>
+      </a:lnRef>
+      <a:fillRef idx="2">
+        <a:scrgbClr r="0" g="0" b="0"/>
+      </a:fillRef>
+      <a:effectRef idx="1">
+        <a:scrgbClr r="0" g="0" b="0"/>
+      </a:effectRef>
+      <a:fontRef idx="minor">
+        <a:schemeClr val="dk1"/>
+      </a:fontRef>
+    </dgm:style>
+  </dgm:styleLbl>
+  <dgm:styleLbl name="sibTrans1D1">
+    <dgm:scene3d>
+      <a:camera prst="orthographicFront"/>
+      <a:lightRig rig="threePt" dir="t"/>
+    </dgm:scene3d>
+    <dgm:sp3d/>
+    <dgm:txPr/>
+    <dgm:style>
+      <a:lnRef idx="1">
+        <a:scrgbClr r="0" g="0" b="0"/>
+      </a:lnRef>
+      <a:fillRef idx="0">
+        <a:scrgbClr r="0" g="0" b="0"/>
+      </a:fillRef>
+      <a:effectRef idx="0">
+        <a:scrgbClr r="0" g="0" b="0"/>
+      </a:effectRef>
+      <a:fontRef idx="minor"/>
+    </dgm:style>
+  </dgm:styleLbl>
+  <dgm:styleLbl name="callout">
+    <dgm:scene3d>
+      <a:camera prst="orthographicFront"/>
+      <a:lightRig rig="threePt" dir="t"/>
+    </dgm:scene3d>
+    <dgm:sp3d/>
+    <dgm:txPr/>
+    <dgm:style>
+      <a:lnRef idx="1">
+        <a:scrgbClr r="0" g="0" b="0"/>
+      </a:lnRef>
+      <a:fillRef idx="2">
+        <a:scrgbClr r="0" g="0" b="0"/>
+      </a:fillRef>
+      <a:effectRef idx="1">
+        <a:scrgbClr r="0" g="0" b="0"/>
+      </a:effectRef>
+      <a:fontRef idx="minor"/>
+    </dgm:style>
+  </dgm:styleLbl>
+  <dgm:styleLbl name="asst0">
+    <dgm:scene3d>
+      <a:camera prst="orthographicFront"/>
+      <a:lightRig rig="flat" dir="t"/>
+    </dgm:scene3d>
+    <dgm:sp3d prstMaterial="dkEdge">
+      <a:bevelT w="8200" h="38100"/>
+    </dgm:sp3d>
+    <dgm:txPr/>
+    <dgm:style>
+      <a:lnRef idx="0">
+        <a:scrgbClr r="0" g="0" b="0"/>
+      </a:lnRef>
+      <a:fillRef idx="2">
+        <a:scrgbClr r="0" g="0" b="0"/>
+      </a:fillRef>
+      <a:effectRef idx="1">
+        <a:scrgbClr r="0" g="0" b="0"/>
+      </a:effectRef>
+      <a:fontRef idx="minor">
+        <a:schemeClr val="dk1"/>
+      </a:fontRef>
+    </dgm:style>
+  </dgm:styleLbl>
+  <dgm:styleLbl name="asst1">
+    <dgm:scene3d>
+      <a:camera prst="orthographicFront"/>
+      <a:lightRig rig="flat" dir="t"/>
+    </dgm:scene3d>
+    <dgm:sp3d prstMaterial="dkEdge">
+      <a:bevelT w="8200" h="38100"/>
+    </dgm:sp3d>
+    <dgm:txPr/>
+    <dgm:style>
+      <a:lnRef idx="0">
+        <a:scrgbClr r="0" g="0" b="0"/>
+      </a:lnRef>
+      <a:fillRef idx="2">
+        <a:scrgbClr r="0" g="0" b="0"/>
+      </a:fillRef>
+      <a:effectRef idx="1">
+        <a:scrgbClr r="0" g="0" b="0"/>
+      </a:effectRef>
+      <a:fontRef idx="minor">
+        <a:schemeClr val="dk1"/>
+      </a:fontRef>
+    </dgm:style>
+  </dgm:styleLbl>
+  <dgm:styleLbl name="asst2">
+    <dgm:scene3d>
+      <a:camera prst="orthographicFront"/>
+      <a:lightRig rig="flat" dir="t"/>
+    </dgm:scene3d>
+    <dgm:sp3d prstMaterial="dkEdge">
+      <a:bevelT w="8200" h="38100"/>
+    </dgm:sp3d>
+    <dgm:txPr/>
+    <dgm:style>
+      <a:lnRef idx="0">
+        <a:scrgbClr r="0" g="0" b="0"/>
+      </a:lnRef>
+      <a:fillRef idx="2">
+        <a:scrgbClr r="0" g="0" b="0"/>
+      </a:fillRef>
+      <a:effectRef idx="1">
+        <a:scrgbClr r="0" g="0" b="0"/>
+      </a:effectRef>
+      <a:fontRef idx="minor">
+        <a:schemeClr val="dk1"/>
+      </a:fontRef>
+    </dgm:style>
+  </dgm:styleLbl>
+  <dgm:styleLbl name="asst3">
+    <dgm:scene3d>
+      <a:camera prst="orthographicFront"/>
+      <a:lightRig rig="flat" dir="t"/>
+    </dgm:scene3d>
+    <dgm:sp3d prstMaterial="dkEdge">
+      <a:bevelT w="8200" h="38100"/>
+    </dgm:sp3d>
+    <dgm:txPr/>
+    <dgm:style>
+      <a:lnRef idx="0">
+        <a:scrgbClr r="0" g="0" b="0"/>
+      </a:lnRef>
+      <a:fillRef idx="2">
+        <a:scrgbClr r="0" g="0" b="0"/>
+      </a:fillRef>
+      <a:effectRef idx="1">
+        <a:scrgbClr r="0" g="0" b="0"/>
+      </a:effectRef>
+      <a:fontRef idx="minor">
+        <a:schemeClr val="dk1"/>
+      </a:fontRef>
+    </dgm:style>
+  </dgm:styleLbl>
+  <dgm:styleLbl name="asst4">
+    <dgm:scene3d>
+      <a:camera prst="orthographicFront"/>
+      <a:lightRig rig="flat" dir="t"/>
+    </dgm:scene3d>
+    <dgm:sp3d prstMaterial="dkEdge">
+      <a:bevelT w="8200" h="38100"/>
+    </dgm:sp3d>
+    <dgm:txPr/>
+    <dgm:style>
+      <a:lnRef idx="0">
+        <a:scrgbClr r="0" g="0" b="0"/>
+      </a:lnRef>
+      <a:fillRef idx="2">
+        <a:scrgbClr r="0" g="0" b="0"/>
+      </a:fillRef>
+      <a:effectRef idx="1">
+        <a:scrgbClr r="0" g="0" b="0"/>
+      </a:effectRef>
+      <a:fontRef idx="minor">
+        <a:schemeClr val="dk1"/>
+      </a:fontRef>
+    </dgm:style>
+  </dgm:styleLbl>
+  <dgm:styleLbl name="parChTrans2D1">
+    <dgm:scene3d>
+      <a:camera prst="orthographicFront"/>
+      <a:lightRig rig="threePt" dir="t"/>
+    </dgm:scene3d>
+    <dgm:sp3d/>
+    <dgm:txPr/>
+    <dgm:style>
+      <a:lnRef idx="1">
+        <a:scrgbClr r="0" g="0" b="0"/>
+      </a:lnRef>
+      <a:fillRef idx="2">
+        <a:scrgbClr r="0" g="0" b="0"/>
+      </a:fillRef>
+      <a:effectRef idx="1">
+        <a:scrgbClr r="0" g="0" b="0"/>
+      </a:effectRef>
+      <a:fontRef idx="minor">
+        <a:schemeClr val="dk1"/>
+      </a:fontRef>
+    </dgm:style>
+  </dgm:styleLbl>
+  <dgm:styleLbl name="parChTrans2D2">
+    <dgm:scene3d>
+      <a:camera prst="orthographicFront"/>
+      <a:lightRig rig="threePt" dir="t"/>
+    </dgm:scene3d>
+    <dgm:sp3d/>
+    <dgm:txPr/>
+    <dgm:style>
+      <a:lnRef idx="1">
+        <a:scrgbClr r="0" g="0" b="0"/>
+      </a:lnRef>
+      <a:fillRef idx="2">
+        <a:scrgbClr r="0" g="0" b="0"/>
+      </a:fillRef>
+      <a:effectRef idx="1">
+        <a:scrgbClr r="0" g="0" b="0"/>
+      </a:effectRef>
+      <a:fontRef idx="minor">
+        <a:schemeClr val="dk1"/>
+      </a:fontRef>
+    </dgm:style>
+  </dgm:styleLbl>
+  <dgm:styleLbl name="parChTrans2D3">
+    <dgm:scene3d>
+      <a:camera prst="orthographicFront"/>
+      <a:lightRig rig="threePt" dir="t"/>
+    </dgm:scene3d>
+    <dgm:sp3d/>
+    <dgm:txPr/>
+    <dgm:style>
+      <a:lnRef idx="1">
+        <a:scrgbClr r="0" g="0" b="0"/>
+      </a:lnRef>
+      <a:fillRef idx="2">
+        <a:scrgbClr r="0" g="0" b="0"/>
+      </a:fillRef>
+      <a:effectRef idx="1">
+        <a:scrgbClr r="0" g="0" b="0"/>
+      </a:effectRef>
+      <a:fontRef idx="minor">
+        <a:schemeClr val="dk1"/>
+      </a:fontRef>
+    </dgm:style>
+  </dgm:styleLbl>
+  <dgm:styleLbl name="parChTrans2D4">
+    <dgm:scene3d>
+      <a:camera prst="orthographicFront"/>
+      <a:lightRig rig="threePt" dir="t"/>
+    </dgm:scene3d>
+    <dgm:sp3d/>
+    <dgm:txPr/>
+    <dgm:style>
+      <a:lnRef idx="1">
+        <a:scrgbClr r="0" g="0" b="0"/>
+      </a:lnRef>
+      <a:fillRef idx="2">
+        <a:scrgbClr r="0" g="0" b="0"/>
+      </a:fillRef>
+      <a:effectRef idx="1">
+        <a:scrgbClr r="0" g="0" b="0"/>
+      </a:effectRef>
+      <a:fontRef idx="minor">
+        <a:schemeClr val="dk1"/>
+      </a:fontRef>
+    </dgm:style>
+  </dgm:styleLbl>
+  <dgm:styleLbl name="parChTrans1D1">
+    <dgm:scene3d>
+      <a:camera prst="orthographicFront"/>
+      <a:lightRig rig="threePt" dir="t"/>
+    </dgm:scene3d>
+    <dgm:sp3d/>
+    <dgm:txPr/>
+    <dgm:style>
+      <a:lnRef idx="2">
+        <a:scrgbClr r="0" g="0" b="0"/>
+      </a:lnRef>
+      <a:fillRef idx="0">
+        <a:scrgbClr r="0" g="0" b="0"/>
+      </a:fillRef>
+      <a:effectRef idx="0">
+        <a:scrgbClr r="0" g="0" b="0"/>
+      </a:effectRef>
+      <a:fontRef idx="minor"/>
+    </dgm:style>
+  </dgm:styleLbl>
+  <dgm:styleLbl name="parChTrans1D2">
+    <dgm:scene3d>
+      <a:camera prst="orthographicFront"/>
+      <a:lightRig rig="threePt" dir="t"/>
+    </dgm:scene3d>
+    <dgm:sp3d/>
+    <dgm:txPr/>
+    <dgm:style>
+      <a:lnRef idx="2">
+        <a:scrgbClr r="0" g="0" b="0"/>
+      </a:lnRef>
+      <a:fillRef idx="0">
+        <a:scrgbClr r="0" g="0" b="0"/>
+      </a:fillRef>
+      <a:effectRef idx="0">
+        <a:scrgbClr r="0" g="0" b="0"/>
+      </a:effectRef>
+      <a:fontRef idx="minor"/>
+    </dgm:style>
+  </dgm:styleLbl>
+  <dgm:styleLbl name="parChTrans1D3">
+    <dgm:scene3d>
+      <a:camera prst="orthographicFront"/>
+      <a:lightRig rig="threePt" dir="t"/>
+    </dgm:scene3d>
+    <dgm:sp3d/>
+    <dgm:txPr/>
+    <dgm:style>
+      <a:lnRef idx="2">
+        <a:scrgbClr r="0" g="0" b="0"/>
+      </a:lnRef>
+      <a:fillRef idx="0">
+        <a:scrgbClr r="0" g="0" b="0"/>
+      </a:fillRef>
+      <a:effectRef idx="0">
+        <a:scrgbClr r="0" g="0" b="0"/>
+      </a:effectRef>
+      <a:fontRef idx="minor"/>
+    </dgm:style>
+  </dgm:styleLbl>
+  <dgm:styleLbl name="parChTrans1D4">
+    <dgm:scene3d>
+      <a:camera prst="orthographicFront"/>
+      <a:lightRig rig="threePt" dir="t"/>
+    </dgm:scene3d>
+    <dgm:sp3d/>
+    <dgm:txPr/>
+    <dgm:style>
+      <a:lnRef idx="2">
+        <a:scrgbClr r="0" g="0" b="0"/>
+      </a:lnRef>
+      <a:fillRef idx="0">
+        <a:scrgbClr r="0" g="0" b="0"/>
+      </a:fillRef>
+      <a:effectRef idx="0">
+        <a:scrgbClr r="0" g="0" b="0"/>
+      </a:effectRef>
+      <a:fontRef idx="minor"/>
+    </dgm:style>
+  </dgm:styleLbl>
+  <dgm:styleLbl name="fgAcc1">
+    <dgm:scene3d>
+      <a:camera prst="orthographicFront"/>
+      <a:lightRig rig="threePt" dir="t"/>
+    </dgm:scene3d>
+    <dgm:sp3d/>
+    <dgm:txPr/>
+    <dgm:style>
+      <a:lnRef idx="1">
+        <a:scrgbClr r="0" g="0" b="0"/>
+      </a:lnRef>
+      <a:fillRef idx="1">
+        <a:scrgbClr r="0" g="0" b="0"/>
+      </a:fillRef>
+      <a:effectRef idx="0">
+        <a:scrgbClr r="0" g="0" b="0"/>
+      </a:effectRef>
+      <a:fontRef idx="minor"/>
+    </dgm:style>
+  </dgm:styleLbl>
+  <dgm:styleLbl name="conFgAcc1">
+    <dgm:scene3d>
+      <a:camera prst="orthographicFront"/>
+      <a:lightRig rig="threePt" dir="t"/>
+    </dgm:scene3d>
+    <dgm:sp3d/>
+    <dgm:txPr/>
+    <dgm:style>
+      <a:lnRef idx="1">
+        <a:scrgbClr r="0" g="0" b="0"/>
+      </a:lnRef>
+      <a:fillRef idx="1">
+        <a:scrgbClr r="0" g="0" b="0"/>
+      </a:fillRef>
+      <a:effectRef idx="0">
+        <a:scrgbClr r="0" g="0" b="0"/>
+      </a:effectRef>
+      <a:fontRef idx="minor"/>
+    </dgm:style>
+  </dgm:styleLbl>
+  <dgm:styleLbl name="alignAcc1">
+    <dgm:scene3d>
+      <a:camera prst="orthographicFront"/>
+      <a:lightRig rig="threePt" dir="t"/>
+    </dgm:scene3d>
+    <dgm:sp3d/>
+    <dgm:txPr/>
+    <dgm:style>
+      <a:lnRef idx="1">
+        <a:scrgbClr r="0" g="0" b="0"/>
+      </a:lnRef>
+      <a:fillRef idx="1">
+        <a:scrgbClr r="0" g="0" b="0"/>
+      </a:fillRef>
+      <a:effectRef idx="0">
+        <a:scrgbClr r="0" g="0" b="0"/>
+      </a:effectRef>
+      <a:fontRef idx="minor"/>
+    </dgm:style>
+  </dgm:styleLbl>
+  <dgm:styleLbl name="trAlignAcc1">
+    <dgm:scene3d>
+      <a:camera prst="orthographicFront"/>
+      <a:lightRig rig="threePt" dir="t"/>
+    </dgm:scene3d>
+    <dgm:sp3d/>
+    <dgm:txPr/>
+    <dgm:style>
+      <a:lnRef idx="1">
+        <a:scrgbClr r="0" g="0" b="0"/>
+      </a:lnRef>
+      <a:fillRef idx="1">
+        <a:scrgbClr r="0" g="0" b="0"/>
+      </a:fillRef>
+      <a:effectRef idx="0">
+        <a:scrgbClr r="0" g="0" b="0"/>
+      </a:effectRef>
+      <a:fontRef idx="minor"/>
+    </dgm:style>
+  </dgm:styleLbl>
+  <dgm:styleLbl name="bgAcc1">
+    <dgm:scene3d>
+      <a:camera prst="orthographicFront"/>
+      <a:lightRig rig="threePt" dir="t"/>
+    </dgm:scene3d>
+    <dgm:sp3d/>
+    <dgm:txPr/>
+    <dgm:style>
+      <a:lnRef idx="1">
+        <a:scrgbClr r="0" g="0" b="0"/>
+      </a:lnRef>
+      <a:fillRef idx="1">
+        <a:scrgbClr r="0" g="0" b="0"/>
+      </a:fillRef>
+      <a:effectRef idx="0">
+        <a:scrgbClr r="0" g="0" b="0"/>
+      </a:effectRef>
+      <a:fontRef idx="minor"/>
+    </dgm:style>
+  </dgm:styleLbl>
+  <dgm:styleLbl name="solidFgAcc1">
+    <dgm:scene3d>
+      <a:camera prst="orthographicFront"/>
+      <a:lightRig rig="threePt" dir="t"/>
+    </dgm:scene3d>
+    <dgm:sp3d/>
+    <dgm:txPr/>
+    <dgm:style>
+      <a:lnRef idx="1">
+        <a:scrgbClr r="0" g="0" b="0"/>
+      </a:lnRef>
+      <a:fillRef idx="2">
+        <a:scrgbClr r="0" g="0" b="0"/>
+      </a:fillRef>
+      <a:effectRef idx="0">
+        <a:scrgbClr r="0" g="0" b="0"/>
+      </a:effectRef>
+      <a:fontRef idx="minor"/>
+    </dgm:style>
+  </dgm:styleLbl>
+  <dgm:styleLbl name="solidAlignAcc1">
+    <dgm:scene3d>
+      <a:camera prst="orthographicFront"/>
+      <a:lightRig rig="threePt" dir="t"/>
+    </dgm:scene3d>
+    <dgm:sp3d/>
+    <dgm:txPr/>
+    <dgm:style>
+      <a:lnRef idx="1">
+        <a:scrgbClr r="0" g="0" b="0"/>
+      </a:lnRef>
+      <a:fillRef idx="1">
+        <a:scrgbClr r="0" g="0" b="0"/>
+      </a:fillRef>
+      <a:effectRef idx="0">
+        <a:scrgbClr r="0" g="0" b="0"/>
+      </a:effectRef>
+      <a:fontRef idx="minor"/>
+    </dgm:style>
+  </dgm:styleLbl>
+  <dgm:styleLbl name="solidBgAcc1">
+    <dgm:scene3d>
+      <a:camera prst="orthographicFront"/>
+      <a:lightRig rig="threePt" dir="t"/>
+    </dgm:scene3d>
+    <dgm:sp3d/>
+    <dgm:txPr/>
+    <dgm:style>
+      <a:lnRef idx="1">
+        <a:scrgbClr r="0" g="0" b="0"/>
+      </a:lnRef>
+      <a:fillRef idx="1">
+        <a:scrgbClr r="0" g="0" b="0"/>
+      </a:fillRef>
+      <a:effectRef idx="0">
+        <a:scrgbClr r="0" g="0" b="0"/>
+      </a:effectRef>
+      <a:fontRef idx="minor"/>
+    </dgm:style>
+  </dgm:styleLbl>
+  <dgm:styleLbl name="fgAccFollowNode1">
+    <dgm:scene3d>
+      <a:camera prst="orthographicFront"/>
+      <a:lightRig rig="threePt" dir="t"/>
+    </dgm:scene3d>
+    <dgm:sp3d/>
+    <dgm:txPr/>
+    <dgm:style>
+      <a:lnRef idx="1">
+        <a:scrgbClr r="0" g="0" b="0"/>
+      </a:lnRef>
+      <a:fillRef idx="1">
+        <a:scrgbClr r="0" g="0" b="0"/>
+      </a:fillRef>
+      <a:effectRef idx="0">
+        <a:scrgbClr r="0" g="0" b="0"/>
+      </a:effectRef>
+      <a:fontRef idx="minor"/>
+    </dgm:style>
+  </dgm:styleLbl>
+  <dgm:styleLbl name="alignAccFollowNode1">
+    <dgm:scene3d>
+      <a:camera prst="orthographicFront"/>
+      <a:lightRig rig="threePt" dir="t"/>
+    </dgm:scene3d>
+    <dgm:sp3d/>
+    <dgm:txPr/>
+    <dgm:style>
+      <a:lnRef idx="1">
+        <a:scrgbClr r="0" g="0" b="0"/>
+      </a:lnRef>
+      <a:fillRef idx="1">
+        <a:scrgbClr r="0" g="0" b="0"/>
+      </a:fillRef>
+      <a:effectRef idx="0">
+        <a:scrgbClr r="0" g="0" b="0"/>
+      </a:effectRef>
+      <a:fontRef idx="minor"/>
+    </dgm:style>
+  </dgm:styleLbl>
+  <dgm:styleLbl name="bgAccFollowNode1">
+    <dgm:scene3d>
+      <a:camera prst="orthographicFront"/>
+      <a:lightRig rig="threePt" dir="t"/>
+    </dgm:scene3d>
+    <dgm:sp3d/>
+    <dgm:txPr/>
+    <dgm:style>
+      <a:lnRef idx="1">
+        <a:scrgbClr r="0" g="0" b="0"/>
+      </a:lnRef>
+      <a:fillRef idx="1">
+        <a:scrgbClr r="0" g="0" b="0"/>
+      </a:fillRef>
+      <a:effectRef idx="0">
+        <a:scrgbClr r="0" g="0" b="0"/>
+      </a:effectRef>
+      <a:fontRef idx="minor"/>
+    </dgm:style>
+  </dgm:styleLbl>
+  <dgm:styleLbl name="fgAcc0">
+    <dgm:scene3d>
+      <a:camera prst="orthographicFront"/>
+      <a:lightRig rig="threePt" dir="t"/>
+    </dgm:scene3d>
+    <dgm:sp3d/>
+    <dgm:txPr/>
+    <dgm:style>
+      <a:lnRef idx="1">
+        <a:scrgbClr r="0" g="0" b="0"/>
+      </a:lnRef>
+      <a:fillRef idx="1">
+        <a:scrgbClr r="0" g="0" b="0"/>
+      </a:fillRef>
+      <a:effectRef idx="0">
+        <a:scrgbClr r="0" g="0" b="0"/>
+      </a:effectRef>
+      <a:fontRef idx="minor"/>
+    </dgm:style>
+  </dgm:styleLbl>
+  <dgm:styleLbl name="fgAcc2">
+    <dgm:scene3d>
+      <a:camera prst="orthographicFront"/>
+      <a:lightRig rig="threePt" dir="t"/>
+    </dgm:scene3d>
+    <dgm:sp3d/>
+    <dgm:txPr/>
+    <dgm:style>
+      <a:lnRef idx="1">
+        <a:scrgbClr r="0" g="0" b="0"/>
+      </a:lnRef>
+      <a:fillRef idx="1">
+        <a:scrgbClr r="0" g="0" b="0"/>
+      </a:fillRef>
+      <a:effectRef idx="0">
+        <a:scrgbClr r="0" g="0" b="0"/>
+      </a:effectRef>
+      <a:fontRef idx="minor"/>
+    </dgm:style>
+  </dgm:styleLbl>
+  <dgm:styleLbl name="fgAcc3">
+    <dgm:scene3d>
+      <a:camera prst="orthographicFront"/>
+      <a:lightRig rig="threePt" dir="t"/>
+    </dgm:scene3d>
+    <dgm:sp3d/>
+    <dgm:txPr/>
+    <dgm:style>
+      <a:lnRef idx="1">
+        <a:scrgbClr r="0" g="0" b="0"/>
+      </a:lnRef>
+      <a:fillRef idx="1">
+        <a:scrgbClr r="0" g="0" b="0"/>
+      </a:fillRef>
+      <a:effectRef idx="0">
+        <a:scrgbClr r="0" g="0" b="0"/>
+      </a:effectRef>
+      <a:fontRef idx="minor"/>
+    </dgm:style>
+  </dgm:styleLbl>
+  <dgm:styleLbl name="fgAcc4">
+    <dgm:scene3d>
+      <a:camera prst="orthographicFront"/>
+      <a:lightRig rig="threePt" dir="t"/>
+    </dgm:scene3d>
+    <dgm:sp3d/>
+    <dgm:txPr/>
+    <dgm:style>
+      <a:lnRef idx="1">
+        <a:scrgbClr r="0" g="0" b="0"/>
+      </a:lnRef>
+      <a:fillRef idx="1">
+        <a:scrgbClr r="0" g="0" b="0"/>
+      </a:fillRef>
+      <a:effectRef idx="0">
+        <a:scrgbClr r="0" g="0" b="0"/>
+      </a:effectRef>
+      <a:fontRef idx="minor"/>
+    </dgm:style>
+  </dgm:styleLbl>
+  <dgm:styleLbl name="bgShp">
+    <dgm:scene3d>
+      <a:camera prst="orthographicFront"/>
+      <a:lightRig rig="threePt" dir="t"/>
+    </dgm:scene3d>
+    <dgm:sp3d/>
+    <dgm:txPr/>
+    <dgm:style>
+      <a:lnRef idx="0">
+        <a:scrgbClr r="0" g="0" b="0"/>
+      </a:lnRef>
+      <a:fillRef idx="1">
+        <a:scrgbClr r="0" g="0" b="0"/>
+      </a:fillRef>
+      <a:effectRef idx="1">
+        <a:scrgbClr r="0" g="0" b="0"/>
+      </a:effectRef>
+      <a:fontRef idx="minor"/>
+    </dgm:style>
+  </dgm:styleLbl>
+  <dgm:styleLbl name="dkBgShp">
+    <dgm:scene3d>
+      <a:camera prst="orthographicFront"/>
+      <a:lightRig rig="threePt" dir="t"/>
+    </dgm:scene3d>
+    <dgm:sp3d/>
+    <dgm:txPr/>
+    <dgm:style>
+      <a:lnRef idx="0">
+        <a:scrgbClr r="0" g="0" b="0"/>
+      </a:lnRef>
+      <a:fillRef idx="1">
+        <a:scrgbClr r="0" g="0" b="0"/>
+      </a:fillRef>
+      <a:effectRef idx="1">
+        <a:scrgbClr r="0" g="0" b="0"/>
+      </a:effectRef>
+      <a:fontRef idx="minor"/>
+    </dgm:style>
+  </dgm:styleLbl>
+  <dgm:styleLbl name="trBgShp">
+    <dgm:scene3d>
+      <a:camera prst="orthographicFront"/>
+      <a:lightRig rig="threePt" dir="t"/>
+    </dgm:scene3d>
+    <dgm:sp3d/>
+    <dgm:txPr/>
+    <dgm:style>
+      <a:lnRef idx="0">
+        <a:scrgbClr r="0" g="0" b="0"/>
+      </a:lnRef>
+      <a:fillRef idx="1">
+        <a:scrgbClr r="0" g="0" b="0"/>
+      </a:fillRef>
+      <a:effectRef idx="0">
+        <a:scrgbClr r="0" g="0" b="0"/>
+      </a:effectRef>
+      <a:fontRef idx="minor"/>
+    </dgm:style>
+  </dgm:styleLbl>
+  <dgm:styleLbl name="fgShp">
+    <dgm:scene3d>
+      <a:camera prst="orthographicFront"/>
+      <a:lightRig rig="flat" dir="t"/>
+    </dgm:scene3d>
+    <dgm:sp3d prstMaterial="dkEdge">
+      <a:bevelT w="8200" h="38100"/>
+    </dgm:sp3d>
+    <dgm:txPr/>
+    <dgm:style>
+      <a:lnRef idx="1">
+        <a:scrgbClr r="0" g="0" b="0"/>
+      </a:lnRef>
+      <a:fillRef idx="2">
+        <a:scrgbClr r="0" g="0" b="0"/>
+      </a:fillRef>
+      <a:effectRef idx="1">
+        <a:scrgbClr r="0" g="0" b="0"/>
+      </a:effectRef>
+      <a:fontRef idx="minor"/>
+    </dgm:style>
+  </dgm:styleLbl>
+  <dgm:styleLbl name="revTx">
+    <dgm:scene3d>
+      <a:camera prst="orthographicFront"/>
+      <a:lightRig rig="threePt" dir="t"/>
+    </dgm:scene3d>
+    <dgm:sp3d/>
+    <dgm:txPr/>
+    <dgm:style>
+      <a:lnRef idx="0">
+        <a:scrgbClr r="0" g="0" b="0"/>
+      </a:lnRef>
+      <a:fillRef idx="0">
+        <a:scrgbClr r="0" g="0" b="0"/>
+      </a:fillRef>
+      <a:effectRef idx="0">
+        <a:scrgbClr r="0" g="0" b="0"/>
+      </a:effectRef>
+      <a:fontRef idx="minor"/>
+    </dgm:style>
+  </dgm:styleLbl>
+</dgm:styleDef>
+</file>
+
+<file path=ppt/diagrams/quickStyle2.xml><?xml version="1.0" encoding="utf-8"?>
 <dgm:styleDef xmlns:dgm="http://schemas.openxmlformats.org/drawingml/2006/diagram" xmlns:a="http://schemas.openxmlformats.org/drawingml/2006/main" uniqueId="urn:microsoft.com/office/officeart/2005/8/quickstyle/simple3">
   <dgm:title val=""/>
   <dgm:desc val=""/>
@@ -5008,6 +8841,510 @@
 </p:notes>
 </file>
 
+<file path=ppt/notesSlides/notesSlide10.xml><?xml version="1.0" encoding="utf-8"?>
+<p:notes xmlns:a="http://schemas.openxmlformats.org/drawingml/2006/main" xmlns:r="http://schemas.openxmlformats.org/officeDocument/2006/relationships" xmlns:p="http://schemas.openxmlformats.org/presentationml/2006/main">
+  <p:cSld>
+    <p:spTree>
+      <p:nvGrpSpPr>
+        <p:cNvPr id="1" name=""/>
+        <p:cNvGrpSpPr/>
+        <p:nvPr/>
+      </p:nvGrpSpPr>
+      <p:grpSpPr>
+        <a:xfrm>
+          <a:off x="0" y="0"/>
+          <a:ext cx="0" cy="0"/>
+          <a:chOff x="0" y="0"/>
+          <a:chExt cx="0" cy="0"/>
+        </a:xfrm>
+      </p:grpSpPr>
+      <p:sp>
+        <p:nvSpPr>
+          <p:cNvPr id="2" name="Pladsholder til slidebillede 1"/>
+          <p:cNvSpPr>
+            <a:spLocks noGrp="1" noRot="1" noChangeAspect="1"/>
+          </p:cNvSpPr>
+          <p:nvPr>
+            <p:ph type="sldImg"/>
+          </p:nvPr>
+        </p:nvSpPr>
+        <p:spPr/>
+      </p:sp>
+      <p:sp>
+        <p:nvSpPr>
+          <p:cNvPr id="3" name="Pladsholder til noter 2"/>
+          <p:cNvSpPr>
+            <a:spLocks noGrp="1"/>
+          </p:cNvSpPr>
+          <p:nvPr>
+            <p:ph type="body" idx="1"/>
+          </p:nvPr>
+        </p:nvSpPr>
+        <p:spPr/>
+        <p:txBody>
+          <a:bodyPr/>
+          <a:lstStyle/>
+          <a:p>
+            <a:endParaRPr lang="en-US"/>
+          </a:p>
+        </p:txBody>
+      </p:sp>
+      <p:sp>
+        <p:nvSpPr>
+          <p:cNvPr id="4" name="Pladsholder til dato 3"/>
+          <p:cNvSpPr>
+            <a:spLocks noGrp="1"/>
+          </p:cNvSpPr>
+          <p:nvPr>
+            <p:ph type="dt" idx="10"/>
+          </p:nvPr>
+        </p:nvSpPr>
+        <p:spPr/>
+        <p:txBody>
+          <a:bodyPr/>
+          <a:lstStyle/>
+          <a:p>
+            <a:r>
+              <a:rPr lang="de-DE"/>
+              <a:t>SFT</a:t>
+            </a:r>
+            <a:endParaRPr lang="en-US"/>
+          </a:p>
+        </p:txBody>
+      </p:sp>
+    </p:spTree>
+    <p:extLst>
+      <p:ext uri="{BB962C8B-B14F-4D97-AF65-F5344CB8AC3E}">
+        <p14:creationId xmlns:p14="http://schemas.microsoft.com/office/powerpoint/2010/main" val="1876298078"/>
+      </p:ext>
+    </p:extLst>
+  </p:cSld>
+  <p:clrMapOvr>
+    <a:masterClrMapping/>
+  </p:clrMapOvr>
+</p:notes>
+</file>
+
+<file path=ppt/notesSlides/notesSlide11.xml><?xml version="1.0" encoding="utf-8"?>
+<p:notes xmlns:a="http://schemas.openxmlformats.org/drawingml/2006/main" xmlns:r="http://schemas.openxmlformats.org/officeDocument/2006/relationships" xmlns:p="http://schemas.openxmlformats.org/presentationml/2006/main">
+  <p:cSld>
+    <p:spTree>
+      <p:nvGrpSpPr>
+        <p:cNvPr id="1" name=""/>
+        <p:cNvGrpSpPr/>
+        <p:nvPr/>
+      </p:nvGrpSpPr>
+      <p:grpSpPr>
+        <a:xfrm>
+          <a:off x="0" y="0"/>
+          <a:ext cx="0" cy="0"/>
+          <a:chOff x="0" y="0"/>
+          <a:chExt cx="0" cy="0"/>
+        </a:xfrm>
+      </p:grpSpPr>
+      <p:sp>
+        <p:nvSpPr>
+          <p:cNvPr id="2" name="Pladsholder til slidebillede 1"/>
+          <p:cNvSpPr>
+            <a:spLocks noGrp="1" noRot="1" noChangeAspect="1"/>
+          </p:cNvSpPr>
+          <p:nvPr>
+            <p:ph type="sldImg"/>
+          </p:nvPr>
+        </p:nvSpPr>
+        <p:spPr/>
+      </p:sp>
+      <p:sp>
+        <p:nvSpPr>
+          <p:cNvPr id="3" name="Pladsholder til noter 2"/>
+          <p:cNvSpPr>
+            <a:spLocks noGrp="1"/>
+          </p:cNvSpPr>
+          <p:nvPr>
+            <p:ph type="body" idx="1"/>
+          </p:nvPr>
+        </p:nvSpPr>
+        <p:spPr/>
+        <p:txBody>
+          <a:bodyPr/>
+          <a:lstStyle/>
+          <a:p>
+            <a:endParaRPr lang="en-US"/>
+          </a:p>
+        </p:txBody>
+      </p:sp>
+      <p:sp>
+        <p:nvSpPr>
+          <p:cNvPr id="4" name="Pladsholder til dato 3"/>
+          <p:cNvSpPr>
+            <a:spLocks noGrp="1"/>
+          </p:cNvSpPr>
+          <p:nvPr>
+            <p:ph type="dt" idx="10"/>
+          </p:nvPr>
+        </p:nvSpPr>
+        <p:spPr/>
+        <p:txBody>
+          <a:bodyPr/>
+          <a:lstStyle/>
+          <a:p>
+            <a:r>
+              <a:rPr lang="de-DE"/>
+              <a:t>SFT</a:t>
+            </a:r>
+            <a:endParaRPr lang="en-US"/>
+          </a:p>
+        </p:txBody>
+      </p:sp>
+    </p:spTree>
+    <p:extLst>
+      <p:ext uri="{BB962C8B-B14F-4D97-AF65-F5344CB8AC3E}">
+        <p14:creationId xmlns:p14="http://schemas.microsoft.com/office/powerpoint/2010/main" val="525655149"/>
+      </p:ext>
+    </p:extLst>
+  </p:cSld>
+  <p:clrMapOvr>
+    <a:masterClrMapping/>
+  </p:clrMapOvr>
+</p:notes>
+</file>
+
+<file path=ppt/notesSlides/notesSlide12.xml><?xml version="1.0" encoding="utf-8"?>
+<p:notes xmlns:a="http://schemas.openxmlformats.org/drawingml/2006/main" xmlns:r="http://schemas.openxmlformats.org/officeDocument/2006/relationships" xmlns:p="http://schemas.openxmlformats.org/presentationml/2006/main">
+  <p:cSld>
+    <p:spTree>
+      <p:nvGrpSpPr>
+        <p:cNvPr id="1" name=""/>
+        <p:cNvGrpSpPr/>
+        <p:nvPr/>
+      </p:nvGrpSpPr>
+      <p:grpSpPr>
+        <a:xfrm>
+          <a:off x="0" y="0"/>
+          <a:ext cx="0" cy="0"/>
+          <a:chOff x="0" y="0"/>
+          <a:chExt cx="0" cy="0"/>
+        </a:xfrm>
+      </p:grpSpPr>
+      <p:sp>
+        <p:nvSpPr>
+          <p:cNvPr id="2" name="Pladsholder til slidebillede 1"/>
+          <p:cNvSpPr>
+            <a:spLocks noGrp="1" noRot="1" noChangeAspect="1"/>
+          </p:cNvSpPr>
+          <p:nvPr>
+            <p:ph type="sldImg"/>
+          </p:nvPr>
+        </p:nvSpPr>
+        <p:spPr/>
+      </p:sp>
+      <p:sp>
+        <p:nvSpPr>
+          <p:cNvPr id="3" name="Pladsholder til noter 2"/>
+          <p:cNvSpPr>
+            <a:spLocks noGrp="1"/>
+          </p:cNvSpPr>
+          <p:nvPr>
+            <p:ph type="body" idx="1"/>
+          </p:nvPr>
+        </p:nvSpPr>
+        <p:spPr/>
+        <p:txBody>
+          <a:bodyPr/>
+          <a:lstStyle/>
+          <a:p>
+            <a:endParaRPr lang="en-US"/>
+          </a:p>
+        </p:txBody>
+      </p:sp>
+      <p:sp>
+        <p:nvSpPr>
+          <p:cNvPr id="4" name="Pladsholder til dato 3"/>
+          <p:cNvSpPr>
+            <a:spLocks noGrp="1"/>
+          </p:cNvSpPr>
+          <p:nvPr>
+            <p:ph type="dt" idx="10"/>
+          </p:nvPr>
+        </p:nvSpPr>
+        <p:spPr/>
+        <p:txBody>
+          <a:bodyPr/>
+          <a:lstStyle/>
+          <a:p>
+            <a:r>
+              <a:rPr lang="de-DE"/>
+              <a:t>SFT</a:t>
+            </a:r>
+            <a:endParaRPr lang="en-US"/>
+          </a:p>
+        </p:txBody>
+      </p:sp>
+    </p:spTree>
+    <p:extLst>
+      <p:ext uri="{BB962C8B-B14F-4D97-AF65-F5344CB8AC3E}">
+        <p14:creationId xmlns:p14="http://schemas.microsoft.com/office/powerpoint/2010/main" val="2975993520"/>
+      </p:ext>
+    </p:extLst>
+  </p:cSld>
+  <p:clrMapOvr>
+    <a:masterClrMapping/>
+  </p:clrMapOvr>
+</p:notes>
+</file>
+
+<file path=ppt/notesSlides/notesSlide13.xml><?xml version="1.0" encoding="utf-8"?>
+<p:notes xmlns:a="http://schemas.openxmlformats.org/drawingml/2006/main" xmlns:r="http://schemas.openxmlformats.org/officeDocument/2006/relationships" xmlns:p="http://schemas.openxmlformats.org/presentationml/2006/main">
+  <p:cSld>
+    <p:spTree>
+      <p:nvGrpSpPr>
+        <p:cNvPr id="1" name=""/>
+        <p:cNvGrpSpPr/>
+        <p:nvPr/>
+      </p:nvGrpSpPr>
+      <p:grpSpPr>
+        <a:xfrm>
+          <a:off x="0" y="0"/>
+          <a:ext cx="0" cy="0"/>
+          <a:chOff x="0" y="0"/>
+          <a:chExt cx="0" cy="0"/>
+        </a:xfrm>
+      </p:grpSpPr>
+      <p:sp>
+        <p:nvSpPr>
+          <p:cNvPr id="2" name="Pladsholder til slidebillede 1"/>
+          <p:cNvSpPr>
+            <a:spLocks noGrp="1" noRot="1" noChangeAspect="1"/>
+          </p:cNvSpPr>
+          <p:nvPr>
+            <p:ph type="sldImg"/>
+          </p:nvPr>
+        </p:nvSpPr>
+        <p:spPr/>
+      </p:sp>
+      <p:sp>
+        <p:nvSpPr>
+          <p:cNvPr id="3" name="Pladsholder til noter 2"/>
+          <p:cNvSpPr>
+            <a:spLocks noGrp="1"/>
+          </p:cNvSpPr>
+          <p:nvPr>
+            <p:ph type="body" idx="1"/>
+          </p:nvPr>
+        </p:nvSpPr>
+        <p:spPr/>
+        <p:txBody>
+          <a:bodyPr/>
+          <a:lstStyle/>
+          <a:p>
+            <a:endParaRPr lang="en-US"/>
+          </a:p>
+        </p:txBody>
+      </p:sp>
+      <p:sp>
+        <p:nvSpPr>
+          <p:cNvPr id="4" name="Pladsholder til dato 3"/>
+          <p:cNvSpPr>
+            <a:spLocks noGrp="1"/>
+          </p:cNvSpPr>
+          <p:nvPr>
+            <p:ph type="dt" idx="10"/>
+          </p:nvPr>
+        </p:nvSpPr>
+        <p:spPr/>
+        <p:txBody>
+          <a:bodyPr/>
+          <a:lstStyle/>
+          <a:p>
+            <a:r>
+              <a:rPr lang="de-DE"/>
+              <a:t>SFT</a:t>
+            </a:r>
+            <a:endParaRPr lang="en-US"/>
+          </a:p>
+        </p:txBody>
+      </p:sp>
+    </p:spTree>
+    <p:extLst>
+      <p:ext uri="{BB962C8B-B14F-4D97-AF65-F5344CB8AC3E}">
+        <p14:creationId xmlns:p14="http://schemas.microsoft.com/office/powerpoint/2010/main" val="1166582987"/>
+      </p:ext>
+    </p:extLst>
+  </p:cSld>
+  <p:clrMapOvr>
+    <a:masterClrMapping/>
+  </p:clrMapOvr>
+</p:notes>
+</file>
+
+<file path=ppt/notesSlides/notesSlide14.xml><?xml version="1.0" encoding="utf-8"?>
+<p:notes xmlns:a="http://schemas.openxmlformats.org/drawingml/2006/main" xmlns:r="http://schemas.openxmlformats.org/officeDocument/2006/relationships" xmlns:p="http://schemas.openxmlformats.org/presentationml/2006/main">
+  <p:cSld>
+    <p:spTree>
+      <p:nvGrpSpPr>
+        <p:cNvPr id="1" name=""/>
+        <p:cNvGrpSpPr/>
+        <p:nvPr/>
+      </p:nvGrpSpPr>
+      <p:grpSpPr>
+        <a:xfrm>
+          <a:off x="0" y="0"/>
+          <a:ext cx="0" cy="0"/>
+          <a:chOff x="0" y="0"/>
+          <a:chExt cx="0" cy="0"/>
+        </a:xfrm>
+      </p:grpSpPr>
+      <p:sp>
+        <p:nvSpPr>
+          <p:cNvPr id="2" name="Pladsholder til slidebillede 1"/>
+          <p:cNvSpPr>
+            <a:spLocks noGrp="1" noRot="1" noChangeAspect="1"/>
+          </p:cNvSpPr>
+          <p:nvPr>
+            <p:ph type="sldImg"/>
+          </p:nvPr>
+        </p:nvSpPr>
+        <p:spPr/>
+      </p:sp>
+      <p:sp>
+        <p:nvSpPr>
+          <p:cNvPr id="3" name="Pladsholder til noter 2"/>
+          <p:cNvSpPr>
+            <a:spLocks noGrp="1"/>
+          </p:cNvSpPr>
+          <p:nvPr>
+            <p:ph type="body" idx="1"/>
+          </p:nvPr>
+        </p:nvSpPr>
+        <p:spPr/>
+        <p:txBody>
+          <a:bodyPr/>
+          <a:lstStyle/>
+          <a:p>
+            <a:endParaRPr lang="en-US"/>
+          </a:p>
+        </p:txBody>
+      </p:sp>
+      <p:sp>
+        <p:nvSpPr>
+          <p:cNvPr id="4" name="Pladsholder til dato 3"/>
+          <p:cNvSpPr>
+            <a:spLocks noGrp="1"/>
+          </p:cNvSpPr>
+          <p:nvPr>
+            <p:ph type="dt" idx="10"/>
+          </p:nvPr>
+        </p:nvSpPr>
+        <p:spPr/>
+        <p:txBody>
+          <a:bodyPr/>
+          <a:lstStyle/>
+          <a:p>
+            <a:r>
+              <a:rPr lang="de-DE"/>
+              <a:t>SFT</a:t>
+            </a:r>
+            <a:endParaRPr lang="en-US"/>
+          </a:p>
+        </p:txBody>
+      </p:sp>
+    </p:spTree>
+    <p:extLst>
+      <p:ext uri="{BB962C8B-B14F-4D97-AF65-F5344CB8AC3E}">
+        <p14:creationId xmlns:p14="http://schemas.microsoft.com/office/powerpoint/2010/main" val="1347130158"/>
+      </p:ext>
+    </p:extLst>
+  </p:cSld>
+  <p:clrMapOvr>
+    <a:masterClrMapping/>
+  </p:clrMapOvr>
+</p:notes>
+</file>
+
+<file path=ppt/notesSlides/notesSlide15.xml><?xml version="1.0" encoding="utf-8"?>
+<p:notes xmlns:a="http://schemas.openxmlformats.org/drawingml/2006/main" xmlns:r="http://schemas.openxmlformats.org/officeDocument/2006/relationships" xmlns:p="http://schemas.openxmlformats.org/presentationml/2006/main">
+  <p:cSld>
+    <p:spTree>
+      <p:nvGrpSpPr>
+        <p:cNvPr id="1" name=""/>
+        <p:cNvGrpSpPr/>
+        <p:nvPr/>
+      </p:nvGrpSpPr>
+      <p:grpSpPr>
+        <a:xfrm>
+          <a:off x="0" y="0"/>
+          <a:ext cx="0" cy="0"/>
+          <a:chOff x="0" y="0"/>
+          <a:chExt cx="0" cy="0"/>
+        </a:xfrm>
+      </p:grpSpPr>
+      <p:sp>
+        <p:nvSpPr>
+          <p:cNvPr id="2" name="Pladsholder til slidebillede 1"/>
+          <p:cNvSpPr>
+            <a:spLocks noGrp="1" noRot="1" noChangeAspect="1"/>
+          </p:cNvSpPr>
+          <p:nvPr>
+            <p:ph type="sldImg"/>
+          </p:nvPr>
+        </p:nvSpPr>
+        <p:spPr/>
+      </p:sp>
+      <p:sp>
+        <p:nvSpPr>
+          <p:cNvPr id="3" name="Pladsholder til noter 2"/>
+          <p:cNvSpPr>
+            <a:spLocks noGrp="1"/>
+          </p:cNvSpPr>
+          <p:nvPr>
+            <p:ph type="body" idx="1"/>
+          </p:nvPr>
+        </p:nvSpPr>
+        <p:spPr/>
+        <p:txBody>
+          <a:bodyPr/>
+          <a:lstStyle/>
+          <a:p>
+            <a:endParaRPr lang="en-US"/>
+          </a:p>
+        </p:txBody>
+      </p:sp>
+      <p:sp>
+        <p:nvSpPr>
+          <p:cNvPr id="4" name="Pladsholder til dato 3"/>
+          <p:cNvSpPr>
+            <a:spLocks noGrp="1"/>
+          </p:cNvSpPr>
+          <p:nvPr>
+            <p:ph type="dt" idx="10"/>
+          </p:nvPr>
+        </p:nvSpPr>
+        <p:spPr/>
+        <p:txBody>
+          <a:bodyPr/>
+          <a:lstStyle/>
+          <a:p>
+            <a:r>
+              <a:rPr lang="de-DE"/>
+              <a:t>SFT</a:t>
+            </a:r>
+            <a:endParaRPr lang="en-US"/>
+          </a:p>
+        </p:txBody>
+      </p:sp>
+    </p:spTree>
+    <p:extLst>
+      <p:ext uri="{BB962C8B-B14F-4D97-AF65-F5344CB8AC3E}">
+        <p14:creationId xmlns:p14="http://schemas.microsoft.com/office/powerpoint/2010/main" val="1890136889"/>
+      </p:ext>
+    </p:extLst>
+  </p:cSld>
+  <p:clrMapOvr>
+    <a:masterClrMapping/>
+  </p:clrMapOvr>
+</p:notes>
+</file>
+
 <file path=ppt/notesSlides/notesSlide2.xml><?xml version="1.0" encoding="utf-8"?>
 <p:notes xmlns:a="http://schemas.openxmlformats.org/drawingml/2006/main" xmlns:r="http://schemas.openxmlformats.org/officeDocument/2006/relationships" xmlns:p="http://schemas.openxmlformats.org/presentationml/2006/main">
   <p:cSld>
@@ -5503,6 +9840,174 @@
     <p:extLst>
       <p:ext uri="{BB962C8B-B14F-4D97-AF65-F5344CB8AC3E}">
         <p14:creationId xmlns:p14="http://schemas.microsoft.com/office/powerpoint/2010/main" val="703193152"/>
+      </p:ext>
+    </p:extLst>
+  </p:cSld>
+  <p:clrMapOvr>
+    <a:masterClrMapping/>
+  </p:clrMapOvr>
+</p:notes>
+</file>
+
+<file path=ppt/notesSlides/notesSlide8.xml><?xml version="1.0" encoding="utf-8"?>
+<p:notes xmlns:a="http://schemas.openxmlformats.org/drawingml/2006/main" xmlns:r="http://schemas.openxmlformats.org/officeDocument/2006/relationships" xmlns:p="http://schemas.openxmlformats.org/presentationml/2006/main">
+  <p:cSld>
+    <p:spTree>
+      <p:nvGrpSpPr>
+        <p:cNvPr id="1" name=""/>
+        <p:cNvGrpSpPr/>
+        <p:nvPr/>
+      </p:nvGrpSpPr>
+      <p:grpSpPr>
+        <a:xfrm>
+          <a:off x="0" y="0"/>
+          <a:ext cx="0" cy="0"/>
+          <a:chOff x="0" y="0"/>
+          <a:chExt cx="0" cy="0"/>
+        </a:xfrm>
+      </p:grpSpPr>
+      <p:sp>
+        <p:nvSpPr>
+          <p:cNvPr id="2" name="Pladsholder til slidebillede 1"/>
+          <p:cNvSpPr>
+            <a:spLocks noGrp="1" noRot="1" noChangeAspect="1"/>
+          </p:cNvSpPr>
+          <p:nvPr>
+            <p:ph type="sldImg"/>
+          </p:nvPr>
+        </p:nvSpPr>
+        <p:spPr/>
+      </p:sp>
+      <p:sp>
+        <p:nvSpPr>
+          <p:cNvPr id="3" name="Pladsholder til noter 2"/>
+          <p:cNvSpPr>
+            <a:spLocks noGrp="1"/>
+          </p:cNvSpPr>
+          <p:nvPr>
+            <p:ph type="body" idx="1"/>
+          </p:nvPr>
+        </p:nvSpPr>
+        <p:spPr/>
+        <p:txBody>
+          <a:bodyPr/>
+          <a:lstStyle/>
+          <a:p>
+            <a:endParaRPr lang="en-US"/>
+          </a:p>
+        </p:txBody>
+      </p:sp>
+      <p:sp>
+        <p:nvSpPr>
+          <p:cNvPr id="4" name="Pladsholder til dato 3"/>
+          <p:cNvSpPr>
+            <a:spLocks noGrp="1"/>
+          </p:cNvSpPr>
+          <p:nvPr>
+            <p:ph type="dt" idx="10"/>
+          </p:nvPr>
+        </p:nvSpPr>
+        <p:spPr/>
+        <p:txBody>
+          <a:bodyPr/>
+          <a:lstStyle/>
+          <a:p>
+            <a:r>
+              <a:rPr lang="de-DE"/>
+              <a:t>SFT</a:t>
+            </a:r>
+            <a:endParaRPr lang="en-US"/>
+          </a:p>
+        </p:txBody>
+      </p:sp>
+    </p:spTree>
+    <p:extLst>
+      <p:ext uri="{BB962C8B-B14F-4D97-AF65-F5344CB8AC3E}">
+        <p14:creationId xmlns:p14="http://schemas.microsoft.com/office/powerpoint/2010/main" val="2252747300"/>
+      </p:ext>
+    </p:extLst>
+  </p:cSld>
+  <p:clrMapOvr>
+    <a:masterClrMapping/>
+  </p:clrMapOvr>
+</p:notes>
+</file>
+
+<file path=ppt/notesSlides/notesSlide9.xml><?xml version="1.0" encoding="utf-8"?>
+<p:notes xmlns:a="http://schemas.openxmlformats.org/drawingml/2006/main" xmlns:r="http://schemas.openxmlformats.org/officeDocument/2006/relationships" xmlns:p="http://schemas.openxmlformats.org/presentationml/2006/main">
+  <p:cSld>
+    <p:spTree>
+      <p:nvGrpSpPr>
+        <p:cNvPr id="1" name=""/>
+        <p:cNvGrpSpPr/>
+        <p:nvPr/>
+      </p:nvGrpSpPr>
+      <p:grpSpPr>
+        <a:xfrm>
+          <a:off x="0" y="0"/>
+          <a:ext cx="0" cy="0"/>
+          <a:chOff x="0" y="0"/>
+          <a:chExt cx="0" cy="0"/>
+        </a:xfrm>
+      </p:grpSpPr>
+      <p:sp>
+        <p:nvSpPr>
+          <p:cNvPr id="2" name="Pladsholder til slidebillede 1"/>
+          <p:cNvSpPr>
+            <a:spLocks noGrp="1" noRot="1" noChangeAspect="1"/>
+          </p:cNvSpPr>
+          <p:nvPr>
+            <p:ph type="sldImg"/>
+          </p:nvPr>
+        </p:nvSpPr>
+        <p:spPr/>
+      </p:sp>
+      <p:sp>
+        <p:nvSpPr>
+          <p:cNvPr id="3" name="Pladsholder til noter 2"/>
+          <p:cNvSpPr>
+            <a:spLocks noGrp="1"/>
+          </p:cNvSpPr>
+          <p:nvPr>
+            <p:ph type="body" idx="1"/>
+          </p:nvPr>
+        </p:nvSpPr>
+        <p:spPr/>
+        <p:txBody>
+          <a:bodyPr/>
+          <a:lstStyle/>
+          <a:p>
+            <a:endParaRPr lang="en-US"/>
+          </a:p>
+        </p:txBody>
+      </p:sp>
+      <p:sp>
+        <p:nvSpPr>
+          <p:cNvPr id="4" name="Pladsholder til dato 3"/>
+          <p:cNvSpPr>
+            <a:spLocks noGrp="1"/>
+          </p:cNvSpPr>
+          <p:nvPr>
+            <p:ph type="dt" idx="10"/>
+          </p:nvPr>
+        </p:nvSpPr>
+        <p:spPr/>
+        <p:txBody>
+          <a:bodyPr/>
+          <a:lstStyle/>
+          <a:p>
+            <a:r>
+              <a:rPr lang="de-DE"/>
+              <a:t>SFT</a:t>
+            </a:r>
+            <a:endParaRPr lang="en-US"/>
+          </a:p>
+        </p:txBody>
+      </p:sp>
+    </p:spTree>
+    <p:extLst>
+      <p:ext uri="{BB962C8B-B14F-4D97-AF65-F5344CB8AC3E}">
+        <p14:creationId xmlns:p14="http://schemas.microsoft.com/office/powerpoint/2010/main" val="782202837"/>
       </p:ext>
     </p:extLst>
   </p:cSld>
@@ -5711,7 +10216,7 @@
             <a:fld id="{241EB5C9-1307-BA42-ABA2-0BC069CD8E7F}" type="datetimeFigureOut">
               <a:rPr lang="en-US" smtClean="0"/>
               <a:pPr/>
-              <a:t>12/8/2023</a:t>
+              <a:t>12/18/2023</a:t>
             </a:fld>
             <a:endParaRPr lang="en-US"/>
           </a:p>
@@ -5860,7 +10365,7 @@
           <a:p>
             <a:fld id="{241EB5C9-1307-BA42-ABA2-0BC069CD8E7F}" type="datetimeFigureOut">
               <a:rPr lang="en-US" smtClean="0"/>
-              <a:t>12/8/2023</a:t>
+              <a:t>12/18/2023</a:t>
             </a:fld>
             <a:endParaRPr lang="en-US"/>
           </a:p>
@@ -6038,7 +10543,7 @@
           <a:p>
             <a:fld id="{241EB5C9-1307-BA42-ABA2-0BC069CD8E7F}" type="datetimeFigureOut">
               <a:rPr lang="en-US" smtClean="0"/>
-              <a:t>12/8/2023</a:t>
+              <a:t>12/18/2023</a:t>
             </a:fld>
             <a:endParaRPr lang="en-US"/>
           </a:p>
@@ -6233,7 +10738,7 @@
           <a:p>
             <a:fld id="{241EB5C9-1307-BA42-ABA2-0BC069CD8E7F}" type="datetimeFigureOut">
               <a:rPr lang="de-DE" noProof="0" smtClean="0"/>
-              <a:t>08.12.2023</a:t>
+              <a:t>18.12.2023</a:t>
             </a:fld>
             <a:endParaRPr lang="de-DE" noProof="0"/>
           </a:p>
@@ -6478,7 +10983,7 @@
           <a:p>
             <a:fld id="{241EB5C9-1307-BA42-ABA2-0BC069CD8E7F}" type="datetimeFigureOut">
               <a:rPr lang="de-DE" noProof="0" smtClean="0"/>
-              <a:t>08.12.2023</a:t>
+              <a:t>18.12.2023</a:t>
             </a:fld>
             <a:endParaRPr lang="de-DE" noProof="0"/>
           </a:p>
@@ -6913,7 +11418,7 @@
           <a:p>
             <a:fld id="{241EB5C9-1307-BA42-ABA2-0BC069CD8E7F}" type="datetimeFigureOut">
               <a:rPr lang="de-DE" noProof="0" smtClean="0"/>
-              <a:t>08.12.2023</a:t>
+              <a:t>18.12.2023</a:t>
             </a:fld>
             <a:endParaRPr lang="de-DE" noProof="0"/>
           </a:p>
@@ -7332,7 +11837,7 @@
           <a:p>
             <a:fld id="{241EB5C9-1307-BA42-ABA2-0BC069CD8E7F}" type="datetimeFigureOut">
               <a:rPr lang="de-DE" noProof="0" smtClean="0"/>
-              <a:t>08.12.2023</a:t>
+              <a:t>18.12.2023</a:t>
             </a:fld>
             <a:endParaRPr lang="de-DE" noProof="0"/>
           </a:p>
@@ -7449,7 +11954,7 @@
           <a:p>
             <a:fld id="{241EB5C9-1307-BA42-ABA2-0BC069CD8E7F}" type="datetimeFigureOut">
               <a:rPr lang="en-US" smtClean="0"/>
-              <a:t>12/8/2023</a:t>
+              <a:t>12/18/2023</a:t>
             </a:fld>
             <a:endParaRPr lang="en-US"/>
           </a:p>
@@ -7544,7 +12049,7 @@
           <a:p>
             <a:fld id="{241EB5C9-1307-BA42-ABA2-0BC069CD8E7F}" type="datetimeFigureOut">
               <a:rPr lang="en-US" smtClean="0"/>
-              <a:t>12/8/2023</a:t>
+              <a:t>12/18/2023</a:t>
             </a:fld>
             <a:endParaRPr lang="en-US"/>
           </a:p>
@@ -7819,7 +12324,7 @@
           <a:p>
             <a:fld id="{241EB5C9-1307-BA42-ABA2-0BC069CD8E7F}" type="datetimeFigureOut">
               <a:rPr lang="en-US" smtClean="0"/>
-              <a:t>12/8/2023</a:t>
+              <a:t>12/18/2023</a:t>
             </a:fld>
             <a:endParaRPr lang="en-US"/>
           </a:p>
@@ -8071,7 +12576,7 @@
           <a:p>
             <a:fld id="{241EB5C9-1307-BA42-ABA2-0BC069CD8E7F}" type="datetimeFigureOut">
               <a:rPr lang="en-US" smtClean="0"/>
-              <a:t>12/8/2023</a:t>
+              <a:t>12/18/2023</a:t>
             </a:fld>
             <a:endParaRPr lang="en-US"/>
           </a:p>
@@ -8282,7 +12787,7 @@
           <a:p>
             <a:fld id="{241EB5C9-1307-BA42-ABA2-0BC069CD8E7F}" type="datetimeFigureOut">
               <a:rPr lang="en-US" smtClean="0"/>
-              <a:t>12/8/2023</a:t>
+              <a:t>12/18/2023</a:t>
             </a:fld>
             <a:endParaRPr lang="en-US"/>
           </a:p>
@@ -8769,6 +13274,1849 @@
 </p:sld>
 </file>
 
+<file path=ppt/slides/slide10.xml><?xml version="1.0" encoding="utf-8"?>
+<p:sld xmlns:a="http://schemas.openxmlformats.org/drawingml/2006/main" xmlns:r="http://schemas.openxmlformats.org/officeDocument/2006/relationships" xmlns:p="http://schemas.openxmlformats.org/presentationml/2006/main">
+  <p:cSld>
+    <p:spTree>
+      <p:nvGrpSpPr>
+        <p:cNvPr id="1" name=""/>
+        <p:cNvGrpSpPr/>
+        <p:nvPr/>
+      </p:nvGrpSpPr>
+      <p:grpSpPr>
+        <a:xfrm>
+          <a:off x="0" y="0"/>
+          <a:ext cx="0" cy="0"/>
+          <a:chOff x="0" y="0"/>
+          <a:chExt cx="0" cy="0"/>
+        </a:xfrm>
+      </p:grpSpPr>
+      <p:sp>
+        <p:nvSpPr>
+          <p:cNvPr id="2" name="Titel 1">
+            <a:extLst>
+              <a:ext uri="{FF2B5EF4-FFF2-40B4-BE49-F238E27FC236}">
+                <a16:creationId xmlns:a16="http://schemas.microsoft.com/office/drawing/2014/main" id="{D6892E99-4C82-41CC-B820-86D0F495D7B0}"/>
+              </a:ext>
+            </a:extLst>
+          </p:cNvPr>
+          <p:cNvSpPr>
+            <a:spLocks noGrp="1"/>
+          </p:cNvSpPr>
+          <p:nvPr>
+            <p:ph type="title"/>
+          </p:nvPr>
+        </p:nvSpPr>
+        <p:spPr/>
+        <p:txBody>
+          <a:bodyPr>
+            <a:normAutofit/>
+          </a:bodyPr>
+          <a:lstStyle/>
+          <a:p>
+            <a:r>
+              <a:rPr lang="en-US" dirty="0"/>
+              <a:t>Refactoring in Prolog</a:t>
+            </a:r>
+          </a:p>
+        </p:txBody>
+      </p:sp>
+      <p:sp>
+        <p:nvSpPr>
+          <p:cNvPr id="5" name="Inhaltsplatzhalter 4">
+            <a:extLst>
+              <a:ext uri="{FF2B5EF4-FFF2-40B4-BE49-F238E27FC236}">
+                <a16:creationId xmlns:a16="http://schemas.microsoft.com/office/drawing/2014/main" id="{C5AF896E-DC51-075D-9ACD-1604B0623CA9}"/>
+              </a:ext>
+            </a:extLst>
+          </p:cNvPr>
+          <p:cNvSpPr>
+            <a:spLocks noGrp="1"/>
+          </p:cNvSpPr>
+          <p:nvPr>
+            <p:ph type="body" idx="1"/>
+          </p:nvPr>
+        </p:nvSpPr>
+        <p:spPr/>
+        <p:txBody>
+          <a:bodyPr>
+            <a:normAutofit/>
+          </a:bodyPr>
+          <a:lstStyle/>
+          <a:p>
+            <a:pPr marL="0" indent="0">
+              <a:buNone/>
+            </a:pPr>
+            <a:r>
+              <a:rPr lang="en-US" dirty="0"/>
+              <a:t>V3.9</a:t>
+            </a:r>
+          </a:p>
+          <a:p>
+            <a:pPr marL="0" indent="0">
+              <a:buNone/>
+            </a:pPr>
+            <a:r>
+              <a:rPr lang="en-US" dirty="0"/>
+              <a:t>V4.0</a:t>
+            </a:r>
+          </a:p>
+        </p:txBody>
+      </p:sp>
+    </p:spTree>
+    <p:extLst>
+      <p:ext uri="{BB962C8B-B14F-4D97-AF65-F5344CB8AC3E}">
+        <p14:creationId xmlns:p14="http://schemas.microsoft.com/office/powerpoint/2010/main" val="2808860961"/>
+      </p:ext>
+    </p:extLst>
+  </p:cSld>
+  <p:clrMapOvr>
+    <a:masterClrMapping/>
+  </p:clrMapOvr>
+</p:sld>
+</file>
+
+<file path=ppt/slides/slide11.xml><?xml version="1.0" encoding="utf-8"?>
+<p:sld xmlns:a="http://schemas.openxmlformats.org/drawingml/2006/main" xmlns:r="http://schemas.openxmlformats.org/officeDocument/2006/relationships" xmlns:p="http://schemas.openxmlformats.org/presentationml/2006/main">
+  <p:cSld>
+    <p:spTree>
+      <p:nvGrpSpPr>
+        <p:cNvPr id="1" name=""/>
+        <p:cNvGrpSpPr/>
+        <p:nvPr/>
+      </p:nvGrpSpPr>
+      <p:grpSpPr>
+        <a:xfrm>
+          <a:off x="0" y="0"/>
+          <a:ext cx="0" cy="0"/>
+          <a:chOff x="0" y="0"/>
+          <a:chExt cx="0" cy="0"/>
+        </a:xfrm>
+      </p:grpSpPr>
+      <p:sp>
+        <p:nvSpPr>
+          <p:cNvPr id="2" name="Titel 1">
+            <a:extLst>
+              <a:ext uri="{FF2B5EF4-FFF2-40B4-BE49-F238E27FC236}">
+                <a16:creationId xmlns:a16="http://schemas.microsoft.com/office/drawing/2014/main" id="{D6892E99-4C82-41CC-B820-86D0F495D7B0}"/>
+              </a:ext>
+            </a:extLst>
+          </p:cNvPr>
+          <p:cNvSpPr>
+            <a:spLocks noGrp="1"/>
+          </p:cNvSpPr>
+          <p:nvPr>
+            <p:ph type="title"/>
+          </p:nvPr>
+        </p:nvSpPr>
+        <p:spPr/>
+        <p:txBody>
+          <a:bodyPr>
+            <a:normAutofit/>
+          </a:bodyPr>
+          <a:lstStyle/>
+          <a:p>
+            <a:r>
+              <a:rPr lang="en-US" dirty="0"/>
+              <a:t>The plan</a:t>
+            </a:r>
+          </a:p>
+        </p:txBody>
+      </p:sp>
+      <p:sp>
+        <p:nvSpPr>
+          <p:cNvPr id="5" name="Inhaltsplatzhalter 4">
+            <a:extLst>
+              <a:ext uri="{FF2B5EF4-FFF2-40B4-BE49-F238E27FC236}">
+                <a16:creationId xmlns:a16="http://schemas.microsoft.com/office/drawing/2014/main" id="{C5AF896E-DC51-075D-9ACD-1604B0623CA9}"/>
+              </a:ext>
+            </a:extLst>
+          </p:cNvPr>
+          <p:cNvSpPr>
+            <a:spLocks noGrp="1"/>
+          </p:cNvSpPr>
+          <p:nvPr>
+            <p:ph sz="half" idx="1"/>
+          </p:nvPr>
+        </p:nvSpPr>
+        <p:spPr>
+          <a:xfrm>
+            <a:off x="457200" y="1398588"/>
+            <a:ext cx="3006969" cy="5459412"/>
+          </a:xfrm>
+        </p:spPr>
+        <p:txBody>
+          <a:bodyPr>
+            <a:normAutofit/>
+          </a:bodyPr>
+          <a:lstStyle/>
+          <a:p>
+            <a:pPr marL="0" indent="0">
+              <a:buNone/>
+            </a:pPr>
+            <a:r>
+              <a:rPr lang="en-US" i="1" dirty="0"/>
+              <a:t>Several steps</a:t>
+            </a:r>
+          </a:p>
+          <a:p>
+            <a:pPr marL="0" indent="0">
+              <a:buNone/>
+            </a:pPr>
+            <a:r>
+              <a:rPr lang="en-US" dirty="0"/>
+              <a:t>Either</a:t>
+            </a:r>
+          </a:p>
+          <a:p>
+            <a:r>
+              <a:rPr lang="en-US" dirty="0"/>
+              <a:t>many changes in the program</a:t>
+            </a:r>
+          </a:p>
+          <a:p>
+            <a:r>
+              <a:rPr lang="en-US" dirty="0"/>
+              <a:t>output must stay the same</a:t>
+            </a:r>
+          </a:p>
+          <a:p>
+            <a:pPr marL="1371600" lvl="3" indent="0">
+              <a:buNone/>
+            </a:pPr>
+            <a:endParaRPr lang="en-US" dirty="0"/>
+          </a:p>
+          <a:p>
+            <a:pPr marL="0" indent="0">
+              <a:buNone/>
+            </a:pPr>
+            <a:r>
+              <a:rPr lang="en-US" dirty="0"/>
+              <a:t>Alternatively</a:t>
+            </a:r>
+          </a:p>
+          <a:p>
+            <a:r>
+              <a:rPr lang="en-US" dirty="0"/>
+              <a:t>Few changes in the program (that can be inspected)</a:t>
+            </a:r>
+          </a:p>
+          <a:p>
+            <a:r>
+              <a:rPr lang="en-US" dirty="0"/>
+              <a:t>output may differ, but coverage must stay the same</a:t>
+            </a:r>
+          </a:p>
+        </p:txBody>
+      </p:sp>
+      <p:graphicFrame>
+        <p:nvGraphicFramePr>
+          <p:cNvPr id="9" name="Inhaltsplatzhalter 8">
+            <a:extLst>
+              <a:ext uri="{FF2B5EF4-FFF2-40B4-BE49-F238E27FC236}">
+                <a16:creationId xmlns:a16="http://schemas.microsoft.com/office/drawing/2014/main" id="{3A089426-D5A3-7823-BAA9-C183AA4C5316}"/>
+              </a:ext>
+            </a:extLst>
+          </p:cNvPr>
+          <p:cNvGraphicFramePr>
+            <a:graphicFrameLocks noGrp="1"/>
+          </p:cNvGraphicFramePr>
+          <p:nvPr>
+            <p:ph sz="half" idx="2"/>
+            <p:extLst>
+              <p:ext uri="{D42A27DB-BD31-4B8C-83A1-F6EECF244321}">
+                <p14:modId xmlns:p14="http://schemas.microsoft.com/office/powerpoint/2010/main" val="2548852043"/>
+              </p:ext>
+            </p:extLst>
+          </p:nvPr>
+        </p:nvGraphicFramePr>
+        <p:xfrm>
+          <a:off x="3622675" y="1398588"/>
+          <a:ext cx="5064125" cy="4727575"/>
+        </p:xfrm>
+        <a:graphic>
+          <a:graphicData uri="http://schemas.openxmlformats.org/drawingml/2006/diagram">
+            <dgm:relIds xmlns:dgm="http://schemas.openxmlformats.org/drawingml/2006/diagram" xmlns:r="http://schemas.openxmlformats.org/officeDocument/2006/relationships" r:dm="rId3" r:lo="rId4" r:qs="rId5" r:cs="rId6"/>
+          </a:graphicData>
+        </a:graphic>
+      </p:graphicFrame>
+    </p:spTree>
+    <p:extLst>
+      <p:ext uri="{BB962C8B-B14F-4D97-AF65-F5344CB8AC3E}">
+        <p14:creationId xmlns:p14="http://schemas.microsoft.com/office/powerpoint/2010/main" val="2588054471"/>
+      </p:ext>
+    </p:extLst>
+  </p:cSld>
+  <p:clrMapOvr>
+    <a:masterClrMapping/>
+  </p:clrMapOvr>
+</p:sld>
+</file>
+
+<file path=ppt/slides/slide12.xml><?xml version="1.0" encoding="utf-8"?>
+<p:sld xmlns:a="http://schemas.openxmlformats.org/drawingml/2006/main" xmlns:r="http://schemas.openxmlformats.org/officeDocument/2006/relationships" xmlns:p="http://schemas.openxmlformats.org/presentationml/2006/main">
+  <p:cSld>
+    <p:spTree>
+      <p:nvGrpSpPr>
+        <p:cNvPr id="1" name=""/>
+        <p:cNvGrpSpPr/>
+        <p:nvPr/>
+      </p:nvGrpSpPr>
+      <p:grpSpPr>
+        <a:xfrm>
+          <a:off x="0" y="0"/>
+          <a:ext cx="0" cy="0"/>
+          <a:chOff x="0" y="0"/>
+          <a:chExt cx="0" cy="0"/>
+        </a:xfrm>
+      </p:grpSpPr>
+      <p:sp>
+        <p:nvSpPr>
+          <p:cNvPr id="2" name="Titel 1">
+            <a:extLst>
+              <a:ext uri="{FF2B5EF4-FFF2-40B4-BE49-F238E27FC236}">
+                <a16:creationId xmlns:a16="http://schemas.microsoft.com/office/drawing/2014/main" id="{D6892E99-4C82-41CC-B820-86D0F495D7B0}"/>
+              </a:ext>
+            </a:extLst>
+          </p:cNvPr>
+          <p:cNvSpPr>
+            <a:spLocks noGrp="1"/>
+          </p:cNvSpPr>
+          <p:nvPr>
+            <p:ph type="title"/>
+          </p:nvPr>
+        </p:nvSpPr>
+        <p:spPr/>
+        <p:txBody>
+          <a:bodyPr>
+            <a:normAutofit/>
+          </a:bodyPr>
+          <a:lstStyle/>
+          <a:p>
+            <a:r>
+              <a:rPr lang="en-US" dirty="0"/>
+              <a:t>V3.0</a:t>
+            </a:r>
+          </a:p>
+        </p:txBody>
+      </p:sp>
+      <p:sp>
+        <p:nvSpPr>
+          <p:cNvPr id="5" name="Inhaltsplatzhalter 4">
+            <a:extLst>
+              <a:ext uri="{FF2B5EF4-FFF2-40B4-BE49-F238E27FC236}">
+                <a16:creationId xmlns:a16="http://schemas.microsoft.com/office/drawing/2014/main" id="{C5AF896E-DC51-075D-9ACD-1604B0623CA9}"/>
+              </a:ext>
+            </a:extLst>
+          </p:cNvPr>
+          <p:cNvSpPr>
+            <a:spLocks noGrp="1"/>
+          </p:cNvSpPr>
+          <p:nvPr>
+            <p:ph sz="half" idx="1"/>
+          </p:nvPr>
+        </p:nvSpPr>
+        <p:spPr>
+          <a:xfrm>
+            <a:off x="457200" y="1398588"/>
+            <a:ext cx="3006969" cy="5459412"/>
+          </a:xfrm>
+        </p:spPr>
+        <p:txBody>
+          <a:bodyPr>
+            <a:normAutofit/>
+          </a:bodyPr>
+          <a:lstStyle/>
+          <a:p>
+            <a:pPr marL="0" indent="0">
+              <a:buNone/>
+            </a:pPr>
+            <a:r>
+              <a:rPr lang="en-US" dirty="0"/>
+              <a:t>“Pure Prolog”, but slow and complicated due to many changes over the years.</a:t>
+            </a:r>
+          </a:p>
+        </p:txBody>
+      </p:sp>
+      <p:sp>
+        <p:nvSpPr>
+          <p:cNvPr id="4" name="Inhaltsplatzhalter 3">
+            <a:extLst>
+              <a:ext uri="{FF2B5EF4-FFF2-40B4-BE49-F238E27FC236}">
+                <a16:creationId xmlns:a16="http://schemas.microsoft.com/office/drawing/2014/main" id="{8D5654F8-1928-3FC8-00CA-3C34F93A1F3B}"/>
+              </a:ext>
+            </a:extLst>
+          </p:cNvPr>
+          <p:cNvSpPr>
+            <a:spLocks noGrp="1"/>
+          </p:cNvSpPr>
+          <p:nvPr>
+            <p:ph sz="half" idx="2"/>
+          </p:nvPr>
+        </p:nvSpPr>
+        <p:spPr/>
+        <p:txBody>
+          <a:bodyPr>
+            <a:normAutofit/>
+          </a:bodyPr>
+          <a:lstStyle/>
+          <a:p>
+            <a:r>
+              <a:rPr lang="en-US" dirty="0"/>
+              <a:t>Pure Prolog</a:t>
+            </a:r>
+          </a:p>
+          <a:p>
+            <a:r>
+              <a:rPr lang="en-US" b="0" dirty="0"/>
+              <a:t>parent(</a:t>
+            </a:r>
+            <a:r>
+              <a:rPr lang="en-US" b="0" dirty="0" err="1"/>
+              <a:t>fred</a:t>
+            </a:r>
+            <a:r>
+              <a:rPr lang="en-US" b="0" dirty="0"/>
+              <a:t>, </a:t>
+            </a:r>
+            <a:r>
+              <a:rPr lang="en-US" b="0" dirty="0" err="1"/>
+              <a:t>susan</a:t>
+            </a:r>
+            <a:r>
+              <a:rPr lang="en-US" b="0" dirty="0"/>
+              <a:t>).</a:t>
+            </a:r>
+            <a:br>
+              <a:rPr lang="en-US" b="0" dirty="0"/>
+            </a:br>
+            <a:r>
+              <a:rPr lang="en-US" b="0" dirty="0"/>
+              <a:t>parent(</a:t>
+            </a:r>
+            <a:r>
+              <a:rPr lang="en-US" b="0" dirty="0" err="1"/>
+              <a:t>susan</a:t>
+            </a:r>
+            <a:r>
+              <a:rPr lang="en-US" b="0" dirty="0"/>
+              <a:t>, wolf).</a:t>
+            </a:r>
+          </a:p>
+          <a:p>
+            <a:r>
+              <a:rPr lang="en-US" b="0" dirty="0"/>
+              <a:t>ancestor(A, X) :-</a:t>
+            </a:r>
+            <a:br>
+              <a:rPr lang="en-US" b="0" dirty="0"/>
+            </a:br>
+            <a:r>
+              <a:rPr lang="en-US" b="0" dirty="0"/>
+              <a:t>    parent(A, X).</a:t>
+            </a:r>
+          </a:p>
+          <a:p>
+            <a:r>
+              <a:rPr lang="en-US" b="0" dirty="0"/>
+              <a:t>ancestor(A, Y) :-</a:t>
+            </a:r>
+            <a:br>
+              <a:rPr lang="en-US" b="0" dirty="0"/>
+            </a:br>
+            <a:r>
+              <a:rPr lang="en-US" b="0" dirty="0"/>
+              <a:t>    parent(A, X),</a:t>
+            </a:r>
+            <a:br>
+              <a:rPr lang="en-US" b="0" dirty="0"/>
+            </a:br>
+            <a:r>
+              <a:rPr lang="en-US" b="0" dirty="0"/>
+              <a:t>    ancestor(X, Y).</a:t>
+            </a:r>
+          </a:p>
+          <a:p>
+            <a:endParaRPr lang="en-US" b="0" dirty="0"/>
+          </a:p>
+          <a:p>
+            <a:r>
+              <a:rPr lang="en-US" dirty="0"/>
+              <a:t>Query</a:t>
+            </a:r>
+          </a:p>
+          <a:p>
+            <a:r>
+              <a:rPr lang="en-US" b="0" dirty="0"/>
+              <a:t>Purely relational, no real input or output arguments, query yields all possible solutions.</a:t>
+            </a:r>
+          </a:p>
+          <a:p>
+            <a:endParaRPr lang="en-US" dirty="0"/>
+          </a:p>
+          <a:p>
+            <a:r>
+              <a:rPr lang="en-US" b="0" dirty="0"/>
+              <a:t>?- ancestor(A, wolf).</a:t>
+            </a:r>
+            <a:br>
+              <a:rPr lang="en-US" b="0" dirty="0"/>
+            </a:br>
+            <a:r>
+              <a:rPr lang="en-US" b="0" dirty="0"/>
+              <a:t>A = </a:t>
+            </a:r>
+            <a:r>
+              <a:rPr lang="en-US" b="0" dirty="0" err="1"/>
+              <a:t>susan</a:t>
+            </a:r>
+            <a:r>
+              <a:rPr lang="en-US" b="0" dirty="0"/>
+              <a:t> ;</a:t>
+            </a:r>
+            <a:br>
+              <a:rPr lang="en-US" b="0" dirty="0"/>
+            </a:br>
+            <a:r>
+              <a:rPr lang="en-US" b="0" dirty="0"/>
+              <a:t>A = </a:t>
+            </a:r>
+            <a:r>
+              <a:rPr lang="en-US" b="0" dirty="0" err="1"/>
+              <a:t>fred</a:t>
+            </a:r>
+            <a:endParaRPr lang="en-US" b="0" dirty="0"/>
+          </a:p>
+        </p:txBody>
+      </p:sp>
+    </p:spTree>
+    <p:extLst>
+      <p:ext uri="{BB962C8B-B14F-4D97-AF65-F5344CB8AC3E}">
+        <p14:creationId xmlns:p14="http://schemas.microsoft.com/office/powerpoint/2010/main" val="776600397"/>
+      </p:ext>
+    </p:extLst>
+  </p:cSld>
+  <p:clrMapOvr>
+    <a:masterClrMapping/>
+  </p:clrMapOvr>
+</p:sld>
+</file>
+
+<file path=ppt/slides/slide13.xml><?xml version="1.0" encoding="utf-8"?>
+<p:sld xmlns:a="http://schemas.openxmlformats.org/drawingml/2006/main" xmlns:r="http://schemas.openxmlformats.org/officeDocument/2006/relationships" xmlns:p="http://schemas.openxmlformats.org/presentationml/2006/main">
+  <p:cSld>
+    <p:spTree>
+      <p:nvGrpSpPr>
+        <p:cNvPr id="1" name=""/>
+        <p:cNvGrpSpPr/>
+        <p:nvPr/>
+      </p:nvGrpSpPr>
+      <p:grpSpPr>
+        <a:xfrm>
+          <a:off x="0" y="0"/>
+          <a:ext cx="0" cy="0"/>
+          <a:chOff x="0" y="0"/>
+          <a:chExt cx="0" cy="0"/>
+        </a:xfrm>
+      </p:grpSpPr>
+      <p:sp>
+        <p:nvSpPr>
+          <p:cNvPr id="2" name="Titel 1">
+            <a:extLst>
+              <a:ext uri="{FF2B5EF4-FFF2-40B4-BE49-F238E27FC236}">
+                <a16:creationId xmlns:a16="http://schemas.microsoft.com/office/drawing/2014/main" id="{D6892E99-4C82-41CC-B820-86D0F495D7B0}"/>
+              </a:ext>
+            </a:extLst>
+          </p:cNvPr>
+          <p:cNvSpPr>
+            <a:spLocks noGrp="1"/>
+          </p:cNvSpPr>
+          <p:nvPr>
+            <p:ph type="title"/>
+          </p:nvPr>
+        </p:nvSpPr>
+        <p:spPr/>
+        <p:txBody>
+          <a:bodyPr>
+            <a:normAutofit/>
+          </a:bodyPr>
+          <a:lstStyle/>
+          <a:p>
+            <a:r>
+              <a:rPr lang="en-US" dirty="0"/>
+              <a:t>V3.9</a:t>
+            </a:r>
+          </a:p>
+        </p:txBody>
+      </p:sp>
+      <p:sp>
+        <p:nvSpPr>
+          <p:cNvPr id="5" name="Inhaltsplatzhalter 4">
+            <a:extLst>
+              <a:ext uri="{FF2B5EF4-FFF2-40B4-BE49-F238E27FC236}">
+                <a16:creationId xmlns:a16="http://schemas.microsoft.com/office/drawing/2014/main" id="{C5AF896E-DC51-075D-9ACD-1604B0623CA9}"/>
+              </a:ext>
+            </a:extLst>
+          </p:cNvPr>
+          <p:cNvSpPr>
+            <a:spLocks noGrp="1"/>
+          </p:cNvSpPr>
+          <p:nvPr>
+            <p:ph sz="half" idx="1"/>
+          </p:nvPr>
+        </p:nvSpPr>
+        <p:spPr>
+          <a:xfrm>
+            <a:off x="457200" y="1398588"/>
+            <a:ext cx="3006969" cy="5459412"/>
+          </a:xfrm>
+        </p:spPr>
+        <p:txBody>
+          <a:bodyPr>
+            <a:normAutofit/>
+          </a:bodyPr>
+          <a:lstStyle/>
+          <a:p>
+            <a:pPr marL="0" indent="0">
+              <a:buNone/>
+            </a:pPr>
+            <a:r>
+              <a:rPr lang="en-US" dirty="0"/>
+              <a:t>Reimplement the Prolog program, simplify things, use “procedural Prolog” instead of “pure Prolog”.</a:t>
+            </a:r>
+          </a:p>
+        </p:txBody>
+      </p:sp>
+      <p:sp>
+        <p:nvSpPr>
+          <p:cNvPr id="4" name="Inhaltsplatzhalter 3">
+            <a:extLst>
+              <a:ext uri="{FF2B5EF4-FFF2-40B4-BE49-F238E27FC236}">
+                <a16:creationId xmlns:a16="http://schemas.microsoft.com/office/drawing/2014/main" id="{8D5654F8-1928-3FC8-00CA-3C34F93A1F3B}"/>
+              </a:ext>
+            </a:extLst>
+          </p:cNvPr>
+          <p:cNvSpPr>
+            <a:spLocks noGrp="1"/>
+          </p:cNvSpPr>
+          <p:nvPr>
+            <p:ph sz="half" idx="2"/>
+          </p:nvPr>
+        </p:nvSpPr>
+        <p:spPr/>
+        <p:txBody>
+          <a:bodyPr>
+            <a:normAutofit/>
+          </a:bodyPr>
+          <a:lstStyle/>
+          <a:p>
+            <a:r>
+              <a:rPr lang="en-US" dirty="0"/>
+              <a:t>Procedural Prolog</a:t>
+            </a:r>
+          </a:p>
+          <a:p>
+            <a:r>
+              <a:rPr lang="en-US" b="0" dirty="0"/>
+              <a:t>fib(0, X) :-</a:t>
+            </a:r>
+            <a:br>
+              <a:rPr lang="en-US" b="0" dirty="0"/>
+            </a:br>
+            <a:r>
+              <a:rPr lang="en-US" b="0" dirty="0"/>
+              <a:t>    !, X is 1.</a:t>
+            </a:r>
+          </a:p>
+          <a:p>
+            <a:r>
+              <a:rPr lang="en-US" b="0" dirty="0"/>
+              <a:t>fib(1, X) :-</a:t>
+            </a:r>
+            <a:br>
+              <a:rPr lang="en-US" b="0" dirty="0"/>
+            </a:br>
+            <a:r>
+              <a:rPr lang="en-US" b="0" dirty="0"/>
+              <a:t>    !, X is 1.</a:t>
+            </a:r>
+          </a:p>
+          <a:p>
+            <a:r>
+              <a:rPr lang="en-US" b="0" dirty="0"/>
+              <a:t>fib(A, X) :-</a:t>
+            </a:r>
+            <a:br>
+              <a:rPr lang="en-US" b="0" dirty="0"/>
+            </a:br>
+            <a:r>
+              <a:rPr lang="en-US" b="0" dirty="0"/>
+              <a:t>    A1 is A – 1, fib(A1, F1),</a:t>
+            </a:r>
+            <a:br>
+              <a:rPr lang="en-US" b="0" dirty="0"/>
+            </a:br>
+            <a:r>
+              <a:rPr lang="en-US" b="0" dirty="0"/>
+              <a:t>    A2 is A – 2, fib(A2, F2),</a:t>
+            </a:r>
+            <a:br>
+              <a:rPr lang="en-US" b="0" dirty="0"/>
+            </a:br>
+            <a:r>
+              <a:rPr lang="en-US" b="0" dirty="0"/>
+              <a:t>    X is F1 + F2.</a:t>
+            </a:r>
+          </a:p>
+          <a:p>
+            <a:endParaRPr lang="en-US" b="0" dirty="0"/>
+          </a:p>
+          <a:p>
+            <a:r>
+              <a:rPr lang="en-US" dirty="0"/>
+              <a:t>Query</a:t>
+            </a:r>
+          </a:p>
+          <a:p>
+            <a:r>
+              <a:rPr lang="en-US" b="0" dirty="0"/>
+              <a:t>Input left, output right. Special cases: check condition with “guards”, then cut (!) and commit to the unification of output arguments. The default case is handled in the end.</a:t>
+            </a:r>
+          </a:p>
+          <a:p>
+            <a:endParaRPr lang="en-US" dirty="0"/>
+          </a:p>
+          <a:p>
+            <a:r>
+              <a:rPr lang="en-US" b="0" dirty="0"/>
+              <a:t>?- fib(5, X).</a:t>
+            </a:r>
+            <a:br>
+              <a:rPr lang="en-US" b="0" dirty="0"/>
+            </a:br>
+            <a:r>
+              <a:rPr lang="en-US" b="0" dirty="0"/>
+              <a:t>X = 10</a:t>
+            </a:r>
+          </a:p>
+        </p:txBody>
+      </p:sp>
+    </p:spTree>
+    <p:extLst>
+      <p:ext uri="{BB962C8B-B14F-4D97-AF65-F5344CB8AC3E}">
+        <p14:creationId xmlns:p14="http://schemas.microsoft.com/office/powerpoint/2010/main" val="3712982450"/>
+      </p:ext>
+    </p:extLst>
+  </p:cSld>
+  <p:clrMapOvr>
+    <a:masterClrMapping/>
+  </p:clrMapOvr>
+</p:sld>
+</file>
+
+<file path=ppt/slides/slide14.xml><?xml version="1.0" encoding="utf-8"?>
+<p:sld xmlns:a="http://schemas.openxmlformats.org/drawingml/2006/main" xmlns:r="http://schemas.openxmlformats.org/officeDocument/2006/relationships" xmlns:p="http://schemas.openxmlformats.org/presentationml/2006/main">
+  <p:cSld>
+    <p:spTree>
+      <p:nvGrpSpPr>
+        <p:cNvPr id="1" name=""/>
+        <p:cNvGrpSpPr/>
+        <p:nvPr/>
+      </p:nvGrpSpPr>
+      <p:grpSpPr>
+        <a:xfrm>
+          <a:off x="0" y="0"/>
+          <a:ext cx="0" cy="0"/>
+          <a:chOff x="0" y="0"/>
+          <a:chExt cx="0" cy="0"/>
+        </a:xfrm>
+      </p:grpSpPr>
+      <p:sp>
+        <p:nvSpPr>
+          <p:cNvPr id="2" name="Titel 1">
+            <a:extLst>
+              <a:ext uri="{FF2B5EF4-FFF2-40B4-BE49-F238E27FC236}">
+                <a16:creationId xmlns:a16="http://schemas.microsoft.com/office/drawing/2014/main" id="{D6892E99-4C82-41CC-B820-86D0F495D7B0}"/>
+              </a:ext>
+            </a:extLst>
+          </p:cNvPr>
+          <p:cNvSpPr>
+            <a:spLocks noGrp="1"/>
+          </p:cNvSpPr>
+          <p:nvPr>
+            <p:ph type="title"/>
+          </p:nvPr>
+        </p:nvSpPr>
+        <p:spPr/>
+        <p:txBody>
+          <a:bodyPr>
+            <a:normAutofit/>
+          </a:bodyPr>
+          <a:lstStyle/>
+          <a:p>
+            <a:r>
+              <a:rPr lang="en-US" dirty="0"/>
+              <a:t>Validation</a:t>
+            </a:r>
+          </a:p>
+        </p:txBody>
+      </p:sp>
+      <p:sp>
+        <p:nvSpPr>
+          <p:cNvPr id="5" name="Inhaltsplatzhalter 4">
+            <a:extLst>
+              <a:ext uri="{FF2B5EF4-FFF2-40B4-BE49-F238E27FC236}">
+                <a16:creationId xmlns:a16="http://schemas.microsoft.com/office/drawing/2014/main" id="{C5AF896E-DC51-075D-9ACD-1604B0623CA9}"/>
+              </a:ext>
+            </a:extLst>
+          </p:cNvPr>
+          <p:cNvSpPr>
+            <a:spLocks noGrp="1"/>
+          </p:cNvSpPr>
+          <p:nvPr>
+            <p:ph sz="half" idx="1"/>
+          </p:nvPr>
+        </p:nvSpPr>
+        <p:spPr>
+          <a:xfrm>
+            <a:off x="457200" y="1398588"/>
+            <a:ext cx="3006969" cy="5459412"/>
+          </a:xfrm>
+        </p:spPr>
+        <p:txBody>
+          <a:bodyPr>
+            <a:normAutofit lnSpcReduction="10000"/>
+          </a:bodyPr>
+          <a:lstStyle/>
+          <a:p>
+            <a:pPr marL="0" indent="0">
+              <a:buNone/>
+            </a:pPr>
+            <a:r>
+              <a:rPr lang="en-US" dirty="0"/>
+              <a:t>V3.9 should produce </a:t>
+            </a:r>
+            <a:r>
+              <a:rPr lang="en-US" b="1" i="1" dirty="0"/>
+              <a:t>exactly the same output </a:t>
+            </a:r>
+            <a:r>
+              <a:rPr lang="en-US" dirty="0"/>
+              <a:t>as V3.0.</a:t>
+            </a:r>
+          </a:p>
+          <a:p>
+            <a:pPr marL="1828800" lvl="4" indent="0">
+              <a:buNone/>
+            </a:pPr>
+            <a:endParaRPr lang="en-US" dirty="0"/>
+          </a:p>
+          <a:p>
+            <a:pPr marL="0" indent="0">
+              <a:buNone/>
+            </a:pPr>
+            <a:r>
+              <a:rPr lang="en-US" dirty="0"/>
+              <a:t>Here, it is validated with the SHA1 checksum for the output files of each country.</a:t>
+            </a:r>
+          </a:p>
+        </p:txBody>
+      </p:sp>
+      <p:sp>
+        <p:nvSpPr>
+          <p:cNvPr id="4" name="Inhaltsplatzhalter 3">
+            <a:extLst>
+              <a:ext uri="{FF2B5EF4-FFF2-40B4-BE49-F238E27FC236}">
+                <a16:creationId xmlns:a16="http://schemas.microsoft.com/office/drawing/2014/main" id="{8D5654F8-1928-3FC8-00CA-3C34F93A1F3B}"/>
+              </a:ext>
+            </a:extLst>
+          </p:cNvPr>
+          <p:cNvSpPr>
+            <a:spLocks noGrp="1"/>
+          </p:cNvSpPr>
+          <p:nvPr>
+            <p:ph sz="half" idx="2"/>
+          </p:nvPr>
+        </p:nvSpPr>
+        <p:spPr>
+          <a:xfrm>
+            <a:off x="3622431" y="274639"/>
+            <a:ext cx="5064369" cy="3154362"/>
+          </a:xfrm>
+        </p:spPr>
+        <p:txBody>
+          <a:bodyPr>
+            <a:normAutofit lnSpcReduction="10000"/>
+          </a:bodyPr>
+          <a:lstStyle/>
+          <a:p>
+            <a:r>
+              <a:rPr lang="en-US" dirty="0"/>
+              <a:t>estimate.bat</a:t>
+            </a:r>
+          </a:p>
+          <a:p>
+            <a:r>
+              <a:rPr lang="en-US" b="0" dirty="0"/>
+              <a:t>call xsb64 --</a:t>
+            </a:r>
+            <a:r>
+              <a:rPr lang="en-US" b="0" dirty="0" err="1"/>
+              <a:t>quietload</a:t>
+            </a:r>
+            <a:r>
+              <a:rPr lang="en-US" b="0" dirty="0"/>
+              <a:t> --</a:t>
+            </a:r>
+            <a:r>
+              <a:rPr lang="en-US" b="0" dirty="0" err="1"/>
+              <a:t>nobanner</a:t>
+            </a:r>
+            <a:r>
+              <a:rPr lang="en-US" b="0" dirty="0"/>
+              <a:t> --</a:t>
+            </a:r>
+            <a:r>
+              <a:rPr lang="en-US" b="0" dirty="0" err="1"/>
+              <a:t>noprompt</a:t>
+            </a:r>
+            <a:r>
+              <a:rPr lang="en-US" b="0" dirty="0"/>
+              <a:t> -e "consult('</a:t>
+            </a:r>
+            <a:r>
+              <a:rPr lang="en-US" b="0" dirty="0" err="1"/>
+              <a:t>xsb</a:t>
+            </a:r>
+            <a:r>
+              <a:rPr lang="en-US" b="0" dirty="0"/>
+              <a:t>/wuenic_ver_3.pl'), consult('</a:t>
+            </a:r>
+            <a:r>
+              <a:rPr lang="en-US" b="0" dirty="0" err="1"/>
+              <a:t>xsb</a:t>
+            </a:r>
+            <a:r>
+              <a:rPr lang="en-US" b="0" dirty="0"/>
+              <a:t>/%1'), estimate, halt." 2&gt;warn30.txt</a:t>
+            </a:r>
+          </a:p>
+          <a:p>
+            <a:r>
+              <a:rPr lang="en-US" b="0" dirty="0"/>
+              <a:t>call xsb64 --</a:t>
+            </a:r>
+            <a:r>
+              <a:rPr lang="en-US" b="0" dirty="0" err="1"/>
+              <a:t>quietload</a:t>
+            </a:r>
+            <a:r>
+              <a:rPr lang="en-US" b="0" dirty="0"/>
+              <a:t> --</a:t>
+            </a:r>
+            <a:r>
+              <a:rPr lang="en-US" b="0" dirty="0" err="1"/>
+              <a:t>nobanner</a:t>
+            </a:r>
+            <a:r>
+              <a:rPr lang="en-US" b="0" dirty="0"/>
+              <a:t> --</a:t>
+            </a:r>
+            <a:r>
+              <a:rPr lang="en-US" b="0" dirty="0" err="1"/>
+              <a:t>noprompt</a:t>
+            </a:r>
+            <a:r>
+              <a:rPr lang="en-US" b="0" dirty="0"/>
+              <a:t> -e "consult('</a:t>
+            </a:r>
+            <a:r>
+              <a:rPr lang="en-US" b="0" dirty="0" err="1"/>
+              <a:t>xsb</a:t>
+            </a:r>
+            <a:r>
+              <a:rPr lang="en-US" b="0" dirty="0"/>
+              <a:t>/wuenic_ver_3_9.P'), consult('</a:t>
+            </a:r>
+            <a:r>
+              <a:rPr lang="en-US" b="0" dirty="0" err="1"/>
+              <a:t>xsb</a:t>
+            </a:r>
+            <a:r>
+              <a:rPr lang="en-US" b="0" dirty="0"/>
+              <a:t>/%1'), estimate, halt." 2&gt;warn39.txt</a:t>
+            </a:r>
+          </a:p>
+          <a:p>
+            <a:r>
+              <a:rPr lang="en-US" b="0" dirty="0"/>
+              <a:t>…</a:t>
+            </a:r>
+          </a:p>
+          <a:p>
+            <a:r>
+              <a:rPr lang="en-US" b="0" dirty="0" err="1"/>
+              <a:t>swipl</a:t>
+            </a:r>
+            <a:r>
+              <a:rPr lang="en-US" b="0" dirty="0"/>
+              <a:t> -g "(file_sha1('out/%1.v30.txt', V30), </a:t>
+            </a:r>
+            <a:br>
+              <a:rPr lang="en-US" b="0" dirty="0"/>
+            </a:br>
+            <a:r>
+              <a:rPr lang="en-US" b="0" dirty="0"/>
+              <a:t>    file_sha1('out/%1.v39.txt', V39),</a:t>
+            </a:r>
+            <a:br>
+              <a:rPr lang="en-US" b="0" dirty="0"/>
+            </a:br>
+            <a:r>
+              <a:rPr lang="en-US" b="0" dirty="0"/>
+              <a:t>    </a:t>
+            </a:r>
+            <a:r>
+              <a:rPr lang="en-US" b="0" dirty="0" err="1"/>
+              <a:t>writeln</a:t>
+            </a:r>
+            <a:r>
+              <a:rPr lang="en-US" b="0" dirty="0"/>
+              <a:t>(V30-v30),</a:t>
+            </a:r>
+            <a:br>
+              <a:rPr lang="en-US" b="0" dirty="0"/>
+            </a:br>
+            <a:r>
+              <a:rPr lang="en-US" b="0" dirty="0"/>
+              <a:t>    </a:t>
+            </a:r>
+            <a:r>
+              <a:rPr lang="en-US" b="0" dirty="0" err="1"/>
+              <a:t>writeln</a:t>
+            </a:r>
+            <a:r>
+              <a:rPr lang="en-US" b="0" dirty="0"/>
+              <a:t>(V39-v39))" -g halt</a:t>
+            </a:r>
+          </a:p>
+          <a:p>
+            <a:endParaRPr lang="en-US" b="0" dirty="0"/>
+          </a:p>
+        </p:txBody>
+      </p:sp>
+      <p:pic>
+        <p:nvPicPr>
+          <p:cNvPr id="6" name="Grafik 5">
+            <a:extLst>
+              <a:ext uri="{FF2B5EF4-FFF2-40B4-BE49-F238E27FC236}">
+                <a16:creationId xmlns:a16="http://schemas.microsoft.com/office/drawing/2014/main" id="{DE1C376B-4F5B-E58D-5FB5-B36CF9E86F19}"/>
+              </a:ext>
+            </a:extLst>
+          </p:cNvPr>
+          <p:cNvPicPr>
+            <a:picLocks noChangeAspect="1"/>
+          </p:cNvPicPr>
+          <p:nvPr/>
+        </p:nvPicPr>
+        <p:blipFill>
+          <a:blip r:embed="rId3"/>
+          <a:stretch>
+            <a:fillRect/>
+          </a:stretch>
+        </p:blipFill>
+        <p:spPr>
+          <a:xfrm>
+            <a:off x="2299864" y="3761118"/>
+            <a:ext cx="4867760" cy="2725946"/>
+          </a:xfrm>
+          <a:prstGeom prst="rect">
+            <a:avLst/>
+          </a:prstGeom>
+          <a:ln>
+            <a:noFill/>
+          </a:ln>
+          <a:effectLst>
+            <a:outerShdw blurRad="292100" dist="139700" dir="2700000" algn="tl" rotWithShape="0">
+              <a:srgbClr val="333333">
+                <a:alpha val="65000"/>
+              </a:srgbClr>
+            </a:outerShdw>
+          </a:effectLst>
+        </p:spPr>
+      </p:pic>
+      <p:cxnSp>
+        <p:nvCxnSpPr>
+          <p:cNvPr id="7" name="Gerade Verbindung mit Pfeil 6">
+            <a:extLst>
+              <a:ext uri="{FF2B5EF4-FFF2-40B4-BE49-F238E27FC236}">
+                <a16:creationId xmlns:a16="http://schemas.microsoft.com/office/drawing/2014/main" id="{26B83E94-82AC-5A69-5469-1D57D0ADB59F}"/>
+              </a:ext>
+            </a:extLst>
+          </p:cNvPr>
+          <p:cNvCxnSpPr/>
+          <p:nvPr/>
+        </p:nvCxnSpPr>
+        <p:spPr>
+          <a:xfrm flipH="1" flipV="1">
+            <a:off x="5598544" y="5401544"/>
+            <a:ext cx="335767" cy="110735"/>
+          </a:xfrm>
+          <a:prstGeom prst="straightConnector1">
+            <a:avLst/>
+          </a:prstGeom>
+          <a:ln>
+            <a:tailEnd type="triangle"/>
+          </a:ln>
+        </p:spPr>
+        <p:style>
+          <a:lnRef idx="3">
+            <a:schemeClr val="accent2"/>
+          </a:lnRef>
+          <a:fillRef idx="0">
+            <a:schemeClr val="accent2"/>
+          </a:fillRef>
+          <a:effectRef idx="2">
+            <a:schemeClr val="accent2"/>
+          </a:effectRef>
+          <a:fontRef idx="minor">
+            <a:schemeClr val="tx1"/>
+          </a:fontRef>
+        </p:style>
+      </p:cxnSp>
+    </p:spTree>
+    <p:extLst>
+      <p:ext uri="{BB962C8B-B14F-4D97-AF65-F5344CB8AC3E}">
+        <p14:creationId xmlns:p14="http://schemas.microsoft.com/office/powerpoint/2010/main" val="3822358407"/>
+      </p:ext>
+    </p:extLst>
+  </p:cSld>
+  <p:clrMapOvr>
+    <a:masterClrMapping/>
+  </p:clrMapOvr>
+</p:sld>
+</file>
+
+<file path=ppt/slides/slide15.xml><?xml version="1.0" encoding="utf-8"?>
+<p:sld xmlns:a="http://schemas.openxmlformats.org/drawingml/2006/main" xmlns:r="http://schemas.openxmlformats.org/officeDocument/2006/relationships" xmlns:p="http://schemas.openxmlformats.org/presentationml/2006/main">
+  <p:cSld>
+    <p:spTree>
+      <p:nvGrpSpPr>
+        <p:cNvPr id="1" name=""/>
+        <p:cNvGrpSpPr/>
+        <p:nvPr/>
+      </p:nvGrpSpPr>
+      <p:grpSpPr>
+        <a:xfrm>
+          <a:off x="0" y="0"/>
+          <a:ext cx="0" cy="0"/>
+          <a:chOff x="0" y="0"/>
+          <a:chExt cx="0" cy="0"/>
+        </a:xfrm>
+      </p:grpSpPr>
+      <p:sp>
+        <p:nvSpPr>
+          <p:cNvPr id="2" name="Titel 1">
+            <a:extLst>
+              <a:ext uri="{FF2B5EF4-FFF2-40B4-BE49-F238E27FC236}">
+                <a16:creationId xmlns:a16="http://schemas.microsoft.com/office/drawing/2014/main" id="{D6892E99-4C82-41CC-B820-86D0F495D7B0}"/>
+              </a:ext>
+            </a:extLst>
+          </p:cNvPr>
+          <p:cNvSpPr>
+            <a:spLocks noGrp="1"/>
+          </p:cNvSpPr>
+          <p:nvPr>
+            <p:ph type="title"/>
+          </p:nvPr>
+        </p:nvSpPr>
+        <p:spPr/>
+        <p:txBody>
+          <a:bodyPr>
+            <a:normAutofit/>
+          </a:bodyPr>
+          <a:lstStyle/>
+          <a:p>
+            <a:r>
+              <a:rPr lang="en-US" dirty="0"/>
+              <a:t>V4.0</a:t>
+            </a:r>
+          </a:p>
+        </p:txBody>
+      </p:sp>
+      <p:sp>
+        <p:nvSpPr>
+          <p:cNvPr id="5" name="Inhaltsplatzhalter 4">
+            <a:extLst>
+              <a:ext uri="{FF2B5EF4-FFF2-40B4-BE49-F238E27FC236}">
+                <a16:creationId xmlns:a16="http://schemas.microsoft.com/office/drawing/2014/main" id="{C5AF896E-DC51-075D-9ACD-1604B0623CA9}"/>
+              </a:ext>
+            </a:extLst>
+          </p:cNvPr>
+          <p:cNvSpPr>
+            <a:spLocks noGrp="1"/>
+          </p:cNvSpPr>
+          <p:nvPr>
+            <p:ph sz="half" idx="1"/>
+          </p:nvPr>
+        </p:nvSpPr>
+        <p:spPr>
+          <a:xfrm>
+            <a:off x="457200" y="1398588"/>
+            <a:ext cx="3006969" cy="5459412"/>
+          </a:xfrm>
+        </p:spPr>
+        <p:txBody>
+          <a:bodyPr>
+            <a:normAutofit/>
+          </a:bodyPr>
+          <a:lstStyle/>
+          <a:p>
+            <a:pPr marL="0" indent="0">
+              <a:buNone/>
+            </a:pPr>
+            <a:r>
+              <a:rPr lang="en-US" dirty="0"/>
+              <a:t>Several cleanups </a:t>
+            </a:r>
+            <a:r>
+              <a:rPr lang="en-US" dirty="0" err="1"/>
+              <a:t>w.r.t.</a:t>
+            </a:r>
+            <a:r>
+              <a:rPr lang="en-US" dirty="0"/>
+              <a:t> V3.9, for example:</a:t>
+            </a:r>
+          </a:p>
+          <a:p>
+            <a:r>
+              <a:rPr lang="en-US" dirty="0"/>
+              <a:t>Fix inconsistent output</a:t>
+            </a:r>
+          </a:p>
+          <a:p>
+            <a:r>
+              <a:rPr lang="en-US" dirty="0"/>
+              <a:t>Simplify comments</a:t>
+            </a:r>
+          </a:p>
+          <a:p>
+            <a:r>
+              <a:rPr lang="en-US" dirty="0"/>
+              <a:t>Suppress some comments (e.g., survey-specific comments for surveys that were excluded anyway)</a:t>
+            </a:r>
+          </a:p>
+          <a:p>
+            <a:r>
+              <a:rPr lang="en-US" dirty="0"/>
+              <a:t>Group comments that belong together</a:t>
+            </a:r>
+          </a:p>
+        </p:txBody>
+      </p:sp>
+      <p:pic>
+        <p:nvPicPr>
+          <p:cNvPr id="15" name="Inhaltsplatzhalter 14">
+            <a:extLst>
+              <a:ext uri="{FF2B5EF4-FFF2-40B4-BE49-F238E27FC236}">
+                <a16:creationId xmlns:a16="http://schemas.microsoft.com/office/drawing/2014/main" id="{B9B848ED-0E3A-46D8-C4EB-DEF19EBD98EA}"/>
+              </a:ext>
+            </a:extLst>
+          </p:cNvPr>
+          <p:cNvPicPr>
+            <a:picLocks noGrp="1" noChangeAspect="1"/>
+          </p:cNvPicPr>
+          <p:nvPr>
+            <p:ph sz="half" idx="2"/>
+          </p:nvPr>
+        </p:nvPicPr>
+        <p:blipFill>
+          <a:blip r:embed="rId3"/>
+          <a:stretch>
+            <a:fillRect/>
+          </a:stretch>
+        </p:blipFill>
+        <p:spPr>
+          <a:xfrm>
+            <a:off x="3539416" y="1061050"/>
+            <a:ext cx="5230642" cy="5402652"/>
+          </a:xfrm>
+          <a:prstGeom prst="rect">
+            <a:avLst/>
+          </a:prstGeom>
+          <a:ln>
+            <a:noFill/>
+          </a:ln>
+          <a:effectLst>
+            <a:outerShdw blurRad="292100" dist="139700" dir="2700000" algn="tl" rotWithShape="0">
+              <a:srgbClr val="333333">
+                <a:alpha val="65000"/>
+              </a:srgbClr>
+            </a:outerShdw>
+          </a:effectLst>
+        </p:spPr>
+      </p:pic>
+    </p:spTree>
+    <p:extLst>
+      <p:ext uri="{BB962C8B-B14F-4D97-AF65-F5344CB8AC3E}">
+        <p14:creationId xmlns:p14="http://schemas.microsoft.com/office/powerpoint/2010/main" val="1899317196"/>
+      </p:ext>
+    </p:extLst>
+  </p:cSld>
+  <p:clrMapOvr>
+    <a:masterClrMapping/>
+  </p:clrMapOvr>
+</p:sld>
+</file>
+
+<file path=ppt/slides/slide16.xml><?xml version="1.0" encoding="utf-8"?>
+<p:sld xmlns:a="http://schemas.openxmlformats.org/drawingml/2006/main" xmlns:r="http://schemas.openxmlformats.org/officeDocument/2006/relationships" xmlns:p="http://schemas.openxmlformats.org/presentationml/2006/main">
+  <p:cSld>
+    <p:spTree>
+      <p:nvGrpSpPr>
+        <p:cNvPr id="1" name=""/>
+        <p:cNvGrpSpPr/>
+        <p:nvPr/>
+      </p:nvGrpSpPr>
+      <p:grpSpPr>
+        <a:xfrm>
+          <a:off x="0" y="0"/>
+          <a:ext cx="0" cy="0"/>
+          <a:chOff x="0" y="0"/>
+          <a:chExt cx="0" cy="0"/>
+        </a:xfrm>
+      </p:grpSpPr>
+      <p:sp>
+        <p:nvSpPr>
+          <p:cNvPr id="2" name="Titel 1">
+            <a:extLst>
+              <a:ext uri="{FF2B5EF4-FFF2-40B4-BE49-F238E27FC236}">
+                <a16:creationId xmlns:a16="http://schemas.microsoft.com/office/drawing/2014/main" id="{D6892E99-4C82-41CC-B820-86D0F495D7B0}"/>
+              </a:ext>
+            </a:extLst>
+          </p:cNvPr>
+          <p:cNvSpPr>
+            <a:spLocks noGrp="1"/>
+          </p:cNvSpPr>
+          <p:nvPr>
+            <p:ph type="title"/>
+          </p:nvPr>
+        </p:nvSpPr>
+        <p:spPr/>
+        <p:txBody>
+          <a:bodyPr>
+            <a:normAutofit/>
+          </a:bodyPr>
+          <a:lstStyle/>
+          <a:p>
+            <a:r>
+              <a:rPr lang="en-US" dirty="0"/>
+              <a:t>Validation</a:t>
+            </a:r>
+          </a:p>
+        </p:txBody>
+      </p:sp>
+      <p:sp>
+        <p:nvSpPr>
+          <p:cNvPr id="5" name="Inhaltsplatzhalter 4">
+            <a:extLst>
+              <a:ext uri="{FF2B5EF4-FFF2-40B4-BE49-F238E27FC236}">
+                <a16:creationId xmlns:a16="http://schemas.microsoft.com/office/drawing/2014/main" id="{C5AF896E-DC51-075D-9ACD-1604B0623CA9}"/>
+              </a:ext>
+            </a:extLst>
+          </p:cNvPr>
+          <p:cNvSpPr>
+            <a:spLocks noGrp="1"/>
+          </p:cNvSpPr>
+          <p:nvPr>
+            <p:ph sz="half" idx="1"/>
+          </p:nvPr>
+        </p:nvSpPr>
+        <p:spPr>
+          <a:xfrm>
+            <a:off x="457200" y="1398588"/>
+            <a:ext cx="3006969" cy="5459412"/>
+          </a:xfrm>
+        </p:spPr>
+        <p:txBody>
+          <a:bodyPr>
+            <a:normAutofit/>
+          </a:bodyPr>
+          <a:lstStyle/>
+          <a:p>
+            <a:pPr marL="0" indent="0">
+              <a:buNone/>
+            </a:pPr>
+            <a:r>
+              <a:rPr lang="en-US" dirty="0"/>
+              <a:t>Minimalistic changes between V3.9 and V4.0 allow manual code review. Output may differ, but coverage estimates must not change.</a:t>
+            </a:r>
+          </a:p>
+        </p:txBody>
+      </p:sp>
+      <p:sp>
+        <p:nvSpPr>
+          <p:cNvPr id="4" name="Inhaltsplatzhalter 3">
+            <a:extLst>
+              <a:ext uri="{FF2B5EF4-FFF2-40B4-BE49-F238E27FC236}">
+                <a16:creationId xmlns:a16="http://schemas.microsoft.com/office/drawing/2014/main" id="{CDA99C13-20F7-368F-27B7-6792FB0F2A88}"/>
+              </a:ext>
+            </a:extLst>
+          </p:cNvPr>
+          <p:cNvSpPr>
+            <a:spLocks noGrp="1"/>
+          </p:cNvSpPr>
+          <p:nvPr>
+            <p:ph sz="half" idx="2"/>
+          </p:nvPr>
+        </p:nvSpPr>
+        <p:spPr/>
+        <p:txBody>
+          <a:bodyPr/>
+          <a:lstStyle/>
+          <a:p>
+            <a:r>
+              <a:rPr lang="de-DE" dirty="0"/>
+              <a:t>estimate.bat</a:t>
+            </a:r>
+          </a:p>
+          <a:p>
+            <a:r>
+              <a:rPr lang="de-DE" b="0" dirty="0"/>
+              <a:t>…</a:t>
+            </a:r>
+          </a:p>
+          <a:p>
+            <a:r>
+              <a:rPr lang="de-DE" b="0" dirty="0" err="1"/>
+              <a:t>call</a:t>
+            </a:r>
+            <a:r>
+              <a:rPr lang="de-DE" b="0" dirty="0"/>
+              <a:t> xsb64 --</a:t>
+            </a:r>
+            <a:r>
+              <a:rPr lang="de-DE" b="0" dirty="0" err="1"/>
+              <a:t>quietload</a:t>
+            </a:r>
+            <a:r>
+              <a:rPr lang="de-DE" b="0" dirty="0"/>
+              <a:t> --</a:t>
+            </a:r>
+            <a:r>
+              <a:rPr lang="de-DE" b="0" dirty="0" err="1"/>
+              <a:t>nobanner</a:t>
+            </a:r>
+            <a:r>
+              <a:rPr lang="de-DE" b="0" dirty="0"/>
+              <a:t> --</a:t>
+            </a:r>
+            <a:r>
+              <a:rPr lang="de-DE" b="0" dirty="0" err="1"/>
+              <a:t>noprompt</a:t>
+            </a:r>
+            <a:r>
+              <a:rPr lang="de-DE" b="0" dirty="0"/>
+              <a:t> -e "</a:t>
+            </a:r>
+            <a:r>
+              <a:rPr lang="de-DE" b="0" dirty="0" err="1"/>
+              <a:t>consult</a:t>
+            </a:r>
+            <a:r>
+              <a:rPr lang="de-DE" b="0" dirty="0"/>
+              <a:t>('</a:t>
+            </a:r>
+            <a:r>
+              <a:rPr lang="de-DE" b="0" dirty="0" err="1"/>
+              <a:t>xsb</a:t>
+            </a:r>
+            <a:r>
+              <a:rPr lang="de-DE" b="0" dirty="0"/>
+              <a:t>/wuenic_ver_3_9.P'), </a:t>
+            </a:r>
+            <a:r>
+              <a:rPr lang="de-DE" b="0" dirty="0" err="1"/>
+              <a:t>consult</a:t>
+            </a:r>
+            <a:r>
+              <a:rPr lang="de-DE" b="0" dirty="0"/>
+              <a:t>('</a:t>
+            </a:r>
+            <a:r>
+              <a:rPr lang="de-DE" b="0" dirty="0" err="1"/>
+              <a:t>xsb</a:t>
+            </a:r>
+            <a:r>
+              <a:rPr lang="de-DE" b="0" dirty="0"/>
+              <a:t>/%1'), </a:t>
+            </a:r>
+            <a:r>
+              <a:rPr lang="de-DE" b="0" dirty="0" err="1"/>
+              <a:t>estimate</a:t>
+            </a:r>
+            <a:r>
+              <a:rPr lang="de-DE" b="0" dirty="0"/>
+              <a:t>, halt."</a:t>
+            </a:r>
+          </a:p>
+          <a:p>
+            <a:r>
+              <a:rPr lang="de-DE" b="0" dirty="0" err="1"/>
+              <a:t>swipl</a:t>
+            </a:r>
+            <a:r>
+              <a:rPr lang="de-DE" b="0" dirty="0"/>
+              <a:t> -g "</a:t>
+            </a:r>
+            <a:r>
+              <a:rPr lang="de-DE" b="0" dirty="0" err="1"/>
+              <a:t>consult</a:t>
+            </a:r>
+            <a:r>
+              <a:rPr lang="de-DE" b="0" dirty="0"/>
+              <a:t>('</a:t>
+            </a:r>
+            <a:r>
+              <a:rPr lang="de-DE" b="0" dirty="0" err="1"/>
+              <a:t>xsb</a:t>
+            </a:r>
+            <a:r>
+              <a:rPr lang="de-DE" b="0" dirty="0"/>
+              <a:t>/wuenic_ver_4.pl'), </a:t>
+            </a:r>
+            <a:r>
+              <a:rPr lang="de-DE" b="0" dirty="0" err="1"/>
+              <a:t>consult</a:t>
+            </a:r>
+            <a:r>
+              <a:rPr lang="de-DE" b="0" dirty="0"/>
+              <a:t>('</a:t>
+            </a:r>
+            <a:r>
+              <a:rPr lang="de-DE" b="0" dirty="0" err="1"/>
+              <a:t>xsb</a:t>
+            </a:r>
+            <a:r>
+              <a:rPr lang="de-DE" b="0" dirty="0"/>
+              <a:t>/%1'), </a:t>
+            </a:r>
+            <a:r>
+              <a:rPr lang="de-DE" b="0" dirty="0" err="1"/>
+              <a:t>estimate</a:t>
+            </a:r>
+            <a:r>
+              <a:rPr lang="de-DE" b="0" dirty="0"/>
+              <a:t>" -g halt</a:t>
+            </a:r>
+          </a:p>
+          <a:p>
+            <a:r>
+              <a:rPr lang="de-DE" b="0" dirty="0"/>
+              <a:t>…</a:t>
+            </a:r>
+          </a:p>
+          <a:p>
+            <a:r>
+              <a:rPr lang="de-DE" b="0" dirty="0"/>
+              <a:t>R --</a:t>
+            </a:r>
+            <a:r>
+              <a:rPr lang="de-DE" b="0" dirty="0" err="1"/>
+              <a:t>quiet</a:t>
+            </a:r>
+            <a:r>
+              <a:rPr lang="de-DE" b="0" dirty="0"/>
+              <a:t> --</a:t>
+            </a:r>
+            <a:r>
+              <a:rPr lang="de-DE" b="0" dirty="0" err="1"/>
+              <a:t>no</a:t>
+            </a:r>
+            <a:r>
+              <a:rPr lang="de-DE" b="0" dirty="0"/>
+              <a:t>-echo --file=R\</a:t>
+            </a:r>
+            <a:r>
+              <a:rPr lang="de-DE" b="0" dirty="0" err="1"/>
+              <a:t>diff.R</a:t>
+            </a:r>
+            <a:r>
+              <a:rPr lang="de-DE" b="0" dirty="0"/>
+              <a:t> --args %1</a:t>
+            </a:r>
+          </a:p>
+          <a:p>
+            <a:endParaRPr lang="de-DE" dirty="0"/>
+          </a:p>
+        </p:txBody>
+      </p:sp>
+      <p:pic>
+        <p:nvPicPr>
+          <p:cNvPr id="6" name="Grafik 5">
+            <a:extLst>
+              <a:ext uri="{FF2B5EF4-FFF2-40B4-BE49-F238E27FC236}">
+                <a16:creationId xmlns:a16="http://schemas.microsoft.com/office/drawing/2014/main" id="{EEF1862D-B89B-E0DD-B209-EAC8BD6868F4}"/>
+              </a:ext>
+            </a:extLst>
+          </p:cNvPr>
+          <p:cNvPicPr>
+            <a:picLocks noChangeAspect="1"/>
+          </p:cNvPicPr>
+          <p:nvPr/>
+        </p:nvPicPr>
+        <p:blipFill>
+          <a:blip r:embed="rId3"/>
+          <a:stretch>
+            <a:fillRect/>
+          </a:stretch>
+        </p:blipFill>
+        <p:spPr>
+          <a:xfrm>
+            <a:off x="679593" y="3925020"/>
+            <a:ext cx="4867760" cy="2725946"/>
+          </a:xfrm>
+          <a:prstGeom prst="rect">
+            <a:avLst/>
+          </a:prstGeom>
+          <a:ln>
+            <a:noFill/>
+          </a:ln>
+          <a:effectLst>
+            <a:outerShdw blurRad="292100" dist="139700" dir="2700000" algn="tl" rotWithShape="0">
+              <a:srgbClr val="333333">
+                <a:alpha val="65000"/>
+              </a:srgbClr>
+            </a:outerShdw>
+          </a:effectLst>
+        </p:spPr>
+      </p:pic>
+      <p:cxnSp>
+        <p:nvCxnSpPr>
+          <p:cNvPr id="8" name="Gerade Verbindung mit Pfeil 7">
+            <a:extLst>
+              <a:ext uri="{FF2B5EF4-FFF2-40B4-BE49-F238E27FC236}">
+                <a16:creationId xmlns:a16="http://schemas.microsoft.com/office/drawing/2014/main" id="{7C12D557-0272-7EA9-83F6-6A47F85C87D3}"/>
+              </a:ext>
+            </a:extLst>
+          </p:cNvPr>
+          <p:cNvCxnSpPr/>
+          <p:nvPr/>
+        </p:nvCxnSpPr>
+        <p:spPr>
+          <a:xfrm flipH="1" flipV="1">
+            <a:off x="2777706" y="6126163"/>
+            <a:ext cx="335767" cy="110735"/>
+          </a:xfrm>
+          <a:prstGeom prst="straightConnector1">
+            <a:avLst/>
+          </a:prstGeom>
+          <a:ln>
+            <a:tailEnd type="triangle"/>
+          </a:ln>
+        </p:spPr>
+        <p:style>
+          <a:lnRef idx="3">
+            <a:schemeClr val="accent2"/>
+          </a:lnRef>
+          <a:fillRef idx="0">
+            <a:schemeClr val="accent2"/>
+          </a:fillRef>
+          <a:effectRef idx="2">
+            <a:schemeClr val="accent2"/>
+          </a:effectRef>
+          <a:fontRef idx="minor">
+            <a:schemeClr val="tx1"/>
+          </a:fontRef>
+        </p:style>
+      </p:cxnSp>
+    </p:spTree>
+    <p:extLst>
+      <p:ext uri="{BB962C8B-B14F-4D97-AF65-F5344CB8AC3E}">
+        <p14:creationId xmlns:p14="http://schemas.microsoft.com/office/powerpoint/2010/main" val="506669349"/>
+      </p:ext>
+    </p:extLst>
+  </p:cSld>
+  <p:clrMapOvr>
+    <a:masterClrMapping/>
+  </p:clrMapOvr>
+</p:sld>
+</file>
+
+<file path=ppt/slides/slide17.xml><?xml version="1.0" encoding="utf-8"?>
+<p:sld xmlns:a="http://schemas.openxmlformats.org/drawingml/2006/main" xmlns:r="http://schemas.openxmlformats.org/officeDocument/2006/relationships" xmlns:p="http://schemas.openxmlformats.org/presentationml/2006/main">
+  <p:cSld>
+    <p:spTree>
+      <p:nvGrpSpPr>
+        <p:cNvPr id="1" name=""/>
+        <p:cNvGrpSpPr/>
+        <p:nvPr/>
+      </p:nvGrpSpPr>
+      <p:grpSpPr>
+        <a:xfrm>
+          <a:off x="0" y="0"/>
+          <a:ext cx="0" cy="0"/>
+          <a:chOff x="0" y="0"/>
+          <a:chExt cx="0" cy="0"/>
+        </a:xfrm>
+      </p:grpSpPr>
+      <p:sp>
+        <p:nvSpPr>
+          <p:cNvPr id="2" name="Titel 1">
+            <a:extLst>
+              <a:ext uri="{FF2B5EF4-FFF2-40B4-BE49-F238E27FC236}">
+                <a16:creationId xmlns:a16="http://schemas.microsoft.com/office/drawing/2014/main" id="{D6892E99-4C82-41CC-B820-86D0F495D7B0}"/>
+              </a:ext>
+            </a:extLst>
+          </p:cNvPr>
+          <p:cNvSpPr>
+            <a:spLocks noGrp="1"/>
+          </p:cNvSpPr>
+          <p:nvPr>
+            <p:ph type="title"/>
+          </p:nvPr>
+        </p:nvSpPr>
+        <p:spPr/>
+        <p:txBody>
+          <a:bodyPr>
+            <a:normAutofit/>
+          </a:bodyPr>
+          <a:lstStyle/>
+          <a:p>
+            <a:r>
+              <a:rPr lang="en-US" dirty="0"/>
+              <a:t>Practical session</a:t>
+            </a:r>
+          </a:p>
+        </p:txBody>
+      </p:sp>
+      <p:sp>
+        <p:nvSpPr>
+          <p:cNvPr id="5" name="Inhaltsplatzhalter 4">
+            <a:extLst>
+              <a:ext uri="{FF2B5EF4-FFF2-40B4-BE49-F238E27FC236}">
+                <a16:creationId xmlns:a16="http://schemas.microsoft.com/office/drawing/2014/main" id="{C5AF896E-DC51-075D-9ACD-1604B0623CA9}"/>
+              </a:ext>
+            </a:extLst>
+          </p:cNvPr>
+          <p:cNvSpPr>
+            <a:spLocks noGrp="1"/>
+          </p:cNvSpPr>
+          <p:nvPr>
+            <p:ph sz="half" idx="1"/>
+          </p:nvPr>
+        </p:nvSpPr>
+        <p:spPr>
+          <a:xfrm>
+            <a:off x="457200" y="1398588"/>
+            <a:ext cx="3006969" cy="5459412"/>
+          </a:xfrm>
+        </p:spPr>
+        <p:txBody>
+          <a:bodyPr>
+            <a:normAutofit/>
+          </a:bodyPr>
+          <a:lstStyle/>
+          <a:p>
+            <a:pPr marL="0" indent="0">
+              <a:buNone/>
+            </a:pPr>
+            <a:r>
+              <a:rPr lang="en-US" dirty="0"/>
+              <a:t>Todo list</a:t>
+            </a:r>
+          </a:p>
+          <a:p>
+            <a:r>
+              <a:rPr lang="en-US" dirty="0"/>
+              <a:t>Install XSB prolog and add it to the PATH</a:t>
+            </a:r>
+          </a:p>
+          <a:p>
+            <a:r>
+              <a:rPr lang="en-US" dirty="0"/>
+              <a:t>Install SWI-Prolog, but </a:t>
+            </a:r>
+            <a:r>
+              <a:rPr lang="en-US" dirty="0">
+                <a:highlight>
+                  <a:srgbClr val="FFFF00"/>
+                </a:highlight>
+              </a:rPr>
+              <a:t>do not</a:t>
+            </a:r>
+            <a:r>
+              <a:rPr lang="en-US" dirty="0"/>
+              <a:t> add it to the PATH</a:t>
+            </a:r>
+          </a:p>
+          <a:p>
+            <a:r>
+              <a:rPr lang="en-US" dirty="0"/>
+              <a:t>adjust estimate.bat</a:t>
+            </a:r>
+          </a:p>
+          <a:p>
+            <a:r>
+              <a:rPr lang="en-US" dirty="0"/>
+              <a:t>Run validation on your computer</a:t>
+            </a:r>
+          </a:p>
+        </p:txBody>
+      </p:sp>
+      <p:pic>
+        <p:nvPicPr>
+          <p:cNvPr id="7" name="Grafik 6">
+            <a:extLst>
+              <a:ext uri="{FF2B5EF4-FFF2-40B4-BE49-F238E27FC236}">
+                <a16:creationId xmlns:a16="http://schemas.microsoft.com/office/drawing/2014/main" id="{F84FA65F-3640-FC66-3766-0A7AD8014127}"/>
+              </a:ext>
+            </a:extLst>
+          </p:cNvPr>
+          <p:cNvPicPr>
+            <a:picLocks noChangeAspect="1"/>
+          </p:cNvPicPr>
+          <p:nvPr/>
+        </p:nvPicPr>
+        <p:blipFill>
+          <a:blip r:embed="rId3"/>
+          <a:stretch>
+            <a:fillRect/>
+          </a:stretch>
+        </p:blipFill>
+        <p:spPr>
+          <a:xfrm>
+            <a:off x="3656693" y="431320"/>
+            <a:ext cx="5203863" cy="5520906"/>
+          </a:xfrm>
+          <a:prstGeom prst="rect">
+            <a:avLst/>
+          </a:prstGeom>
+          <a:ln>
+            <a:noFill/>
+          </a:ln>
+          <a:effectLst>
+            <a:outerShdw blurRad="292100" dist="139700" dir="2700000" algn="tl" rotWithShape="0">
+              <a:srgbClr val="333333">
+                <a:alpha val="65000"/>
+              </a:srgbClr>
+            </a:outerShdw>
+          </a:effectLst>
+        </p:spPr>
+      </p:pic>
+    </p:spTree>
+    <p:extLst>
+      <p:ext uri="{BB962C8B-B14F-4D97-AF65-F5344CB8AC3E}">
+        <p14:creationId xmlns:p14="http://schemas.microsoft.com/office/powerpoint/2010/main" val="475337412"/>
+      </p:ext>
+    </p:extLst>
+  </p:cSld>
+  <p:clrMapOvr>
+    <a:masterClrMapping/>
+  </p:clrMapOvr>
+</p:sld>
+</file>
+
 <file path=ppt/slides/slide2.xml><?xml version="1.0" encoding="utf-8"?>
 <p:sld xmlns:a="http://schemas.openxmlformats.org/drawingml/2006/main" xmlns:r="http://schemas.openxmlformats.org/officeDocument/2006/relationships" xmlns:p="http://schemas.openxmlformats.org/presentationml/2006/main">
   <p:cSld>
@@ -11136,8 +17484,16 @@
               <a:buNone/>
             </a:pPr>
             <a:r>
+              <a:rPr lang="en-US" dirty="0">
+                <a:highlight>
+                  <a:srgbClr val="FFFF00"/>
+                </a:highlight>
+              </a:rPr>
+              <a:t>Works for all countries.</a:t>
+            </a:r>
+            <a:r>
               <a:rPr lang="en-US" dirty="0"/>
-              <a:t>Works for Bangladesh. </a:t>
+              <a:t> </a:t>
             </a:r>
             <a:br>
               <a:rPr lang="en-US" dirty="0"/>
